--- a/book/pictures/flow-charts.pptx
+++ b/book/pictures/flow-charts.pptx
@@ -2,18 +2,20 @@
 <file path=ppt/presentation.xml><?xml version="1.0" encoding="utf-8"?>
 <p:presentation xmlns:a="http://schemas.openxmlformats.org/drawingml/2006/main" xmlns:r="http://schemas.openxmlformats.org/officeDocument/2006/relationships" xmlns:p="http://schemas.openxmlformats.org/presentationml/2006/main" saveSubsetFonts="1" autoCompressPictures="0">
   <p:sldMasterIdLst>
-    <p:sldMasterId id="2147483648" r:id="rId1"/>
+    <p:sldMasterId id="2147483660" r:id="rId1"/>
   </p:sldMasterIdLst>
   <p:sldIdLst>
     <p:sldId id="256" r:id="rId2"/>
+    <p:sldId id="257" r:id="rId3"/>
+    <p:sldId id="258" r:id="rId4"/>
   </p:sldIdLst>
-  <p:sldSz cx="12192000" cy="6858000"/>
+  <p:sldSz cx="12801600" cy="9601200" type="A3"/>
   <p:notesSz cx="6858000" cy="9144000"/>
   <p:defaultTextStyle>
     <a:defPPr>
       <a:defRPr lang="en-US"/>
     </a:defPPr>
-    <a:lvl1pPr marL="0" algn="l" defTabSz="914400" rtl="0" eaLnBrk="1" latinLnBrk="0" hangingPunct="1">
+    <a:lvl1pPr marL="0" algn="l" defTabSz="457200" rtl="0" eaLnBrk="1" latinLnBrk="0" hangingPunct="1">
       <a:defRPr sz="1800" kern="1200">
         <a:solidFill>
           <a:schemeClr val="tx1"/>
@@ -23,7 +25,7 @@
         <a:cs typeface="+mn-cs"/>
       </a:defRPr>
     </a:lvl1pPr>
-    <a:lvl2pPr marL="457200" algn="l" defTabSz="914400" rtl="0" eaLnBrk="1" latinLnBrk="0" hangingPunct="1">
+    <a:lvl2pPr marL="457200" algn="l" defTabSz="457200" rtl="0" eaLnBrk="1" latinLnBrk="0" hangingPunct="1">
       <a:defRPr sz="1800" kern="1200">
         <a:solidFill>
           <a:schemeClr val="tx1"/>
@@ -33,7 +35,7 @@
         <a:cs typeface="+mn-cs"/>
       </a:defRPr>
     </a:lvl2pPr>
-    <a:lvl3pPr marL="914400" algn="l" defTabSz="914400" rtl="0" eaLnBrk="1" latinLnBrk="0" hangingPunct="1">
+    <a:lvl3pPr marL="914400" algn="l" defTabSz="457200" rtl="0" eaLnBrk="1" latinLnBrk="0" hangingPunct="1">
       <a:defRPr sz="1800" kern="1200">
         <a:solidFill>
           <a:schemeClr val="tx1"/>
@@ -43,7 +45,7 @@
         <a:cs typeface="+mn-cs"/>
       </a:defRPr>
     </a:lvl3pPr>
-    <a:lvl4pPr marL="1371600" algn="l" defTabSz="914400" rtl="0" eaLnBrk="1" latinLnBrk="0" hangingPunct="1">
+    <a:lvl4pPr marL="1371600" algn="l" defTabSz="457200" rtl="0" eaLnBrk="1" latinLnBrk="0" hangingPunct="1">
       <a:defRPr sz="1800" kern="1200">
         <a:solidFill>
           <a:schemeClr val="tx1"/>
@@ -53,7 +55,7 @@
         <a:cs typeface="+mn-cs"/>
       </a:defRPr>
     </a:lvl4pPr>
-    <a:lvl5pPr marL="1828800" algn="l" defTabSz="914400" rtl="0" eaLnBrk="1" latinLnBrk="0" hangingPunct="1">
+    <a:lvl5pPr marL="1828800" algn="l" defTabSz="457200" rtl="0" eaLnBrk="1" latinLnBrk="0" hangingPunct="1">
       <a:defRPr sz="1800" kern="1200">
         <a:solidFill>
           <a:schemeClr val="tx1"/>
@@ -63,7 +65,7 @@
         <a:cs typeface="+mn-cs"/>
       </a:defRPr>
     </a:lvl5pPr>
-    <a:lvl6pPr marL="2286000" algn="l" defTabSz="914400" rtl="0" eaLnBrk="1" latinLnBrk="0" hangingPunct="1">
+    <a:lvl6pPr marL="2286000" algn="l" defTabSz="457200" rtl="0" eaLnBrk="1" latinLnBrk="0" hangingPunct="1">
       <a:defRPr sz="1800" kern="1200">
         <a:solidFill>
           <a:schemeClr val="tx1"/>
@@ -73,7 +75,7 @@
         <a:cs typeface="+mn-cs"/>
       </a:defRPr>
     </a:lvl6pPr>
-    <a:lvl7pPr marL="2743200" algn="l" defTabSz="914400" rtl="0" eaLnBrk="1" latinLnBrk="0" hangingPunct="1">
+    <a:lvl7pPr marL="2743200" algn="l" defTabSz="457200" rtl="0" eaLnBrk="1" latinLnBrk="0" hangingPunct="1">
       <a:defRPr sz="1800" kern="1200">
         <a:solidFill>
           <a:schemeClr val="tx1"/>
@@ -83,7 +85,7 @@
         <a:cs typeface="+mn-cs"/>
       </a:defRPr>
     </a:lvl7pPr>
-    <a:lvl8pPr marL="3200400" algn="l" defTabSz="914400" rtl="0" eaLnBrk="1" latinLnBrk="0" hangingPunct="1">
+    <a:lvl8pPr marL="3200400" algn="l" defTabSz="457200" rtl="0" eaLnBrk="1" latinLnBrk="0" hangingPunct="1">
       <a:defRPr sz="1800" kern="1200">
         <a:solidFill>
           <a:schemeClr val="tx1"/>
@@ -93,7 +95,7 @@
         <a:cs typeface="+mn-cs"/>
       </a:defRPr>
     </a:lvl8pPr>
-    <a:lvl9pPr marL="3657600" algn="l" defTabSz="914400" rtl="0" eaLnBrk="1" latinLnBrk="0" hangingPunct="1">
+    <a:lvl9pPr marL="3657600" algn="l" defTabSz="457200" rtl="0" eaLnBrk="1" latinLnBrk="0" hangingPunct="1">
       <a:defRPr sz="1800" kern="1200">
         <a:solidFill>
           <a:schemeClr val="tx1"/>
@@ -104,6 +106,11 @@
       </a:defRPr>
     </a:lvl9pPr>
   </p:defaultTextStyle>
+  <p:extLst>
+    <p:ext uri="{EFAFB233-063F-42B5-8137-9DF3F51BA10A}">
+      <p15:sldGuideLst xmlns:p15="http://schemas.microsoft.com/office/powerpoint/2012/main"/>
+    </p:ext>
+  </p:extLst>
 </p:presentation>
 </file>
 
@@ -126,13 +133,7 @@
       </p:grpSpPr>
       <p:sp>
         <p:nvSpPr>
-          <p:cNvPr id="2" name="Title 1">
-            <a:extLst>
-              <a:ext uri="{FF2B5EF4-FFF2-40B4-BE49-F238E27FC236}">
-                <a16:creationId xmlns:a16="http://schemas.microsoft.com/office/drawing/2014/main" id="{2CFE23E1-811F-DE93-56A0-F74ECF62B031}"/>
-              </a:ext>
-            </a:extLst>
-          </p:cNvPr>
+          <p:cNvPr id="2" name="Title 1"/>
           <p:cNvSpPr>
             <a:spLocks noGrp="1"/>
           </p:cNvSpPr>
@@ -142,15 +143,15 @@
         </p:nvSpPr>
         <p:spPr>
           <a:xfrm>
-            <a:off x="1524000" y="1122363"/>
-            <a:ext cx="9144000" cy="2387600"/>
+            <a:off x="960120" y="1571308"/>
+            <a:ext cx="10881360" cy="3342640"/>
           </a:xfrm>
         </p:spPr>
         <p:txBody>
           <a:bodyPr anchor="b"/>
           <a:lstStyle>
             <a:lvl1pPr algn="ctr">
-              <a:defRPr sz="6000"/>
+              <a:defRPr sz="8400"/>
             </a:lvl1pPr>
           </a:lstStyle>
           <a:p>
@@ -158,19 +159,13 @@
               <a:rPr lang="en-GB"/>
               <a:t>Click to edit Master title style</a:t>
             </a:r>
-            <a:endParaRPr lang="en-US"/>
-          </a:p>
-        </p:txBody>
-      </p:sp>
-      <p:sp>
-        <p:nvSpPr>
-          <p:cNvPr id="3" name="Subtitle 2">
-            <a:extLst>
-              <a:ext uri="{FF2B5EF4-FFF2-40B4-BE49-F238E27FC236}">
-                <a16:creationId xmlns:a16="http://schemas.microsoft.com/office/drawing/2014/main" id="{BE4E6A65-EAFF-DAD1-7F70-EE1945694AB3}"/>
-              </a:ext>
-            </a:extLst>
-          </p:cNvPr>
+            <a:endParaRPr lang="en-US" dirty="0"/>
+          </a:p>
+        </p:txBody>
+      </p:sp>
+      <p:sp>
+        <p:nvSpPr>
+          <p:cNvPr id="3" name="Subtitle 2"/>
           <p:cNvSpPr>
             <a:spLocks noGrp="1"/>
           </p:cNvSpPr>
@@ -180,8 +175,8 @@
         </p:nvSpPr>
         <p:spPr>
           <a:xfrm>
-            <a:off x="1524000" y="3602038"/>
-            <a:ext cx="9144000" cy="1655762"/>
+            <a:off x="1600200" y="5042853"/>
+            <a:ext cx="9601200" cy="2318067"/>
           </a:xfrm>
         </p:spPr>
         <p:txBody>
@@ -189,39 +184,39 @@
           <a:lstStyle>
             <a:lvl1pPr marL="0" indent="0" algn="ctr">
               <a:buNone/>
-              <a:defRPr sz="2400"/>
+              <a:defRPr sz="3360"/>
             </a:lvl1pPr>
-            <a:lvl2pPr marL="457200" indent="0" algn="ctr">
+            <a:lvl2pPr marL="640080" indent="0" algn="ctr">
               <a:buNone/>
-              <a:defRPr sz="2000"/>
+              <a:defRPr sz="2800"/>
             </a:lvl2pPr>
-            <a:lvl3pPr marL="914400" indent="0" algn="ctr">
+            <a:lvl3pPr marL="1280160" indent="0" algn="ctr">
               <a:buNone/>
-              <a:defRPr sz="1800"/>
+              <a:defRPr sz="2520"/>
             </a:lvl3pPr>
-            <a:lvl4pPr marL="1371600" indent="0" algn="ctr">
+            <a:lvl4pPr marL="1920240" indent="0" algn="ctr">
               <a:buNone/>
-              <a:defRPr sz="1600"/>
+              <a:defRPr sz="2240"/>
             </a:lvl4pPr>
-            <a:lvl5pPr marL="1828800" indent="0" algn="ctr">
+            <a:lvl5pPr marL="2560320" indent="0" algn="ctr">
               <a:buNone/>
-              <a:defRPr sz="1600"/>
+              <a:defRPr sz="2240"/>
             </a:lvl5pPr>
-            <a:lvl6pPr marL="2286000" indent="0" algn="ctr">
+            <a:lvl6pPr marL="3200400" indent="0" algn="ctr">
               <a:buNone/>
-              <a:defRPr sz="1600"/>
+              <a:defRPr sz="2240"/>
             </a:lvl6pPr>
-            <a:lvl7pPr marL="2743200" indent="0" algn="ctr">
+            <a:lvl7pPr marL="3840480" indent="0" algn="ctr">
               <a:buNone/>
-              <a:defRPr sz="1600"/>
+              <a:defRPr sz="2240"/>
             </a:lvl7pPr>
-            <a:lvl8pPr marL="3200400" indent="0" algn="ctr">
+            <a:lvl8pPr marL="4480560" indent="0" algn="ctr">
               <a:buNone/>
-              <a:defRPr sz="1600"/>
+              <a:defRPr sz="2240"/>
             </a:lvl8pPr>
-            <a:lvl9pPr marL="3657600" indent="0" algn="ctr">
+            <a:lvl9pPr marL="5120640" indent="0" algn="ctr">
               <a:buNone/>
-              <a:defRPr sz="1600"/>
+              <a:defRPr sz="2240"/>
             </a:lvl9pPr>
           </a:lstStyle>
           <a:p>
@@ -229,19 +224,13 @@
               <a:rPr lang="en-GB"/>
               <a:t>Click to edit Master subtitle style</a:t>
             </a:r>
-            <a:endParaRPr lang="en-US"/>
-          </a:p>
-        </p:txBody>
-      </p:sp>
-      <p:sp>
-        <p:nvSpPr>
-          <p:cNvPr id="4" name="Date Placeholder 3">
-            <a:extLst>
-              <a:ext uri="{FF2B5EF4-FFF2-40B4-BE49-F238E27FC236}">
-                <a16:creationId xmlns:a16="http://schemas.microsoft.com/office/drawing/2014/main" id="{D63CDCB1-C235-E96D-D629-8BF7DBC7BE45}"/>
-              </a:ext>
-            </a:extLst>
-          </p:cNvPr>
+            <a:endParaRPr lang="en-US" dirty="0"/>
+          </a:p>
+        </p:txBody>
+      </p:sp>
+      <p:sp>
+        <p:nvSpPr>
+          <p:cNvPr id="4" name="Date Placeholder 3"/>
           <p:cNvSpPr>
             <a:spLocks noGrp="1"/>
           </p:cNvSpPr>
@@ -256,7 +245,7 @@
           <a:p>
             <a:fld id="{B85DF64A-A64B-9B40-9390-C6B9C8EAFEF9}" type="datetimeFigureOut">
               <a:rPr lang="en-US" smtClean="0"/>
-              <a:t>10/21/24</a:t>
+              <a:t>10/23/24</a:t>
             </a:fld>
             <a:endParaRPr lang="en-US"/>
           </a:p>
@@ -264,13 +253,7 @@
       </p:sp>
       <p:sp>
         <p:nvSpPr>
-          <p:cNvPr id="5" name="Footer Placeholder 4">
-            <a:extLst>
-              <a:ext uri="{FF2B5EF4-FFF2-40B4-BE49-F238E27FC236}">
-                <a16:creationId xmlns:a16="http://schemas.microsoft.com/office/drawing/2014/main" id="{E3B5F9B0-1F1C-4748-4BCE-670157010446}"/>
-              </a:ext>
-            </a:extLst>
-          </p:cNvPr>
+          <p:cNvPr id="5" name="Footer Placeholder 4"/>
           <p:cNvSpPr>
             <a:spLocks noGrp="1"/>
           </p:cNvSpPr>
@@ -289,13 +272,7 @@
       </p:sp>
       <p:sp>
         <p:nvSpPr>
-          <p:cNvPr id="6" name="Slide Number Placeholder 5">
-            <a:extLst>
-              <a:ext uri="{FF2B5EF4-FFF2-40B4-BE49-F238E27FC236}">
-                <a16:creationId xmlns:a16="http://schemas.microsoft.com/office/drawing/2014/main" id="{9298DF48-9D08-9F4E-AB58-1ED1FABB1E37}"/>
-              </a:ext>
-            </a:extLst>
-          </p:cNvPr>
+          <p:cNvPr id="6" name="Slide Number Placeholder 5"/>
           <p:cNvSpPr>
             <a:spLocks noGrp="1"/>
           </p:cNvSpPr>
@@ -319,7 +296,7 @@
     </p:spTree>
     <p:extLst>
       <p:ext uri="{BB962C8B-B14F-4D97-AF65-F5344CB8AC3E}">
-        <p14:creationId xmlns:p14="http://schemas.microsoft.com/office/powerpoint/2010/main" val="2966089369"/>
+        <p14:creationId xmlns:p14="http://schemas.microsoft.com/office/powerpoint/2010/main" val="3279780956"/>
       </p:ext>
     </p:extLst>
   </p:cSld>
@@ -348,13 +325,7 @@
       </p:grpSpPr>
       <p:sp>
         <p:nvSpPr>
-          <p:cNvPr id="2" name="Title 1">
-            <a:extLst>
-              <a:ext uri="{FF2B5EF4-FFF2-40B4-BE49-F238E27FC236}">
-                <a16:creationId xmlns:a16="http://schemas.microsoft.com/office/drawing/2014/main" id="{E7587E3A-786F-4165-BE4E-274BDB1FF7BA}"/>
-              </a:ext>
-            </a:extLst>
-          </p:cNvPr>
+          <p:cNvPr id="2" name="Title 1"/>
           <p:cNvSpPr>
             <a:spLocks noGrp="1"/>
           </p:cNvSpPr>
@@ -371,19 +342,13 @@
               <a:rPr lang="en-GB"/>
               <a:t>Click to edit Master title style</a:t>
             </a:r>
-            <a:endParaRPr lang="en-US"/>
-          </a:p>
-        </p:txBody>
-      </p:sp>
-      <p:sp>
-        <p:nvSpPr>
-          <p:cNvPr id="3" name="Vertical Text Placeholder 2">
-            <a:extLst>
-              <a:ext uri="{FF2B5EF4-FFF2-40B4-BE49-F238E27FC236}">
-                <a16:creationId xmlns:a16="http://schemas.microsoft.com/office/drawing/2014/main" id="{07512555-48BF-CE00-A21A-55172D2A941D}"/>
-              </a:ext>
-            </a:extLst>
-          </p:cNvPr>
+            <a:endParaRPr lang="en-US" dirty="0"/>
+          </a:p>
+        </p:txBody>
+      </p:sp>
+      <p:sp>
+        <p:nvSpPr>
+          <p:cNvPr id="3" name="Vertical Text Placeholder 2"/>
           <p:cNvSpPr>
             <a:spLocks noGrp="1"/>
           </p:cNvSpPr>
@@ -429,19 +394,13 @@
               <a:rPr lang="en-GB"/>
               <a:t>Fifth level</a:t>
             </a:r>
-            <a:endParaRPr lang="en-US"/>
-          </a:p>
-        </p:txBody>
-      </p:sp>
-      <p:sp>
-        <p:nvSpPr>
-          <p:cNvPr id="4" name="Date Placeholder 3">
-            <a:extLst>
-              <a:ext uri="{FF2B5EF4-FFF2-40B4-BE49-F238E27FC236}">
-                <a16:creationId xmlns:a16="http://schemas.microsoft.com/office/drawing/2014/main" id="{37CD4D32-9E6D-34E0-F27A-6E88F32AECFE}"/>
-              </a:ext>
-            </a:extLst>
-          </p:cNvPr>
+            <a:endParaRPr lang="en-US" dirty="0"/>
+          </a:p>
+        </p:txBody>
+      </p:sp>
+      <p:sp>
+        <p:nvSpPr>
+          <p:cNvPr id="4" name="Date Placeholder 3"/>
           <p:cNvSpPr>
             <a:spLocks noGrp="1"/>
           </p:cNvSpPr>
@@ -456,7 +415,7 @@
           <a:p>
             <a:fld id="{B85DF64A-A64B-9B40-9390-C6B9C8EAFEF9}" type="datetimeFigureOut">
               <a:rPr lang="en-US" smtClean="0"/>
-              <a:t>10/21/24</a:t>
+              <a:t>10/23/24</a:t>
             </a:fld>
             <a:endParaRPr lang="en-US"/>
           </a:p>
@@ -464,13 +423,7 @@
       </p:sp>
       <p:sp>
         <p:nvSpPr>
-          <p:cNvPr id="5" name="Footer Placeholder 4">
-            <a:extLst>
-              <a:ext uri="{FF2B5EF4-FFF2-40B4-BE49-F238E27FC236}">
-                <a16:creationId xmlns:a16="http://schemas.microsoft.com/office/drawing/2014/main" id="{C7CA3F92-9CD9-B25E-6D18-7C4351BB65AC}"/>
-              </a:ext>
-            </a:extLst>
-          </p:cNvPr>
+          <p:cNvPr id="5" name="Footer Placeholder 4"/>
           <p:cNvSpPr>
             <a:spLocks noGrp="1"/>
           </p:cNvSpPr>
@@ -489,13 +442,7 @@
       </p:sp>
       <p:sp>
         <p:nvSpPr>
-          <p:cNvPr id="6" name="Slide Number Placeholder 5">
-            <a:extLst>
-              <a:ext uri="{FF2B5EF4-FFF2-40B4-BE49-F238E27FC236}">
-                <a16:creationId xmlns:a16="http://schemas.microsoft.com/office/drawing/2014/main" id="{344996F6-8AF1-1A4A-711F-069F577EBE35}"/>
-              </a:ext>
-            </a:extLst>
-          </p:cNvPr>
+          <p:cNvPr id="6" name="Slide Number Placeholder 5"/>
           <p:cNvSpPr>
             <a:spLocks noGrp="1"/>
           </p:cNvSpPr>
@@ -519,7 +466,7 @@
     </p:spTree>
     <p:extLst>
       <p:ext uri="{BB962C8B-B14F-4D97-AF65-F5344CB8AC3E}">
-        <p14:creationId xmlns:p14="http://schemas.microsoft.com/office/powerpoint/2010/main" val="1244650408"/>
+        <p14:creationId xmlns:p14="http://schemas.microsoft.com/office/powerpoint/2010/main" val="4233350418"/>
       </p:ext>
     </p:extLst>
   </p:cSld>
@@ -548,13 +495,7 @@
       </p:grpSpPr>
       <p:sp>
         <p:nvSpPr>
-          <p:cNvPr id="2" name="Vertical Title 1">
-            <a:extLst>
-              <a:ext uri="{FF2B5EF4-FFF2-40B4-BE49-F238E27FC236}">
-                <a16:creationId xmlns:a16="http://schemas.microsoft.com/office/drawing/2014/main" id="{5B331A14-C666-FE42-0BC2-130759499EA4}"/>
-              </a:ext>
-            </a:extLst>
-          </p:cNvPr>
+          <p:cNvPr id="2" name="Vertical Title 1"/>
           <p:cNvSpPr>
             <a:spLocks noGrp="1"/>
           </p:cNvSpPr>
@@ -564,8 +505,8 @@
         </p:nvSpPr>
         <p:spPr>
           <a:xfrm>
-            <a:off x="8724900" y="365125"/>
-            <a:ext cx="2628900" cy="5811838"/>
+            <a:off x="9161146" y="511175"/>
+            <a:ext cx="2760345" cy="8136573"/>
           </a:xfrm>
         </p:spPr>
         <p:txBody>
@@ -576,19 +517,13 @@
               <a:rPr lang="en-GB"/>
               <a:t>Click to edit Master title style</a:t>
             </a:r>
-            <a:endParaRPr lang="en-US"/>
-          </a:p>
-        </p:txBody>
-      </p:sp>
-      <p:sp>
-        <p:nvSpPr>
-          <p:cNvPr id="3" name="Vertical Text Placeholder 2">
-            <a:extLst>
-              <a:ext uri="{FF2B5EF4-FFF2-40B4-BE49-F238E27FC236}">
-                <a16:creationId xmlns:a16="http://schemas.microsoft.com/office/drawing/2014/main" id="{73563F6F-0B8E-7B3F-3077-E55951EED546}"/>
-              </a:ext>
-            </a:extLst>
-          </p:cNvPr>
+            <a:endParaRPr lang="en-US" dirty="0"/>
+          </a:p>
+        </p:txBody>
+      </p:sp>
+      <p:sp>
+        <p:nvSpPr>
+          <p:cNvPr id="3" name="Vertical Text Placeholder 2"/>
           <p:cNvSpPr>
             <a:spLocks noGrp="1"/>
           </p:cNvSpPr>
@@ -598,8 +533,8 @@
         </p:nvSpPr>
         <p:spPr>
           <a:xfrm>
-            <a:off x="838200" y="365125"/>
-            <a:ext cx="7734300" cy="5811838"/>
+            <a:off x="880111" y="511175"/>
+            <a:ext cx="8121015" cy="8136573"/>
           </a:xfrm>
         </p:spPr>
         <p:txBody>
@@ -639,19 +574,13 @@
               <a:rPr lang="en-GB"/>
               <a:t>Fifth level</a:t>
             </a:r>
-            <a:endParaRPr lang="en-US"/>
-          </a:p>
-        </p:txBody>
-      </p:sp>
-      <p:sp>
-        <p:nvSpPr>
-          <p:cNvPr id="4" name="Date Placeholder 3">
-            <a:extLst>
-              <a:ext uri="{FF2B5EF4-FFF2-40B4-BE49-F238E27FC236}">
-                <a16:creationId xmlns:a16="http://schemas.microsoft.com/office/drawing/2014/main" id="{A37DFB3C-C4FA-7769-F397-440BA802FC43}"/>
-              </a:ext>
-            </a:extLst>
-          </p:cNvPr>
+            <a:endParaRPr lang="en-US" dirty="0"/>
+          </a:p>
+        </p:txBody>
+      </p:sp>
+      <p:sp>
+        <p:nvSpPr>
+          <p:cNvPr id="4" name="Date Placeholder 3"/>
           <p:cNvSpPr>
             <a:spLocks noGrp="1"/>
           </p:cNvSpPr>
@@ -666,7 +595,7 @@
           <a:p>
             <a:fld id="{B85DF64A-A64B-9B40-9390-C6B9C8EAFEF9}" type="datetimeFigureOut">
               <a:rPr lang="en-US" smtClean="0"/>
-              <a:t>10/21/24</a:t>
+              <a:t>10/23/24</a:t>
             </a:fld>
             <a:endParaRPr lang="en-US"/>
           </a:p>
@@ -674,13 +603,7 @@
       </p:sp>
       <p:sp>
         <p:nvSpPr>
-          <p:cNvPr id="5" name="Footer Placeholder 4">
-            <a:extLst>
-              <a:ext uri="{FF2B5EF4-FFF2-40B4-BE49-F238E27FC236}">
-                <a16:creationId xmlns:a16="http://schemas.microsoft.com/office/drawing/2014/main" id="{282363A7-1900-9664-4108-EB61733D9656}"/>
-              </a:ext>
-            </a:extLst>
-          </p:cNvPr>
+          <p:cNvPr id="5" name="Footer Placeholder 4"/>
           <p:cNvSpPr>
             <a:spLocks noGrp="1"/>
           </p:cNvSpPr>
@@ -699,13 +622,7 @@
       </p:sp>
       <p:sp>
         <p:nvSpPr>
-          <p:cNvPr id="6" name="Slide Number Placeholder 5">
-            <a:extLst>
-              <a:ext uri="{FF2B5EF4-FFF2-40B4-BE49-F238E27FC236}">
-                <a16:creationId xmlns:a16="http://schemas.microsoft.com/office/drawing/2014/main" id="{BD2AF7AC-5814-C2DD-6B9A-BD7F5870ED58}"/>
-              </a:ext>
-            </a:extLst>
-          </p:cNvPr>
+          <p:cNvPr id="6" name="Slide Number Placeholder 5"/>
           <p:cNvSpPr>
             <a:spLocks noGrp="1"/>
           </p:cNvSpPr>
@@ -729,7 +646,7 @@
     </p:spTree>
     <p:extLst>
       <p:ext uri="{BB962C8B-B14F-4D97-AF65-F5344CB8AC3E}">
-        <p14:creationId xmlns:p14="http://schemas.microsoft.com/office/powerpoint/2010/main" val="3716325536"/>
+        <p14:creationId xmlns:p14="http://schemas.microsoft.com/office/powerpoint/2010/main" val="244212097"/>
       </p:ext>
     </p:extLst>
   </p:cSld>
@@ -758,13 +675,7 @@
       </p:grpSpPr>
       <p:sp>
         <p:nvSpPr>
-          <p:cNvPr id="2" name="Title 1">
-            <a:extLst>
-              <a:ext uri="{FF2B5EF4-FFF2-40B4-BE49-F238E27FC236}">
-                <a16:creationId xmlns:a16="http://schemas.microsoft.com/office/drawing/2014/main" id="{655B1016-213E-6F6E-ADEB-155E439D7C3C}"/>
-              </a:ext>
-            </a:extLst>
-          </p:cNvPr>
+          <p:cNvPr id="2" name="Title 1"/>
           <p:cNvSpPr>
             <a:spLocks noGrp="1"/>
           </p:cNvSpPr>
@@ -781,19 +692,13 @@
               <a:rPr lang="en-GB"/>
               <a:t>Click to edit Master title style</a:t>
             </a:r>
-            <a:endParaRPr lang="en-US"/>
-          </a:p>
-        </p:txBody>
-      </p:sp>
-      <p:sp>
-        <p:nvSpPr>
-          <p:cNvPr id="3" name="Content Placeholder 2">
-            <a:extLst>
-              <a:ext uri="{FF2B5EF4-FFF2-40B4-BE49-F238E27FC236}">
-                <a16:creationId xmlns:a16="http://schemas.microsoft.com/office/drawing/2014/main" id="{2C2296F5-E377-15A5-6653-746B64ED9F30}"/>
-              </a:ext>
-            </a:extLst>
-          </p:cNvPr>
+            <a:endParaRPr lang="en-US" dirty="0"/>
+          </a:p>
+        </p:txBody>
+      </p:sp>
+      <p:sp>
+        <p:nvSpPr>
+          <p:cNvPr id="3" name="Content Placeholder 2"/>
           <p:cNvSpPr>
             <a:spLocks noGrp="1"/>
           </p:cNvSpPr>
@@ -839,19 +744,13 @@
               <a:rPr lang="en-GB"/>
               <a:t>Fifth level</a:t>
             </a:r>
-            <a:endParaRPr lang="en-US"/>
-          </a:p>
-        </p:txBody>
-      </p:sp>
-      <p:sp>
-        <p:nvSpPr>
-          <p:cNvPr id="4" name="Date Placeholder 3">
-            <a:extLst>
-              <a:ext uri="{FF2B5EF4-FFF2-40B4-BE49-F238E27FC236}">
-                <a16:creationId xmlns:a16="http://schemas.microsoft.com/office/drawing/2014/main" id="{CC2F967E-616F-E5E0-67D4-EC0BCEA0BB43}"/>
-              </a:ext>
-            </a:extLst>
-          </p:cNvPr>
+            <a:endParaRPr lang="en-US" dirty="0"/>
+          </a:p>
+        </p:txBody>
+      </p:sp>
+      <p:sp>
+        <p:nvSpPr>
+          <p:cNvPr id="4" name="Date Placeholder 3"/>
           <p:cNvSpPr>
             <a:spLocks noGrp="1"/>
           </p:cNvSpPr>
@@ -866,7 +765,7 @@
           <a:p>
             <a:fld id="{B85DF64A-A64B-9B40-9390-C6B9C8EAFEF9}" type="datetimeFigureOut">
               <a:rPr lang="en-US" smtClean="0"/>
-              <a:t>10/21/24</a:t>
+              <a:t>10/23/24</a:t>
             </a:fld>
             <a:endParaRPr lang="en-US"/>
           </a:p>
@@ -874,13 +773,7 @@
       </p:sp>
       <p:sp>
         <p:nvSpPr>
-          <p:cNvPr id="5" name="Footer Placeholder 4">
-            <a:extLst>
-              <a:ext uri="{FF2B5EF4-FFF2-40B4-BE49-F238E27FC236}">
-                <a16:creationId xmlns:a16="http://schemas.microsoft.com/office/drawing/2014/main" id="{B839E638-B796-496E-0189-D97421C24E8B}"/>
-              </a:ext>
-            </a:extLst>
-          </p:cNvPr>
+          <p:cNvPr id="5" name="Footer Placeholder 4"/>
           <p:cNvSpPr>
             <a:spLocks noGrp="1"/>
           </p:cNvSpPr>
@@ -899,13 +792,7 @@
       </p:sp>
       <p:sp>
         <p:nvSpPr>
-          <p:cNvPr id="6" name="Slide Number Placeholder 5">
-            <a:extLst>
-              <a:ext uri="{FF2B5EF4-FFF2-40B4-BE49-F238E27FC236}">
-                <a16:creationId xmlns:a16="http://schemas.microsoft.com/office/drawing/2014/main" id="{D58DD552-1945-ECF5-265D-7B4E24446943}"/>
-              </a:ext>
-            </a:extLst>
-          </p:cNvPr>
+          <p:cNvPr id="6" name="Slide Number Placeholder 5"/>
           <p:cNvSpPr>
             <a:spLocks noGrp="1"/>
           </p:cNvSpPr>
@@ -929,7 +816,7 @@
     </p:spTree>
     <p:extLst>
       <p:ext uri="{BB962C8B-B14F-4D97-AF65-F5344CB8AC3E}">
-        <p14:creationId xmlns:p14="http://schemas.microsoft.com/office/powerpoint/2010/main" val="379883358"/>
+        <p14:creationId xmlns:p14="http://schemas.microsoft.com/office/powerpoint/2010/main" val="4140270102"/>
       </p:ext>
     </p:extLst>
   </p:cSld>
@@ -958,13 +845,7 @@
       </p:grpSpPr>
       <p:sp>
         <p:nvSpPr>
-          <p:cNvPr id="2" name="Title 1">
-            <a:extLst>
-              <a:ext uri="{FF2B5EF4-FFF2-40B4-BE49-F238E27FC236}">
-                <a16:creationId xmlns:a16="http://schemas.microsoft.com/office/drawing/2014/main" id="{F86D8E6D-136A-11E4-AC88-F2A3735EB83C}"/>
-              </a:ext>
-            </a:extLst>
-          </p:cNvPr>
+          <p:cNvPr id="2" name="Title 1"/>
           <p:cNvSpPr>
             <a:spLocks noGrp="1"/>
           </p:cNvSpPr>
@@ -974,15 +855,15 @@
         </p:nvSpPr>
         <p:spPr>
           <a:xfrm>
-            <a:off x="831850" y="1709738"/>
-            <a:ext cx="10515600" cy="2852737"/>
+            <a:off x="873443" y="2393635"/>
+            <a:ext cx="11041380" cy="3993832"/>
           </a:xfrm>
         </p:spPr>
         <p:txBody>
           <a:bodyPr anchor="b"/>
           <a:lstStyle>
             <a:lvl1pPr>
-              <a:defRPr sz="6000"/>
+              <a:defRPr sz="8400"/>
             </a:lvl1pPr>
           </a:lstStyle>
           <a:p>
@@ -990,19 +871,13 @@
               <a:rPr lang="en-GB"/>
               <a:t>Click to edit Master title style</a:t>
             </a:r>
-            <a:endParaRPr lang="en-US"/>
-          </a:p>
-        </p:txBody>
-      </p:sp>
-      <p:sp>
-        <p:nvSpPr>
-          <p:cNvPr id="3" name="Text Placeholder 2">
-            <a:extLst>
-              <a:ext uri="{FF2B5EF4-FFF2-40B4-BE49-F238E27FC236}">
-                <a16:creationId xmlns:a16="http://schemas.microsoft.com/office/drawing/2014/main" id="{18D4387A-CC3A-72F9-64FA-0DA7EF584067}"/>
-              </a:ext>
-            </a:extLst>
-          </p:cNvPr>
+            <a:endParaRPr lang="en-US" dirty="0"/>
+          </a:p>
+        </p:txBody>
+      </p:sp>
+      <p:sp>
+        <p:nvSpPr>
+          <p:cNvPr id="3" name="Text Placeholder 2"/>
           <p:cNvSpPr>
             <a:spLocks noGrp="1"/>
           </p:cNvSpPr>
@@ -1012,8 +887,8 @@
         </p:nvSpPr>
         <p:spPr>
           <a:xfrm>
-            <a:off x="831850" y="4589463"/>
-            <a:ext cx="10515600" cy="1500187"/>
+            <a:off x="873443" y="6425250"/>
+            <a:ext cx="11041380" cy="2100262"/>
           </a:xfrm>
         </p:spPr>
         <p:txBody>
@@ -1021,7 +896,7 @@
           <a:lstStyle>
             <a:lvl1pPr marL="0" indent="0">
               <a:buNone/>
-              <a:defRPr sz="2400">
+              <a:defRPr sz="3360">
                 <a:solidFill>
                   <a:schemeClr val="tx1">
                     <a:tint val="82000"/>
@@ -1029,9 +904,9 @@
                 </a:solidFill>
               </a:defRPr>
             </a:lvl1pPr>
-            <a:lvl2pPr marL="457200" indent="0">
+            <a:lvl2pPr marL="640080" indent="0">
               <a:buNone/>
-              <a:defRPr sz="2000">
+              <a:defRPr sz="2800">
                 <a:solidFill>
                   <a:schemeClr val="tx1">
                     <a:tint val="82000"/>
@@ -1039,9 +914,9 @@
                 </a:solidFill>
               </a:defRPr>
             </a:lvl2pPr>
-            <a:lvl3pPr marL="914400" indent="0">
+            <a:lvl3pPr marL="1280160" indent="0">
               <a:buNone/>
-              <a:defRPr sz="1800">
+              <a:defRPr sz="2520">
                 <a:solidFill>
                   <a:schemeClr val="tx1">
                     <a:tint val="82000"/>
@@ -1049,9 +924,9 @@
                 </a:solidFill>
               </a:defRPr>
             </a:lvl3pPr>
-            <a:lvl4pPr marL="1371600" indent="0">
+            <a:lvl4pPr marL="1920240" indent="0">
               <a:buNone/>
-              <a:defRPr sz="1600">
+              <a:defRPr sz="2240">
                 <a:solidFill>
                   <a:schemeClr val="tx1">
                     <a:tint val="82000"/>
@@ -1059,9 +934,9 @@
                 </a:solidFill>
               </a:defRPr>
             </a:lvl4pPr>
-            <a:lvl5pPr marL="1828800" indent="0">
+            <a:lvl5pPr marL="2560320" indent="0">
               <a:buNone/>
-              <a:defRPr sz="1600">
+              <a:defRPr sz="2240">
                 <a:solidFill>
                   <a:schemeClr val="tx1">
                     <a:tint val="82000"/>
@@ -1069,9 +944,9 @@
                 </a:solidFill>
               </a:defRPr>
             </a:lvl5pPr>
-            <a:lvl6pPr marL="2286000" indent="0">
+            <a:lvl6pPr marL="3200400" indent="0">
               <a:buNone/>
-              <a:defRPr sz="1600">
+              <a:defRPr sz="2240">
                 <a:solidFill>
                   <a:schemeClr val="tx1">
                     <a:tint val="82000"/>
@@ -1079,9 +954,9 @@
                 </a:solidFill>
               </a:defRPr>
             </a:lvl6pPr>
-            <a:lvl7pPr marL="2743200" indent="0">
+            <a:lvl7pPr marL="3840480" indent="0">
               <a:buNone/>
-              <a:defRPr sz="1600">
+              <a:defRPr sz="2240">
                 <a:solidFill>
                   <a:schemeClr val="tx1">
                     <a:tint val="82000"/>
@@ -1089,9 +964,9 @@
                 </a:solidFill>
               </a:defRPr>
             </a:lvl7pPr>
-            <a:lvl8pPr marL="3200400" indent="0">
+            <a:lvl8pPr marL="4480560" indent="0">
               <a:buNone/>
-              <a:defRPr sz="1600">
+              <a:defRPr sz="2240">
                 <a:solidFill>
                   <a:schemeClr val="tx1">
                     <a:tint val="82000"/>
@@ -1099,9 +974,9 @@
                 </a:solidFill>
               </a:defRPr>
             </a:lvl8pPr>
-            <a:lvl9pPr marL="3657600" indent="0">
+            <a:lvl9pPr marL="5120640" indent="0">
               <a:buNone/>
-              <a:defRPr sz="1600">
+              <a:defRPr sz="2240">
                 <a:solidFill>
                   <a:schemeClr val="tx1">
                     <a:tint val="82000"/>
@@ -1121,13 +996,7 @@
       </p:sp>
       <p:sp>
         <p:nvSpPr>
-          <p:cNvPr id="4" name="Date Placeholder 3">
-            <a:extLst>
-              <a:ext uri="{FF2B5EF4-FFF2-40B4-BE49-F238E27FC236}">
-                <a16:creationId xmlns:a16="http://schemas.microsoft.com/office/drawing/2014/main" id="{147C0463-D576-39DF-0C31-15449068B050}"/>
-              </a:ext>
-            </a:extLst>
-          </p:cNvPr>
+          <p:cNvPr id="4" name="Date Placeholder 3"/>
           <p:cNvSpPr>
             <a:spLocks noGrp="1"/>
           </p:cNvSpPr>
@@ -1142,7 +1011,7 @@
           <a:p>
             <a:fld id="{B85DF64A-A64B-9B40-9390-C6B9C8EAFEF9}" type="datetimeFigureOut">
               <a:rPr lang="en-US" smtClean="0"/>
-              <a:t>10/21/24</a:t>
+              <a:t>10/23/24</a:t>
             </a:fld>
             <a:endParaRPr lang="en-US"/>
           </a:p>
@@ -1150,13 +1019,7 @@
       </p:sp>
       <p:sp>
         <p:nvSpPr>
-          <p:cNvPr id="5" name="Footer Placeholder 4">
-            <a:extLst>
-              <a:ext uri="{FF2B5EF4-FFF2-40B4-BE49-F238E27FC236}">
-                <a16:creationId xmlns:a16="http://schemas.microsoft.com/office/drawing/2014/main" id="{82305FFF-52E5-9619-4E43-7C4FD55D65C0}"/>
-              </a:ext>
-            </a:extLst>
-          </p:cNvPr>
+          <p:cNvPr id="5" name="Footer Placeholder 4"/>
           <p:cNvSpPr>
             <a:spLocks noGrp="1"/>
           </p:cNvSpPr>
@@ -1175,13 +1038,7 @@
       </p:sp>
       <p:sp>
         <p:nvSpPr>
-          <p:cNvPr id="6" name="Slide Number Placeholder 5">
-            <a:extLst>
-              <a:ext uri="{FF2B5EF4-FFF2-40B4-BE49-F238E27FC236}">
-                <a16:creationId xmlns:a16="http://schemas.microsoft.com/office/drawing/2014/main" id="{7B1C6277-1095-3E1E-ADB0-21384541DEEC}"/>
-              </a:ext>
-            </a:extLst>
-          </p:cNvPr>
+          <p:cNvPr id="6" name="Slide Number Placeholder 5"/>
           <p:cNvSpPr>
             <a:spLocks noGrp="1"/>
           </p:cNvSpPr>
@@ -1205,7 +1062,7 @@
     </p:spTree>
     <p:extLst>
       <p:ext uri="{BB962C8B-B14F-4D97-AF65-F5344CB8AC3E}">
-        <p14:creationId xmlns:p14="http://schemas.microsoft.com/office/powerpoint/2010/main" val="616467722"/>
+        <p14:creationId xmlns:p14="http://schemas.microsoft.com/office/powerpoint/2010/main" val="502962853"/>
       </p:ext>
     </p:extLst>
   </p:cSld>
@@ -1234,13 +1091,7 @@
       </p:grpSpPr>
       <p:sp>
         <p:nvSpPr>
-          <p:cNvPr id="2" name="Title 1">
-            <a:extLst>
-              <a:ext uri="{FF2B5EF4-FFF2-40B4-BE49-F238E27FC236}">
-                <a16:creationId xmlns:a16="http://schemas.microsoft.com/office/drawing/2014/main" id="{26F20CCF-E15E-DF24-1B3A-08E9C0DAA463}"/>
-              </a:ext>
-            </a:extLst>
-          </p:cNvPr>
+          <p:cNvPr id="2" name="Title 1"/>
           <p:cNvSpPr>
             <a:spLocks noGrp="1"/>
           </p:cNvSpPr>
@@ -1257,19 +1108,13 @@
               <a:rPr lang="en-GB"/>
               <a:t>Click to edit Master title style</a:t>
             </a:r>
-            <a:endParaRPr lang="en-US"/>
-          </a:p>
-        </p:txBody>
-      </p:sp>
-      <p:sp>
-        <p:nvSpPr>
-          <p:cNvPr id="3" name="Content Placeholder 2">
-            <a:extLst>
-              <a:ext uri="{FF2B5EF4-FFF2-40B4-BE49-F238E27FC236}">
-                <a16:creationId xmlns:a16="http://schemas.microsoft.com/office/drawing/2014/main" id="{BCEB24B6-27A2-E177-F57D-CC506D627A80}"/>
-              </a:ext>
-            </a:extLst>
-          </p:cNvPr>
+            <a:endParaRPr lang="en-US" dirty="0"/>
+          </a:p>
+        </p:txBody>
+      </p:sp>
+      <p:sp>
+        <p:nvSpPr>
+          <p:cNvPr id="3" name="Content Placeholder 2"/>
           <p:cNvSpPr>
             <a:spLocks noGrp="1"/>
           </p:cNvSpPr>
@@ -1279,8 +1124,8 @@
         </p:nvSpPr>
         <p:spPr>
           <a:xfrm>
-            <a:off x="838200" y="1825625"/>
-            <a:ext cx="5181600" cy="4351338"/>
+            <a:off x="880110" y="2555875"/>
+            <a:ext cx="5440680" cy="6091873"/>
           </a:xfrm>
         </p:spPr>
         <p:txBody>
@@ -1320,19 +1165,13 @@
               <a:rPr lang="en-GB"/>
               <a:t>Fifth level</a:t>
             </a:r>
-            <a:endParaRPr lang="en-US"/>
-          </a:p>
-        </p:txBody>
-      </p:sp>
-      <p:sp>
-        <p:nvSpPr>
-          <p:cNvPr id="4" name="Content Placeholder 3">
-            <a:extLst>
-              <a:ext uri="{FF2B5EF4-FFF2-40B4-BE49-F238E27FC236}">
-                <a16:creationId xmlns:a16="http://schemas.microsoft.com/office/drawing/2014/main" id="{4F6DF18C-800D-D838-2D40-A4B83E1965E8}"/>
-              </a:ext>
-            </a:extLst>
-          </p:cNvPr>
+            <a:endParaRPr lang="en-US" dirty="0"/>
+          </a:p>
+        </p:txBody>
+      </p:sp>
+      <p:sp>
+        <p:nvSpPr>
+          <p:cNvPr id="4" name="Content Placeholder 3"/>
           <p:cNvSpPr>
             <a:spLocks noGrp="1"/>
           </p:cNvSpPr>
@@ -1342,8 +1181,8 @@
         </p:nvSpPr>
         <p:spPr>
           <a:xfrm>
-            <a:off x="6172200" y="1825625"/>
-            <a:ext cx="5181600" cy="4351338"/>
+            <a:off x="6480810" y="2555875"/>
+            <a:ext cx="5440680" cy="6091873"/>
           </a:xfrm>
         </p:spPr>
         <p:txBody>
@@ -1383,19 +1222,13 @@
               <a:rPr lang="en-GB"/>
               <a:t>Fifth level</a:t>
             </a:r>
-            <a:endParaRPr lang="en-US"/>
-          </a:p>
-        </p:txBody>
-      </p:sp>
-      <p:sp>
-        <p:nvSpPr>
-          <p:cNvPr id="5" name="Date Placeholder 4">
-            <a:extLst>
-              <a:ext uri="{FF2B5EF4-FFF2-40B4-BE49-F238E27FC236}">
-                <a16:creationId xmlns:a16="http://schemas.microsoft.com/office/drawing/2014/main" id="{E4A17FD3-82DE-2185-C5BC-867E027DAE8A}"/>
-              </a:ext>
-            </a:extLst>
-          </p:cNvPr>
+            <a:endParaRPr lang="en-US" dirty="0"/>
+          </a:p>
+        </p:txBody>
+      </p:sp>
+      <p:sp>
+        <p:nvSpPr>
+          <p:cNvPr id="5" name="Date Placeholder 4"/>
           <p:cNvSpPr>
             <a:spLocks noGrp="1"/>
           </p:cNvSpPr>
@@ -1410,7 +1243,7 @@
           <a:p>
             <a:fld id="{B85DF64A-A64B-9B40-9390-C6B9C8EAFEF9}" type="datetimeFigureOut">
               <a:rPr lang="en-US" smtClean="0"/>
-              <a:t>10/21/24</a:t>
+              <a:t>10/23/24</a:t>
             </a:fld>
             <a:endParaRPr lang="en-US"/>
           </a:p>
@@ -1418,13 +1251,7 @@
       </p:sp>
       <p:sp>
         <p:nvSpPr>
-          <p:cNvPr id="6" name="Footer Placeholder 5">
-            <a:extLst>
-              <a:ext uri="{FF2B5EF4-FFF2-40B4-BE49-F238E27FC236}">
-                <a16:creationId xmlns:a16="http://schemas.microsoft.com/office/drawing/2014/main" id="{642E6089-3D3C-69A7-B0DE-A700EEF54C10}"/>
-              </a:ext>
-            </a:extLst>
-          </p:cNvPr>
+          <p:cNvPr id="6" name="Footer Placeholder 5"/>
           <p:cNvSpPr>
             <a:spLocks noGrp="1"/>
           </p:cNvSpPr>
@@ -1443,13 +1270,7 @@
       </p:sp>
       <p:sp>
         <p:nvSpPr>
-          <p:cNvPr id="7" name="Slide Number Placeholder 6">
-            <a:extLst>
-              <a:ext uri="{FF2B5EF4-FFF2-40B4-BE49-F238E27FC236}">
-                <a16:creationId xmlns:a16="http://schemas.microsoft.com/office/drawing/2014/main" id="{B735E96B-7028-250F-C9EB-A856980C26C6}"/>
-              </a:ext>
-            </a:extLst>
-          </p:cNvPr>
+          <p:cNvPr id="7" name="Slide Number Placeholder 6"/>
           <p:cNvSpPr>
             <a:spLocks noGrp="1"/>
           </p:cNvSpPr>
@@ -1473,7 +1294,7 @@
     </p:spTree>
     <p:extLst>
       <p:ext uri="{BB962C8B-B14F-4D97-AF65-F5344CB8AC3E}">
-        <p14:creationId xmlns:p14="http://schemas.microsoft.com/office/powerpoint/2010/main" val="2957474916"/>
+        <p14:creationId xmlns:p14="http://schemas.microsoft.com/office/powerpoint/2010/main" val="2927872766"/>
       </p:ext>
     </p:extLst>
   </p:cSld>
@@ -1502,13 +1323,7 @@
       </p:grpSpPr>
       <p:sp>
         <p:nvSpPr>
-          <p:cNvPr id="2" name="Title 1">
-            <a:extLst>
-              <a:ext uri="{FF2B5EF4-FFF2-40B4-BE49-F238E27FC236}">
-                <a16:creationId xmlns:a16="http://schemas.microsoft.com/office/drawing/2014/main" id="{4CCE6AB8-A528-E178-AB77-9AC9D74F41D1}"/>
-              </a:ext>
-            </a:extLst>
-          </p:cNvPr>
+          <p:cNvPr id="2" name="Title 1"/>
           <p:cNvSpPr>
             <a:spLocks noGrp="1"/>
           </p:cNvSpPr>
@@ -1518,8 +1333,8 @@
         </p:nvSpPr>
         <p:spPr>
           <a:xfrm>
-            <a:off x="839788" y="365125"/>
-            <a:ext cx="10515600" cy="1325563"/>
+            <a:off x="881777" y="511177"/>
+            <a:ext cx="11041380" cy="1855788"/>
           </a:xfrm>
         </p:spPr>
         <p:txBody>
@@ -1530,19 +1345,13 @@
               <a:rPr lang="en-GB"/>
               <a:t>Click to edit Master title style</a:t>
             </a:r>
-            <a:endParaRPr lang="en-US"/>
-          </a:p>
-        </p:txBody>
-      </p:sp>
-      <p:sp>
-        <p:nvSpPr>
-          <p:cNvPr id="3" name="Text Placeholder 2">
-            <a:extLst>
-              <a:ext uri="{FF2B5EF4-FFF2-40B4-BE49-F238E27FC236}">
-                <a16:creationId xmlns:a16="http://schemas.microsoft.com/office/drawing/2014/main" id="{BEE62B65-25B8-3193-5670-D16115E4DA63}"/>
-              </a:ext>
-            </a:extLst>
-          </p:cNvPr>
+            <a:endParaRPr lang="en-US" dirty="0"/>
+          </a:p>
+        </p:txBody>
+      </p:sp>
+      <p:sp>
+        <p:nvSpPr>
+          <p:cNvPr id="3" name="Text Placeholder 2"/>
           <p:cNvSpPr>
             <a:spLocks noGrp="1"/>
           </p:cNvSpPr>
@@ -1552,8 +1361,8 @@
         </p:nvSpPr>
         <p:spPr>
           <a:xfrm>
-            <a:off x="839788" y="1681163"/>
-            <a:ext cx="5157787" cy="823912"/>
+            <a:off x="881779" y="2353628"/>
+            <a:ext cx="5415676" cy="1153477"/>
           </a:xfrm>
         </p:spPr>
         <p:txBody>
@@ -1561,39 +1370,39 @@
           <a:lstStyle>
             <a:lvl1pPr marL="0" indent="0">
               <a:buNone/>
-              <a:defRPr sz="2400" b="1"/>
+              <a:defRPr sz="3360" b="1"/>
             </a:lvl1pPr>
-            <a:lvl2pPr marL="457200" indent="0">
+            <a:lvl2pPr marL="640080" indent="0">
               <a:buNone/>
-              <a:defRPr sz="2000" b="1"/>
+              <a:defRPr sz="2800" b="1"/>
             </a:lvl2pPr>
-            <a:lvl3pPr marL="914400" indent="0">
+            <a:lvl3pPr marL="1280160" indent="0">
               <a:buNone/>
-              <a:defRPr sz="1800" b="1"/>
+              <a:defRPr sz="2520" b="1"/>
             </a:lvl3pPr>
-            <a:lvl4pPr marL="1371600" indent="0">
+            <a:lvl4pPr marL="1920240" indent="0">
               <a:buNone/>
-              <a:defRPr sz="1600" b="1"/>
+              <a:defRPr sz="2240" b="1"/>
             </a:lvl4pPr>
-            <a:lvl5pPr marL="1828800" indent="0">
+            <a:lvl5pPr marL="2560320" indent="0">
               <a:buNone/>
-              <a:defRPr sz="1600" b="1"/>
+              <a:defRPr sz="2240" b="1"/>
             </a:lvl5pPr>
-            <a:lvl6pPr marL="2286000" indent="0">
+            <a:lvl6pPr marL="3200400" indent="0">
               <a:buNone/>
-              <a:defRPr sz="1600" b="1"/>
+              <a:defRPr sz="2240" b="1"/>
             </a:lvl6pPr>
-            <a:lvl7pPr marL="2743200" indent="0">
+            <a:lvl7pPr marL="3840480" indent="0">
               <a:buNone/>
-              <a:defRPr sz="1600" b="1"/>
+              <a:defRPr sz="2240" b="1"/>
             </a:lvl7pPr>
-            <a:lvl8pPr marL="3200400" indent="0">
+            <a:lvl8pPr marL="4480560" indent="0">
               <a:buNone/>
-              <a:defRPr sz="1600" b="1"/>
+              <a:defRPr sz="2240" b="1"/>
             </a:lvl8pPr>
-            <a:lvl9pPr marL="3657600" indent="0">
+            <a:lvl9pPr marL="5120640" indent="0">
               <a:buNone/>
-              <a:defRPr sz="1600" b="1"/>
+              <a:defRPr sz="2240" b="1"/>
             </a:lvl9pPr>
           </a:lstStyle>
           <a:p>
@@ -1607,13 +1416,7 @@
       </p:sp>
       <p:sp>
         <p:nvSpPr>
-          <p:cNvPr id="4" name="Content Placeholder 3">
-            <a:extLst>
-              <a:ext uri="{FF2B5EF4-FFF2-40B4-BE49-F238E27FC236}">
-                <a16:creationId xmlns:a16="http://schemas.microsoft.com/office/drawing/2014/main" id="{D0F066EA-EDDB-928F-C62E-6A5CB6BA2569}"/>
-              </a:ext>
-            </a:extLst>
-          </p:cNvPr>
+          <p:cNvPr id="4" name="Content Placeholder 3"/>
           <p:cNvSpPr>
             <a:spLocks noGrp="1"/>
           </p:cNvSpPr>
@@ -1623,8 +1426,8 @@
         </p:nvSpPr>
         <p:spPr>
           <a:xfrm>
-            <a:off x="839788" y="2505075"/>
-            <a:ext cx="5157787" cy="3684588"/>
+            <a:off x="881779" y="3507105"/>
+            <a:ext cx="5415676" cy="5158423"/>
           </a:xfrm>
         </p:spPr>
         <p:txBody>
@@ -1664,19 +1467,13 @@
               <a:rPr lang="en-GB"/>
               <a:t>Fifth level</a:t>
             </a:r>
-            <a:endParaRPr lang="en-US"/>
-          </a:p>
-        </p:txBody>
-      </p:sp>
-      <p:sp>
-        <p:nvSpPr>
-          <p:cNvPr id="5" name="Text Placeholder 4">
-            <a:extLst>
-              <a:ext uri="{FF2B5EF4-FFF2-40B4-BE49-F238E27FC236}">
-                <a16:creationId xmlns:a16="http://schemas.microsoft.com/office/drawing/2014/main" id="{D33F2E8B-D745-53F8-79C8-9276CE8563B2}"/>
-              </a:ext>
-            </a:extLst>
-          </p:cNvPr>
+            <a:endParaRPr lang="en-US" dirty="0"/>
+          </a:p>
+        </p:txBody>
+      </p:sp>
+      <p:sp>
+        <p:nvSpPr>
+          <p:cNvPr id="5" name="Text Placeholder 4"/>
           <p:cNvSpPr>
             <a:spLocks noGrp="1"/>
           </p:cNvSpPr>
@@ -1686,8 +1483,8 @@
         </p:nvSpPr>
         <p:spPr>
           <a:xfrm>
-            <a:off x="6172200" y="1681163"/>
-            <a:ext cx="5183188" cy="823912"/>
+            <a:off x="6480811" y="2353628"/>
+            <a:ext cx="5442347" cy="1153477"/>
           </a:xfrm>
         </p:spPr>
         <p:txBody>
@@ -1695,39 +1492,39 @@
           <a:lstStyle>
             <a:lvl1pPr marL="0" indent="0">
               <a:buNone/>
-              <a:defRPr sz="2400" b="1"/>
+              <a:defRPr sz="3360" b="1"/>
             </a:lvl1pPr>
-            <a:lvl2pPr marL="457200" indent="0">
+            <a:lvl2pPr marL="640080" indent="0">
               <a:buNone/>
-              <a:defRPr sz="2000" b="1"/>
+              <a:defRPr sz="2800" b="1"/>
             </a:lvl2pPr>
-            <a:lvl3pPr marL="914400" indent="0">
+            <a:lvl3pPr marL="1280160" indent="0">
               <a:buNone/>
-              <a:defRPr sz="1800" b="1"/>
+              <a:defRPr sz="2520" b="1"/>
             </a:lvl3pPr>
-            <a:lvl4pPr marL="1371600" indent="0">
+            <a:lvl4pPr marL="1920240" indent="0">
               <a:buNone/>
-              <a:defRPr sz="1600" b="1"/>
+              <a:defRPr sz="2240" b="1"/>
             </a:lvl4pPr>
-            <a:lvl5pPr marL="1828800" indent="0">
+            <a:lvl5pPr marL="2560320" indent="0">
               <a:buNone/>
-              <a:defRPr sz="1600" b="1"/>
+              <a:defRPr sz="2240" b="1"/>
             </a:lvl5pPr>
-            <a:lvl6pPr marL="2286000" indent="0">
+            <a:lvl6pPr marL="3200400" indent="0">
               <a:buNone/>
-              <a:defRPr sz="1600" b="1"/>
+              <a:defRPr sz="2240" b="1"/>
             </a:lvl6pPr>
-            <a:lvl7pPr marL="2743200" indent="0">
+            <a:lvl7pPr marL="3840480" indent="0">
               <a:buNone/>
-              <a:defRPr sz="1600" b="1"/>
+              <a:defRPr sz="2240" b="1"/>
             </a:lvl7pPr>
-            <a:lvl8pPr marL="3200400" indent="0">
+            <a:lvl8pPr marL="4480560" indent="0">
               <a:buNone/>
-              <a:defRPr sz="1600" b="1"/>
+              <a:defRPr sz="2240" b="1"/>
             </a:lvl8pPr>
-            <a:lvl9pPr marL="3657600" indent="0">
+            <a:lvl9pPr marL="5120640" indent="0">
               <a:buNone/>
-              <a:defRPr sz="1600" b="1"/>
+              <a:defRPr sz="2240" b="1"/>
             </a:lvl9pPr>
           </a:lstStyle>
           <a:p>
@@ -1741,13 +1538,7 @@
       </p:sp>
       <p:sp>
         <p:nvSpPr>
-          <p:cNvPr id="6" name="Content Placeholder 5">
-            <a:extLst>
-              <a:ext uri="{FF2B5EF4-FFF2-40B4-BE49-F238E27FC236}">
-                <a16:creationId xmlns:a16="http://schemas.microsoft.com/office/drawing/2014/main" id="{891F30D4-8D57-BCE8-D6DC-A10BBFAA85B4}"/>
-              </a:ext>
-            </a:extLst>
-          </p:cNvPr>
+          <p:cNvPr id="6" name="Content Placeholder 5"/>
           <p:cNvSpPr>
             <a:spLocks noGrp="1"/>
           </p:cNvSpPr>
@@ -1757,8 +1548,8 @@
         </p:nvSpPr>
         <p:spPr>
           <a:xfrm>
-            <a:off x="6172200" y="2505075"/>
-            <a:ext cx="5183188" cy="3684588"/>
+            <a:off x="6480811" y="3507105"/>
+            <a:ext cx="5442347" cy="5158423"/>
           </a:xfrm>
         </p:spPr>
         <p:txBody>
@@ -1798,19 +1589,13 @@
               <a:rPr lang="en-GB"/>
               <a:t>Fifth level</a:t>
             </a:r>
-            <a:endParaRPr lang="en-US"/>
-          </a:p>
-        </p:txBody>
-      </p:sp>
-      <p:sp>
-        <p:nvSpPr>
-          <p:cNvPr id="7" name="Date Placeholder 6">
-            <a:extLst>
-              <a:ext uri="{FF2B5EF4-FFF2-40B4-BE49-F238E27FC236}">
-                <a16:creationId xmlns:a16="http://schemas.microsoft.com/office/drawing/2014/main" id="{1C8D3487-8028-34F0-6CDD-1DCD6A826655}"/>
-              </a:ext>
-            </a:extLst>
-          </p:cNvPr>
+            <a:endParaRPr lang="en-US" dirty="0"/>
+          </a:p>
+        </p:txBody>
+      </p:sp>
+      <p:sp>
+        <p:nvSpPr>
+          <p:cNvPr id="7" name="Date Placeholder 6"/>
           <p:cNvSpPr>
             <a:spLocks noGrp="1"/>
           </p:cNvSpPr>
@@ -1825,7 +1610,7 @@
           <a:p>
             <a:fld id="{B85DF64A-A64B-9B40-9390-C6B9C8EAFEF9}" type="datetimeFigureOut">
               <a:rPr lang="en-US" smtClean="0"/>
-              <a:t>10/21/24</a:t>
+              <a:t>10/23/24</a:t>
             </a:fld>
             <a:endParaRPr lang="en-US"/>
           </a:p>
@@ -1833,13 +1618,7 @@
       </p:sp>
       <p:sp>
         <p:nvSpPr>
-          <p:cNvPr id="8" name="Footer Placeholder 7">
-            <a:extLst>
-              <a:ext uri="{FF2B5EF4-FFF2-40B4-BE49-F238E27FC236}">
-                <a16:creationId xmlns:a16="http://schemas.microsoft.com/office/drawing/2014/main" id="{0F634269-1719-E9FC-533A-D3AA8ABF7C77}"/>
-              </a:ext>
-            </a:extLst>
-          </p:cNvPr>
+          <p:cNvPr id="8" name="Footer Placeholder 7"/>
           <p:cNvSpPr>
             <a:spLocks noGrp="1"/>
           </p:cNvSpPr>
@@ -1858,13 +1637,7 @@
       </p:sp>
       <p:sp>
         <p:nvSpPr>
-          <p:cNvPr id="9" name="Slide Number Placeholder 8">
-            <a:extLst>
-              <a:ext uri="{FF2B5EF4-FFF2-40B4-BE49-F238E27FC236}">
-                <a16:creationId xmlns:a16="http://schemas.microsoft.com/office/drawing/2014/main" id="{B5BED8D3-9304-81DD-6DEB-2866A72B4552}"/>
-              </a:ext>
-            </a:extLst>
-          </p:cNvPr>
+          <p:cNvPr id="9" name="Slide Number Placeholder 8"/>
           <p:cNvSpPr>
             <a:spLocks noGrp="1"/>
           </p:cNvSpPr>
@@ -1888,7 +1661,7 @@
     </p:spTree>
     <p:extLst>
       <p:ext uri="{BB962C8B-B14F-4D97-AF65-F5344CB8AC3E}">
-        <p14:creationId xmlns:p14="http://schemas.microsoft.com/office/powerpoint/2010/main" val="2016929789"/>
+        <p14:creationId xmlns:p14="http://schemas.microsoft.com/office/powerpoint/2010/main" val="583795350"/>
       </p:ext>
     </p:extLst>
   </p:cSld>
@@ -1917,13 +1690,7 @@
       </p:grpSpPr>
       <p:sp>
         <p:nvSpPr>
-          <p:cNvPr id="2" name="Title 1">
-            <a:extLst>
-              <a:ext uri="{FF2B5EF4-FFF2-40B4-BE49-F238E27FC236}">
-                <a16:creationId xmlns:a16="http://schemas.microsoft.com/office/drawing/2014/main" id="{A43D0AC0-9444-61EE-4928-6065C36CF5CF}"/>
-              </a:ext>
-            </a:extLst>
-          </p:cNvPr>
+          <p:cNvPr id="2" name="Title 1"/>
           <p:cNvSpPr>
             <a:spLocks noGrp="1"/>
           </p:cNvSpPr>
@@ -1940,19 +1707,13 @@
               <a:rPr lang="en-GB"/>
               <a:t>Click to edit Master title style</a:t>
             </a:r>
-            <a:endParaRPr lang="en-US"/>
-          </a:p>
-        </p:txBody>
-      </p:sp>
-      <p:sp>
-        <p:nvSpPr>
-          <p:cNvPr id="3" name="Date Placeholder 2">
-            <a:extLst>
-              <a:ext uri="{FF2B5EF4-FFF2-40B4-BE49-F238E27FC236}">
-                <a16:creationId xmlns:a16="http://schemas.microsoft.com/office/drawing/2014/main" id="{502D7A71-F67D-392E-95B1-DA1C423F2B0C}"/>
-              </a:ext>
-            </a:extLst>
-          </p:cNvPr>
+            <a:endParaRPr lang="en-US" dirty="0"/>
+          </a:p>
+        </p:txBody>
+      </p:sp>
+      <p:sp>
+        <p:nvSpPr>
+          <p:cNvPr id="3" name="Date Placeholder 2"/>
           <p:cNvSpPr>
             <a:spLocks noGrp="1"/>
           </p:cNvSpPr>
@@ -1967,7 +1728,7 @@
           <a:p>
             <a:fld id="{B85DF64A-A64B-9B40-9390-C6B9C8EAFEF9}" type="datetimeFigureOut">
               <a:rPr lang="en-US" smtClean="0"/>
-              <a:t>10/21/24</a:t>
+              <a:t>10/23/24</a:t>
             </a:fld>
             <a:endParaRPr lang="en-US"/>
           </a:p>
@@ -1975,13 +1736,7 @@
       </p:sp>
       <p:sp>
         <p:nvSpPr>
-          <p:cNvPr id="4" name="Footer Placeholder 3">
-            <a:extLst>
-              <a:ext uri="{FF2B5EF4-FFF2-40B4-BE49-F238E27FC236}">
-                <a16:creationId xmlns:a16="http://schemas.microsoft.com/office/drawing/2014/main" id="{0E4867B4-2720-E7A3-AB09-902C00028217}"/>
-              </a:ext>
-            </a:extLst>
-          </p:cNvPr>
+          <p:cNvPr id="4" name="Footer Placeholder 3"/>
           <p:cNvSpPr>
             <a:spLocks noGrp="1"/>
           </p:cNvSpPr>
@@ -2000,13 +1755,7 @@
       </p:sp>
       <p:sp>
         <p:nvSpPr>
-          <p:cNvPr id="5" name="Slide Number Placeholder 4">
-            <a:extLst>
-              <a:ext uri="{FF2B5EF4-FFF2-40B4-BE49-F238E27FC236}">
-                <a16:creationId xmlns:a16="http://schemas.microsoft.com/office/drawing/2014/main" id="{3FAD49A7-DBA3-39B3-524F-64FE140E0F2D}"/>
-              </a:ext>
-            </a:extLst>
-          </p:cNvPr>
+          <p:cNvPr id="5" name="Slide Number Placeholder 4"/>
           <p:cNvSpPr>
             <a:spLocks noGrp="1"/>
           </p:cNvSpPr>
@@ -2030,7 +1779,7 @@
     </p:spTree>
     <p:extLst>
       <p:ext uri="{BB962C8B-B14F-4D97-AF65-F5344CB8AC3E}">
-        <p14:creationId xmlns:p14="http://schemas.microsoft.com/office/powerpoint/2010/main" val="1735699178"/>
+        <p14:creationId xmlns:p14="http://schemas.microsoft.com/office/powerpoint/2010/main" val="3100779649"/>
       </p:ext>
     </p:extLst>
   </p:cSld>
@@ -2059,13 +1808,7 @@
       </p:grpSpPr>
       <p:sp>
         <p:nvSpPr>
-          <p:cNvPr id="2" name="Date Placeholder 1">
-            <a:extLst>
-              <a:ext uri="{FF2B5EF4-FFF2-40B4-BE49-F238E27FC236}">
-                <a16:creationId xmlns:a16="http://schemas.microsoft.com/office/drawing/2014/main" id="{2ABA44BE-F343-936E-FEF7-22464B22179F}"/>
-              </a:ext>
-            </a:extLst>
-          </p:cNvPr>
+          <p:cNvPr id="2" name="Date Placeholder 1"/>
           <p:cNvSpPr>
             <a:spLocks noGrp="1"/>
           </p:cNvSpPr>
@@ -2080,7 +1823,7 @@
           <a:p>
             <a:fld id="{B85DF64A-A64B-9B40-9390-C6B9C8EAFEF9}" type="datetimeFigureOut">
               <a:rPr lang="en-US" smtClean="0"/>
-              <a:t>10/21/24</a:t>
+              <a:t>10/23/24</a:t>
             </a:fld>
             <a:endParaRPr lang="en-US"/>
           </a:p>
@@ -2088,13 +1831,7 @@
       </p:sp>
       <p:sp>
         <p:nvSpPr>
-          <p:cNvPr id="3" name="Footer Placeholder 2">
-            <a:extLst>
-              <a:ext uri="{FF2B5EF4-FFF2-40B4-BE49-F238E27FC236}">
-                <a16:creationId xmlns:a16="http://schemas.microsoft.com/office/drawing/2014/main" id="{40374472-09C7-6284-AEC5-9350E2F44628}"/>
-              </a:ext>
-            </a:extLst>
-          </p:cNvPr>
+          <p:cNvPr id="3" name="Footer Placeholder 2"/>
           <p:cNvSpPr>
             <a:spLocks noGrp="1"/>
           </p:cNvSpPr>
@@ -2113,13 +1850,7 @@
       </p:sp>
       <p:sp>
         <p:nvSpPr>
-          <p:cNvPr id="4" name="Slide Number Placeholder 3">
-            <a:extLst>
-              <a:ext uri="{FF2B5EF4-FFF2-40B4-BE49-F238E27FC236}">
-                <a16:creationId xmlns:a16="http://schemas.microsoft.com/office/drawing/2014/main" id="{F0C2DB02-3DC1-E10D-C517-2137C6275386}"/>
-              </a:ext>
-            </a:extLst>
-          </p:cNvPr>
+          <p:cNvPr id="4" name="Slide Number Placeholder 3"/>
           <p:cNvSpPr>
             <a:spLocks noGrp="1"/>
           </p:cNvSpPr>
@@ -2143,7 +1874,7 @@
     </p:spTree>
     <p:extLst>
       <p:ext uri="{BB962C8B-B14F-4D97-AF65-F5344CB8AC3E}">
-        <p14:creationId xmlns:p14="http://schemas.microsoft.com/office/powerpoint/2010/main" val="1000688729"/>
+        <p14:creationId xmlns:p14="http://schemas.microsoft.com/office/powerpoint/2010/main" val="1599485724"/>
       </p:ext>
     </p:extLst>
   </p:cSld>
@@ -2172,13 +1903,7 @@
       </p:grpSpPr>
       <p:sp>
         <p:nvSpPr>
-          <p:cNvPr id="2" name="Title 1">
-            <a:extLst>
-              <a:ext uri="{FF2B5EF4-FFF2-40B4-BE49-F238E27FC236}">
-                <a16:creationId xmlns:a16="http://schemas.microsoft.com/office/drawing/2014/main" id="{3F907404-1F4D-CA40-3FCA-BFAF22F08697}"/>
-              </a:ext>
-            </a:extLst>
-          </p:cNvPr>
+          <p:cNvPr id="2" name="Title 1"/>
           <p:cNvSpPr>
             <a:spLocks noGrp="1"/>
           </p:cNvSpPr>
@@ -2188,15 +1913,15 @@
         </p:nvSpPr>
         <p:spPr>
           <a:xfrm>
-            <a:off x="839788" y="457200"/>
-            <a:ext cx="3932237" cy="1600200"/>
+            <a:off x="881778" y="640080"/>
+            <a:ext cx="4128849" cy="2240280"/>
           </a:xfrm>
         </p:spPr>
         <p:txBody>
           <a:bodyPr anchor="b"/>
           <a:lstStyle>
             <a:lvl1pPr>
-              <a:defRPr sz="3200"/>
+              <a:defRPr sz="4480"/>
             </a:lvl1pPr>
           </a:lstStyle>
           <a:p>
@@ -2204,19 +1929,13 @@
               <a:rPr lang="en-GB"/>
               <a:t>Click to edit Master title style</a:t>
             </a:r>
-            <a:endParaRPr lang="en-US"/>
-          </a:p>
-        </p:txBody>
-      </p:sp>
-      <p:sp>
-        <p:nvSpPr>
-          <p:cNvPr id="3" name="Content Placeholder 2">
-            <a:extLst>
-              <a:ext uri="{FF2B5EF4-FFF2-40B4-BE49-F238E27FC236}">
-                <a16:creationId xmlns:a16="http://schemas.microsoft.com/office/drawing/2014/main" id="{C632B1A9-8F3A-FC63-10EA-155DEFDEADB6}"/>
-              </a:ext>
-            </a:extLst>
-          </p:cNvPr>
+            <a:endParaRPr lang="en-US" dirty="0"/>
+          </a:p>
+        </p:txBody>
+      </p:sp>
+      <p:sp>
+        <p:nvSpPr>
+          <p:cNvPr id="3" name="Content Placeholder 2"/>
           <p:cNvSpPr>
             <a:spLocks noGrp="1"/>
           </p:cNvSpPr>
@@ -2226,39 +1945,39 @@
         </p:nvSpPr>
         <p:spPr>
           <a:xfrm>
-            <a:off x="5183188" y="987425"/>
-            <a:ext cx="6172200" cy="4873625"/>
+            <a:off x="5442347" y="1382397"/>
+            <a:ext cx="6480810" cy="6823075"/>
           </a:xfrm>
         </p:spPr>
         <p:txBody>
           <a:bodyPr/>
           <a:lstStyle>
             <a:lvl1pPr>
-              <a:defRPr sz="3200"/>
+              <a:defRPr sz="4480"/>
             </a:lvl1pPr>
             <a:lvl2pPr>
-              <a:defRPr sz="2800"/>
+              <a:defRPr sz="3920"/>
             </a:lvl2pPr>
             <a:lvl3pPr>
-              <a:defRPr sz="2400"/>
+              <a:defRPr sz="3360"/>
             </a:lvl3pPr>
             <a:lvl4pPr>
-              <a:defRPr sz="2000"/>
+              <a:defRPr sz="2800"/>
             </a:lvl4pPr>
             <a:lvl5pPr>
-              <a:defRPr sz="2000"/>
+              <a:defRPr sz="2800"/>
             </a:lvl5pPr>
             <a:lvl6pPr>
-              <a:defRPr sz="2000"/>
+              <a:defRPr sz="2800"/>
             </a:lvl6pPr>
             <a:lvl7pPr>
-              <a:defRPr sz="2000"/>
+              <a:defRPr sz="2800"/>
             </a:lvl7pPr>
             <a:lvl8pPr>
-              <a:defRPr sz="2000"/>
+              <a:defRPr sz="2800"/>
             </a:lvl8pPr>
             <a:lvl9pPr>
-              <a:defRPr sz="2000"/>
+              <a:defRPr sz="2800"/>
             </a:lvl9pPr>
           </a:lstStyle>
           <a:p>
@@ -2295,19 +2014,13 @@
               <a:rPr lang="en-GB"/>
               <a:t>Fifth level</a:t>
             </a:r>
-            <a:endParaRPr lang="en-US"/>
-          </a:p>
-        </p:txBody>
-      </p:sp>
-      <p:sp>
-        <p:nvSpPr>
-          <p:cNvPr id="4" name="Text Placeholder 3">
-            <a:extLst>
-              <a:ext uri="{FF2B5EF4-FFF2-40B4-BE49-F238E27FC236}">
-                <a16:creationId xmlns:a16="http://schemas.microsoft.com/office/drawing/2014/main" id="{AB3BFDC7-CB1D-F412-E05D-4317E6AC36B6}"/>
-              </a:ext>
-            </a:extLst>
-          </p:cNvPr>
+            <a:endParaRPr lang="en-US" dirty="0"/>
+          </a:p>
+        </p:txBody>
+      </p:sp>
+      <p:sp>
+        <p:nvSpPr>
+          <p:cNvPr id="4" name="Text Placeholder 3"/>
           <p:cNvSpPr>
             <a:spLocks noGrp="1"/>
           </p:cNvSpPr>
@@ -2317,8 +2030,8 @@
         </p:nvSpPr>
         <p:spPr>
           <a:xfrm>
-            <a:off x="839788" y="2057400"/>
-            <a:ext cx="3932237" cy="3811588"/>
+            <a:off x="881778" y="2880360"/>
+            <a:ext cx="4128849" cy="5336223"/>
           </a:xfrm>
         </p:spPr>
         <p:txBody>
@@ -2326,39 +2039,39 @@
           <a:lstStyle>
             <a:lvl1pPr marL="0" indent="0">
               <a:buNone/>
-              <a:defRPr sz="1600"/>
+              <a:defRPr sz="2240"/>
             </a:lvl1pPr>
-            <a:lvl2pPr marL="457200" indent="0">
+            <a:lvl2pPr marL="640080" indent="0">
+              <a:buNone/>
+              <a:defRPr sz="1960"/>
+            </a:lvl2pPr>
+            <a:lvl3pPr marL="1280160" indent="0">
+              <a:buNone/>
+              <a:defRPr sz="1680"/>
+            </a:lvl3pPr>
+            <a:lvl4pPr marL="1920240" indent="0">
               <a:buNone/>
               <a:defRPr sz="1400"/>
-            </a:lvl2pPr>
-            <a:lvl3pPr marL="914400" indent="0">
+            </a:lvl4pPr>
+            <a:lvl5pPr marL="2560320" indent="0">
               <a:buNone/>
-              <a:defRPr sz="1200"/>
-            </a:lvl3pPr>
-            <a:lvl4pPr marL="1371600" indent="0">
+              <a:defRPr sz="1400"/>
+            </a:lvl5pPr>
+            <a:lvl6pPr marL="3200400" indent="0">
               <a:buNone/>
-              <a:defRPr sz="1000"/>
-            </a:lvl4pPr>
-            <a:lvl5pPr marL="1828800" indent="0">
+              <a:defRPr sz="1400"/>
+            </a:lvl6pPr>
+            <a:lvl7pPr marL="3840480" indent="0">
               <a:buNone/>
-              <a:defRPr sz="1000"/>
-            </a:lvl5pPr>
-            <a:lvl6pPr marL="2286000" indent="0">
+              <a:defRPr sz="1400"/>
+            </a:lvl7pPr>
+            <a:lvl8pPr marL="4480560" indent="0">
               <a:buNone/>
-              <a:defRPr sz="1000"/>
-            </a:lvl6pPr>
-            <a:lvl7pPr marL="2743200" indent="0">
+              <a:defRPr sz="1400"/>
+            </a:lvl8pPr>
+            <a:lvl9pPr marL="5120640" indent="0">
               <a:buNone/>
-              <a:defRPr sz="1000"/>
-            </a:lvl7pPr>
-            <a:lvl8pPr marL="3200400" indent="0">
-              <a:buNone/>
-              <a:defRPr sz="1000"/>
-            </a:lvl8pPr>
-            <a:lvl9pPr marL="3657600" indent="0">
-              <a:buNone/>
-              <a:defRPr sz="1000"/>
+              <a:defRPr sz="1400"/>
             </a:lvl9pPr>
           </a:lstStyle>
           <a:p>
@@ -2372,13 +2085,7 @@
       </p:sp>
       <p:sp>
         <p:nvSpPr>
-          <p:cNvPr id="5" name="Date Placeholder 4">
-            <a:extLst>
-              <a:ext uri="{FF2B5EF4-FFF2-40B4-BE49-F238E27FC236}">
-                <a16:creationId xmlns:a16="http://schemas.microsoft.com/office/drawing/2014/main" id="{A25B3DB4-EDBE-998C-6456-AD659FA17B95}"/>
-              </a:ext>
-            </a:extLst>
-          </p:cNvPr>
+          <p:cNvPr id="5" name="Date Placeholder 4"/>
           <p:cNvSpPr>
             <a:spLocks noGrp="1"/>
           </p:cNvSpPr>
@@ -2393,7 +2100,7 @@
           <a:p>
             <a:fld id="{B85DF64A-A64B-9B40-9390-C6B9C8EAFEF9}" type="datetimeFigureOut">
               <a:rPr lang="en-US" smtClean="0"/>
-              <a:t>10/21/24</a:t>
+              <a:t>10/23/24</a:t>
             </a:fld>
             <a:endParaRPr lang="en-US"/>
           </a:p>
@@ -2401,13 +2108,7 @@
       </p:sp>
       <p:sp>
         <p:nvSpPr>
-          <p:cNvPr id="6" name="Footer Placeholder 5">
-            <a:extLst>
-              <a:ext uri="{FF2B5EF4-FFF2-40B4-BE49-F238E27FC236}">
-                <a16:creationId xmlns:a16="http://schemas.microsoft.com/office/drawing/2014/main" id="{DDF842D2-23F8-DC40-7955-8538D2B101B2}"/>
-              </a:ext>
-            </a:extLst>
-          </p:cNvPr>
+          <p:cNvPr id="6" name="Footer Placeholder 5"/>
           <p:cNvSpPr>
             <a:spLocks noGrp="1"/>
           </p:cNvSpPr>
@@ -2426,13 +2127,7 @@
       </p:sp>
       <p:sp>
         <p:nvSpPr>
-          <p:cNvPr id="7" name="Slide Number Placeholder 6">
-            <a:extLst>
-              <a:ext uri="{FF2B5EF4-FFF2-40B4-BE49-F238E27FC236}">
-                <a16:creationId xmlns:a16="http://schemas.microsoft.com/office/drawing/2014/main" id="{F9CDAB21-BB91-7747-186C-6EDA7463EAFC}"/>
-              </a:ext>
-            </a:extLst>
-          </p:cNvPr>
+          <p:cNvPr id="7" name="Slide Number Placeholder 6"/>
           <p:cNvSpPr>
             <a:spLocks noGrp="1"/>
           </p:cNvSpPr>
@@ -2456,7 +2151,7 @@
     </p:spTree>
     <p:extLst>
       <p:ext uri="{BB962C8B-B14F-4D97-AF65-F5344CB8AC3E}">
-        <p14:creationId xmlns:p14="http://schemas.microsoft.com/office/powerpoint/2010/main" val="957693254"/>
+        <p14:creationId xmlns:p14="http://schemas.microsoft.com/office/powerpoint/2010/main" val="2177451872"/>
       </p:ext>
     </p:extLst>
   </p:cSld>
@@ -2485,13 +2180,7 @@
       </p:grpSpPr>
       <p:sp>
         <p:nvSpPr>
-          <p:cNvPr id="2" name="Title 1">
-            <a:extLst>
-              <a:ext uri="{FF2B5EF4-FFF2-40B4-BE49-F238E27FC236}">
-                <a16:creationId xmlns:a16="http://schemas.microsoft.com/office/drawing/2014/main" id="{7A2896A2-85C4-FD31-4F98-E374FA8C676D}"/>
-              </a:ext>
-            </a:extLst>
-          </p:cNvPr>
+          <p:cNvPr id="2" name="Title 1"/>
           <p:cNvSpPr>
             <a:spLocks noGrp="1"/>
           </p:cNvSpPr>
@@ -2501,15 +2190,15 @@
         </p:nvSpPr>
         <p:spPr>
           <a:xfrm>
-            <a:off x="839788" y="457200"/>
-            <a:ext cx="3932237" cy="1600200"/>
+            <a:off x="881778" y="640080"/>
+            <a:ext cx="4128849" cy="2240280"/>
           </a:xfrm>
         </p:spPr>
         <p:txBody>
           <a:bodyPr anchor="b"/>
           <a:lstStyle>
             <a:lvl1pPr>
-              <a:defRPr sz="3200"/>
+              <a:defRPr sz="4480"/>
             </a:lvl1pPr>
           </a:lstStyle>
           <a:p>
@@ -2517,21 +2206,15 @@
               <a:rPr lang="en-GB"/>
               <a:t>Click to edit Master title style</a:t>
             </a:r>
-            <a:endParaRPr lang="en-US"/>
-          </a:p>
-        </p:txBody>
-      </p:sp>
-      <p:sp>
-        <p:nvSpPr>
-          <p:cNvPr id="3" name="Picture Placeholder 2">
-            <a:extLst>
-              <a:ext uri="{FF2B5EF4-FFF2-40B4-BE49-F238E27FC236}">
-                <a16:creationId xmlns:a16="http://schemas.microsoft.com/office/drawing/2014/main" id="{0F0BABF3-637F-1671-1722-12BF6F53204F}"/>
-              </a:ext>
-            </a:extLst>
-          </p:cNvPr>
+            <a:endParaRPr lang="en-US" dirty="0"/>
+          </a:p>
+        </p:txBody>
+      </p:sp>
+      <p:sp>
+        <p:nvSpPr>
+          <p:cNvPr id="3" name="Picture Placeholder 2"/>
           <p:cNvSpPr>
-            <a:spLocks noGrp="1"/>
+            <a:spLocks noGrp="1" noChangeAspect="1"/>
           </p:cNvSpPr>
           <p:nvPr>
             <p:ph type="pic" idx="1"/>
@@ -2539,64 +2222,62 @@
         </p:nvSpPr>
         <p:spPr>
           <a:xfrm>
-            <a:off x="5183188" y="987425"/>
-            <a:ext cx="6172200" cy="4873625"/>
+            <a:off x="5442347" y="1382397"/>
+            <a:ext cx="6480810" cy="6823075"/>
           </a:xfrm>
         </p:spPr>
         <p:txBody>
-          <a:bodyPr/>
+          <a:bodyPr anchor="t"/>
           <a:lstStyle>
             <a:lvl1pPr marL="0" indent="0">
               <a:buNone/>
-              <a:defRPr sz="3200"/>
+              <a:defRPr sz="4480"/>
             </a:lvl1pPr>
-            <a:lvl2pPr marL="457200" indent="0">
+            <a:lvl2pPr marL="640080" indent="0">
+              <a:buNone/>
+              <a:defRPr sz="3920"/>
+            </a:lvl2pPr>
+            <a:lvl3pPr marL="1280160" indent="0">
+              <a:buNone/>
+              <a:defRPr sz="3360"/>
+            </a:lvl3pPr>
+            <a:lvl4pPr marL="1920240" indent="0">
               <a:buNone/>
               <a:defRPr sz="2800"/>
-            </a:lvl2pPr>
-            <a:lvl3pPr marL="914400" indent="0">
+            </a:lvl4pPr>
+            <a:lvl5pPr marL="2560320" indent="0">
               <a:buNone/>
-              <a:defRPr sz="2400"/>
-            </a:lvl3pPr>
-            <a:lvl4pPr marL="1371600" indent="0">
+              <a:defRPr sz="2800"/>
+            </a:lvl5pPr>
+            <a:lvl6pPr marL="3200400" indent="0">
               <a:buNone/>
-              <a:defRPr sz="2000"/>
-            </a:lvl4pPr>
-            <a:lvl5pPr marL="1828800" indent="0">
+              <a:defRPr sz="2800"/>
+            </a:lvl6pPr>
+            <a:lvl7pPr marL="3840480" indent="0">
               <a:buNone/>
-              <a:defRPr sz="2000"/>
-            </a:lvl5pPr>
-            <a:lvl6pPr marL="2286000" indent="0">
+              <a:defRPr sz="2800"/>
+            </a:lvl7pPr>
+            <a:lvl8pPr marL="4480560" indent="0">
               <a:buNone/>
-              <a:defRPr sz="2000"/>
-            </a:lvl6pPr>
-            <a:lvl7pPr marL="2743200" indent="0">
+              <a:defRPr sz="2800"/>
+            </a:lvl8pPr>
+            <a:lvl9pPr marL="5120640" indent="0">
               <a:buNone/>
-              <a:defRPr sz="2000"/>
-            </a:lvl7pPr>
-            <a:lvl8pPr marL="3200400" indent="0">
-              <a:buNone/>
-              <a:defRPr sz="2000"/>
-            </a:lvl8pPr>
-            <a:lvl9pPr marL="3657600" indent="0">
-              <a:buNone/>
-              <a:defRPr sz="2000"/>
+              <a:defRPr sz="2800"/>
             </a:lvl9pPr>
           </a:lstStyle>
           <a:p>
-            <a:endParaRPr lang="en-US"/>
-          </a:p>
-        </p:txBody>
-      </p:sp>
-      <p:sp>
-        <p:nvSpPr>
-          <p:cNvPr id="4" name="Text Placeholder 3">
-            <a:extLst>
-              <a:ext uri="{FF2B5EF4-FFF2-40B4-BE49-F238E27FC236}">
-                <a16:creationId xmlns:a16="http://schemas.microsoft.com/office/drawing/2014/main" id="{9A79BA20-C0C2-21B7-0A66-F90FF9B58983}"/>
-              </a:ext>
-            </a:extLst>
-          </p:cNvPr>
+            <a:r>
+              <a:rPr lang="en-GB"/>
+              <a:t>Click icon to add picture</a:t>
+            </a:r>
+            <a:endParaRPr lang="en-US" dirty="0"/>
+          </a:p>
+        </p:txBody>
+      </p:sp>
+      <p:sp>
+        <p:nvSpPr>
+          <p:cNvPr id="4" name="Text Placeholder 3"/>
           <p:cNvSpPr>
             <a:spLocks noGrp="1"/>
           </p:cNvSpPr>
@@ -2606,8 +2287,8 @@
         </p:nvSpPr>
         <p:spPr>
           <a:xfrm>
-            <a:off x="839788" y="2057400"/>
-            <a:ext cx="3932237" cy="3811588"/>
+            <a:off x="881778" y="2880360"/>
+            <a:ext cx="4128849" cy="5336223"/>
           </a:xfrm>
         </p:spPr>
         <p:txBody>
@@ -2615,39 +2296,39 @@
           <a:lstStyle>
             <a:lvl1pPr marL="0" indent="0">
               <a:buNone/>
-              <a:defRPr sz="1600"/>
+              <a:defRPr sz="2240"/>
             </a:lvl1pPr>
-            <a:lvl2pPr marL="457200" indent="0">
+            <a:lvl2pPr marL="640080" indent="0">
+              <a:buNone/>
+              <a:defRPr sz="1960"/>
+            </a:lvl2pPr>
+            <a:lvl3pPr marL="1280160" indent="0">
+              <a:buNone/>
+              <a:defRPr sz="1680"/>
+            </a:lvl3pPr>
+            <a:lvl4pPr marL="1920240" indent="0">
               <a:buNone/>
               <a:defRPr sz="1400"/>
-            </a:lvl2pPr>
-            <a:lvl3pPr marL="914400" indent="0">
+            </a:lvl4pPr>
+            <a:lvl5pPr marL="2560320" indent="0">
               <a:buNone/>
-              <a:defRPr sz="1200"/>
-            </a:lvl3pPr>
-            <a:lvl4pPr marL="1371600" indent="0">
+              <a:defRPr sz="1400"/>
+            </a:lvl5pPr>
+            <a:lvl6pPr marL="3200400" indent="0">
               <a:buNone/>
-              <a:defRPr sz="1000"/>
-            </a:lvl4pPr>
-            <a:lvl5pPr marL="1828800" indent="0">
+              <a:defRPr sz="1400"/>
+            </a:lvl6pPr>
+            <a:lvl7pPr marL="3840480" indent="0">
               <a:buNone/>
-              <a:defRPr sz="1000"/>
-            </a:lvl5pPr>
-            <a:lvl6pPr marL="2286000" indent="0">
+              <a:defRPr sz="1400"/>
+            </a:lvl7pPr>
+            <a:lvl8pPr marL="4480560" indent="0">
               <a:buNone/>
-              <a:defRPr sz="1000"/>
-            </a:lvl6pPr>
-            <a:lvl7pPr marL="2743200" indent="0">
+              <a:defRPr sz="1400"/>
+            </a:lvl8pPr>
+            <a:lvl9pPr marL="5120640" indent="0">
               <a:buNone/>
-              <a:defRPr sz="1000"/>
-            </a:lvl7pPr>
-            <a:lvl8pPr marL="3200400" indent="0">
-              <a:buNone/>
-              <a:defRPr sz="1000"/>
-            </a:lvl8pPr>
-            <a:lvl9pPr marL="3657600" indent="0">
-              <a:buNone/>
-              <a:defRPr sz="1000"/>
+              <a:defRPr sz="1400"/>
             </a:lvl9pPr>
           </a:lstStyle>
           <a:p>
@@ -2661,13 +2342,7 @@
       </p:sp>
       <p:sp>
         <p:nvSpPr>
-          <p:cNvPr id="5" name="Date Placeholder 4">
-            <a:extLst>
-              <a:ext uri="{FF2B5EF4-FFF2-40B4-BE49-F238E27FC236}">
-                <a16:creationId xmlns:a16="http://schemas.microsoft.com/office/drawing/2014/main" id="{66F74DFF-AC0A-AB53-452E-1AABC264F292}"/>
-              </a:ext>
-            </a:extLst>
-          </p:cNvPr>
+          <p:cNvPr id="5" name="Date Placeholder 4"/>
           <p:cNvSpPr>
             <a:spLocks noGrp="1"/>
           </p:cNvSpPr>
@@ -2682,7 +2357,7 @@
           <a:p>
             <a:fld id="{B85DF64A-A64B-9B40-9390-C6B9C8EAFEF9}" type="datetimeFigureOut">
               <a:rPr lang="en-US" smtClean="0"/>
-              <a:t>10/21/24</a:t>
+              <a:t>10/23/24</a:t>
             </a:fld>
             <a:endParaRPr lang="en-US"/>
           </a:p>
@@ -2690,13 +2365,7 @@
       </p:sp>
       <p:sp>
         <p:nvSpPr>
-          <p:cNvPr id="6" name="Footer Placeholder 5">
-            <a:extLst>
-              <a:ext uri="{FF2B5EF4-FFF2-40B4-BE49-F238E27FC236}">
-                <a16:creationId xmlns:a16="http://schemas.microsoft.com/office/drawing/2014/main" id="{AA5C44B0-23AD-9480-4FE0-23C0EEE97CA5}"/>
-              </a:ext>
-            </a:extLst>
-          </p:cNvPr>
+          <p:cNvPr id="6" name="Footer Placeholder 5"/>
           <p:cNvSpPr>
             <a:spLocks noGrp="1"/>
           </p:cNvSpPr>
@@ -2715,13 +2384,7 @@
       </p:sp>
       <p:sp>
         <p:nvSpPr>
-          <p:cNvPr id="7" name="Slide Number Placeholder 6">
-            <a:extLst>
-              <a:ext uri="{FF2B5EF4-FFF2-40B4-BE49-F238E27FC236}">
-                <a16:creationId xmlns:a16="http://schemas.microsoft.com/office/drawing/2014/main" id="{96223B2E-7288-D0DB-4A96-C8EF81B63E83}"/>
-              </a:ext>
-            </a:extLst>
-          </p:cNvPr>
+          <p:cNvPr id="7" name="Slide Number Placeholder 6"/>
           <p:cNvSpPr>
             <a:spLocks noGrp="1"/>
           </p:cNvSpPr>
@@ -2745,7 +2408,7 @@
     </p:spTree>
     <p:extLst>
       <p:ext uri="{BB962C8B-B14F-4D97-AF65-F5344CB8AC3E}">
-        <p14:creationId xmlns:p14="http://schemas.microsoft.com/office/powerpoint/2010/main" val="3630737728"/>
+        <p14:creationId xmlns:p14="http://schemas.microsoft.com/office/powerpoint/2010/main" val="234637246"/>
       </p:ext>
     </p:extLst>
   </p:cSld>
@@ -2779,13 +2442,7 @@
       </p:grpSpPr>
       <p:sp>
         <p:nvSpPr>
-          <p:cNvPr id="2" name="Title Placeholder 1">
-            <a:extLst>
-              <a:ext uri="{FF2B5EF4-FFF2-40B4-BE49-F238E27FC236}">
-                <a16:creationId xmlns:a16="http://schemas.microsoft.com/office/drawing/2014/main" id="{B8E0E717-EA17-A075-475D-737809AF7C78}"/>
-              </a:ext>
-            </a:extLst>
-          </p:cNvPr>
+          <p:cNvPr id="2" name="Title Placeholder 1"/>
           <p:cNvSpPr>
             <a:spLocks noGrp="1"/>
           </p:cNvSpPr>
@@ -2795,8 +2452,8 @@
         </p:nvSpPr>
         <p:spPr>
           <a:xfrm>
-            <a:off x="838200" y="365125"/>
-            <a:ext cx="10515600" cy="1325563"/>
+            <a:off x="880110" y="511177"/>
+            <a:ext cx="11041380" cy="1855788"/>
           </a:xfrm>
           <a:prstGeom prst="rect">
             <a:avLst/>
@@ -2812,19 +2469,13 @@
               <a:rPr lang="en-GB"/>
               <a:t>Click to edit Master title style</a:t>
             </a:r>
-            <a:endParaRPr lang="en-US"/>
-          </a:p>
-        </p:txBody>
-      </p:sp>
-      <p:sp>
-        <p:nvSpPr>
-          <p:cNvPr id="3" name="Text Placeholder 2">
-            <a:extLst>
-              <a:ext uri="{FF2B5EF4-FFF2-40B4-BE49-F238E27FC236}">
-                <a16:creationId xmlns:a16="http://schemas.microsoft.com/office/drawing/2014/main" id="{6E28AEB9-751A-600C-995F-305834A2AE63}"/>
-              </a:ext>
-            </a:extLst>
-          </p:cNvPr>
+            <a:endParaRPr lang="en-US" dirty="0"/>
+          </a:p>
+        </p:txBody>
+      </p:sp>
+      <p:sp>
+        <p:nvSpPr>
+          <p:cNvPr id="3" name="Text Placeholder 2"/>
           <p:cNvSpPr>
             <a:spLocks noGrp="1"/>
           </p:cNvSpPr>
@@ -2834,8 +2485,8 @@
         </p:nvSpPr>
         <p:spPr>
           <a:xfrm>
-            <a:off x="838200" y="1825625"/>
-            <a:ext cx="10515600" cy="4351338"/>
+            <a:off x="880110" y="2555875"/>
+            <a:ext cx="11041380" cy="6091873"/>
           </a:xfrm>
           <a:prstGeom prst="rect">
             <a:avLst/>
@@ -2880,19 +2531,13 @@
               <a:rPr lang="en-GB"/>
               <a:t>Fifth level</a:t>
             </a:r>
-            <a:endParaRPr lang="en-US"/>
-          </a:p>
-        </p:txBody>
-      </p:sp>
-      <p:sp>
-        <p:nvSpPr>
-          <p:cNvPr id="4" name="Date Placeholder 3">
-            <a:extLst>
-              <a:ext uri="{FF2B5EF4-FFF2-40B4-BE49-F238E27FC236}">
-                <a16:creationId xmlns:a16="http://schemas.microsoft.com/office/drawing/2014/main" id="{B6B98E15-3F87-995C-B299-3E868454217B}"/>
-              </a:ext>
-            </a:extLst>
-          </p:cNvPr>
+            <a:endParaRPr lang="en-US" dirty="0"/>
+          </a:p>
+        </p:txBody>
+      </p:sp>
+      <p:sp>
+        <p:nvSpPr>
+          <p:cNvPr id="4" name="Date Placeholder 3"/>
           <p:cNvSpPr>
             <a:spLocks noGrp="1"/>
           </p:cNvSpPr>
@@ -2902,8 +2547,8 @@
         </p:nvSpPr>
         <p:spPr>
           <a:xfrm>
-            <a:off x="838200" y="6356350"/>
-            <a:ext cx="2743200" cy="365125"/>
+            <a:off x="880110" y="8898892"/>
+            <a:ext cx="2880360" cy="511175"/>
           </a:xfrm>
           <a:prstGeom prst="rect">
             <a:avLst/>
@@ -2913,7 +2558,7 @@
           <a:bodyPr vert="horz" lIns="91440" tIns="45720" rIns="91440" bIns="45720" rtlCol="0" anchor="ctr"/>
           <a:lstStyle>
             <a:lvl1pPr algn="l">
-              <a:defRPr sz="1200">
+              <a:defRPr sz="1680">
                 <a:solidFill>
                   <a:schemeClr val="tx1">
                     <a:tint val="82000"/>
@@ -2925,7 +2570,7 @@
           <a:p>
             <a:fld id="{B85DF64A-A64B-9B40-9390-C6B9C8EAFEF9}" type="datetimeFigureOut">
               <a:rPr lang="en-US" smtClean="0"/>
-              <a:t>10/21/24</a:t>
+              <a:t>10/23/24</a:t>
             </a:fld>
             <a:endParaRPr lang="en-US"/>
           </a:p>
@@ -2933,13 +2578,7 @@
       </p:sp>
       <p:sp>
         <p:nvSpPr>
-          <p:cNvPr id="5" name="Footer Placeholder 4">
-            <a:extLst>
-              <a:ext uri="{FF2B5EF4-FFF2-40B4-BE49-F238E27FC236}">
-                <a16:creationId xmlns:a16="http://schemas.microsoft.com/office/drawing/2014/main" id="{C574F3E8-6B0C-9B6A-BEC6-A64688FAA2DD}"/>
-              </a:ext>
-            </a:extLst>
-          </p:cNvPr>
+          <p:cNvPr id="5" name="Footer Placeholder 4"/>
           <p:cNvSpPr>
             <a:spLocks noGrp="1"/>
           </p:cNvSpPr>
@@ -2949,8 +2588,8 @@
         </p:nvSpPr>
         <p:spPr>
           <a:xfrm>
-            <a:off x="4038600" y="6356350"/>
-            <a:ext cx="4114800" cy="365125"/>
+            <a:off x="4240530" y="8898892"/>
+            <a:ext cx="4320540" cy="511175"/>
           </a:xfrm>
           <a:prstGeom prst="rect">
             <a:avLst/>
@@ -2960,7 +2599,7 @@
           <a:bodyPr vert="horz" lIns="91440" tIns="45720" rIns="91440" bIns="45720" rtlCol="0" anchor="ctr"/>
           <a:lstStyle>
             <a:lvl1pPr algn="ctr">
-              <a:defRPr sz="1200">
+              <a:defRPr sz="1680">
                 <a:solidFill>
                   <a:schemeClr val="tx1">
                     <a:tint val="82000"/>
@@ -2976,13 +2615,7 @@
       </p:sp>
       <p:sp>
         <p:nvSpPr>
-          <p:cNvPr id="6" name="Slide Number Placeholder 5">
-            <a:extLst>
-              <a:ext uri="{FF2B5EF4-FFF2-40B4-BE49-F238E27FC236}">
-                <a16:creationId xmlns:a16="http://schemas.microsoft.com/office/drawing/2014/main" id="{81089925-B52A-D903-F4A1-9FF9F4026DDC}"/>
-              </a:ext>
-            </a:extLst>
-          </p:cNvPr>
+          <p:cNvPr id="6" name="Slide Number Placeholder 5"/>
           <p:cNvSpPr>
             <a:spLocks noGrp="1"/>
           </p:cNvSpPr>
@@ -2992,8 +2625,8 @@
         </p:nvSpPr>
         <p:spPr>
           <a:xfrm>
-            <a:off x="8610600" y="6356350"/>
-            <a:ext cx="2743200" cy="365125"/>
+            <a:off x="9041130" y="8898892"/>
+            <a:ext cx="2880360" cy="511175"/>
           </a:xfrm>
           <a:prstGeom prst="rect">
             <a:avLst/>
@@ -3003,7 +2636,7 @@
           <a:bodyPr vert="horz" lIns="91440" tIns="45720" rIns="91440" bIns="45720" rtlCol="0" anchor="ctr"/>
           <a:lstStyle>
             <a:lvl1pPr algn="r">
-              <a:defRPr sz="1200">
+              <a:defRPr sz="1680">
                 <a:solidFill>
                   <a:schemeClr val="tx1">
                     <a:tint val="82000"/>
@@ -3024,27 +2657,27 @@
     </p:spTree>
     <p:extLst>
       <p:ext uri="{BB962C8B-B14F-4D97-AF65-F5344CB8AC3E}">
-        <p14:creationId xmlns:p14="http://schemas.microsoft.com/office/powerpoint/2010/main" val="2187694096"/>
+        <p14:creationId xmlns:p14="http://schemas.microsoft.com/office/powerpoint/2010/main" val="606844432"/>
       </p:ext>
     </p:extLst>
   </p:cSld>
   <p:clrMap bg1="lt1" tx1="dk1" bg2="lt2" tx2="dk2" accent1="accent1" accent2="accent2" accent3="accent3" accent4="accent4" accent5="accent5" accent6="accent6" hlink="hlink" folHlink="folHlink"/>
   <p:sldLayoutIdLst>
-    <p:sldLayoutId id="2147483649" r:id="rId1"/>
-    <p:sldLayoutId id="2147483650" r:id="rId2"/>
-    <p:sldLayoutId id="2147483651" r:id="rId3"/>
-    <p:sldLayoutId id="2147483652" r:id="rId4"/>
-    <p:sldLayoutId id="2147483653" r:id="rId5"/>
-    <p:sldLayoutId id="2147483654" r:id="rId6"/>
-    <p:sldLayoutId id="2147483655" r:id="rId7"/>
-    <p:sldLayoutId id="2147483656" r:id="rId8"/>
-    <p:sldLayoutId id="2147483657" r:id="rId9"/>
-    <p:sldLayoutId id="2147483658" r:id="rId10"/>
-    <p:sldLayoutId id="2147483659" r:id="rId11"/>
+    <p:sldLayoutId id="2147483661" r:id="rId1"/>
+    <p:sldLayoutId id="2147483662" r:id="rId2"/>
+    <p:sldLayoutId id="2147483663" r:id="rId3"/>
+    <p:sldLayoutId id="2147483664" r:id="rId4"/>
+    <p:sldLayoutId id="2147483665" r:id="rId5"/>
+    <p:sldLayoutId id="2147483666" r:id="rId6"/>
+    <p:sldLayoutId id="2147483667" r:id="rId7"/>
+    <p:sldLayoutId id="2147483668" r:id="rId8"/>
+    <p:sldLayoutId id="2147483669" r:id="rId9"/>
+    <p:sldLayoutId id="2147483670" r:id="rId10"/>
+    <p:sldLayoutId id="2147483671" r:id="rId11"/>
   </p:sldLayoutIdLst>
   <p:txStyles>
     <p:titleStyle>
-      <a:lvl1pPr algn="l" defTabSz="914400" rtl="0" eaLnBrk="1" latinLnBrk="0" hangingPunct="1">
+      <a:lvl1pPr algn="l" defTabSz="1280160" rtl="0" eaLnBrk="1" latinLnBrk="0" hangingPunct="1">
         <a:lnSpc>
           <a:spcPct val="90000"/>
         </a:lnSpc>
@@ -3052,7 +2685,7 @@
           <a:spcPct val="0"/>
         </a:spcBef>
         <a:buNone/>
-        <a:defRPr sz="4400" kern="1200">
+        <a:defRPr sz="6160" kern="1200">
           <a:solidFill>
             <a:schemeClr val="tx1"/>
           </a:solidFill>
@@ -3063,12 +2696,48 @@
       </a:lvl1pPr>
     </p:titleStyle>
     <p:bodyStyle>
-      <a:lvl1pPr marL="228600" indent="-228600" algn="l" defTabSz="914400" rtl="0" eaLnBrk="1" latinLnBrk="0" hangingPunct="1">
+      <a:lvl1pPr marL="320040" indent="-320040" algn="l" defTabSz="1280160" rtl="0" eaLnBrk="1" latinLnBrk="0" hangingPunct="1">
         <a:lnSpc>
           <a:spcPct val="90000"/>
         </a:lnSpc>
         <a:spcBef>
-          <a:spcPts val="1000"/>
+          <a:spcPts val="1400"/>
+        </a:spcBef>
+        <a:buFont typeface="Arial" panose="020B0604020202020204" pitchFamily="34" charset="0"/>
+        <a:buChar char="•"/>
+        <a:defRPr sz="3920" kern="1200">
+          <a:solidFill>
+            <a:schemeClr val="tx1"/>
+          </a:solidFill>
+          <a:latin typeface="+mn-lt"/>
+          <a:ea typeface="+mn-ea"/>
+          <a:cs typeface="+mn-cs"/>
+        </a:defRPr>
+      </a:lvl1pPr>
+      <a:lvl2pPr marL="960120" indent="-320040" algn="l" defTabSz="1280160" rtl="0" eaLnBrk="1" latinLnBrk="0" hangingPunct="1">
+        <a:lnSpc>
+          <a:spcPct val="90000"/>
+        </a:lnSpc>
+        <a:spcBef>
+          <a:spcPts val="700"/>
+        </a:spcBef>
+        <a:buFont typeface="Arial" panose="020B0604020202020204" pitchFamily="34" charset="0"/>
+        <a:buChar char="•"/>
+        <a:defRPr sz="3360" kern="1200">
+          <a:solidFill>
+            <a:schemeClr val="tx1"/>
+          </a:solidFill>
+          <a:latin typeface="+mn-lt"/>
+          <a:ea typeface="+mn-ea"/>
+          <a:cs typeface="+mn-cs"/>
+        </a:defRPr>
+      </a:lvl2pPr>
+      <a:lvl3pPr marL="1600200" indent="-320040" algn="l" defTabSz="1280160" rtl="0" eaLnBrk="1" latinLnBrk="0" hangingPunct="1">
+        <a:lnSpc>
+          <a:spcPct val="90000"/>
+        </a:lnSpc>
+        <a:spcBef>
+          <a:spcPts val="700"/>
         </a:spcBef>
         <a:buFont typeface="Arial" panose="020B0604020202020204" pitchFamily="34" charset="0"/>
         <a:buChar char="•"/>
@@ -3080,53 +2749,17 @@
           <a:ea typeface="+mn-ea"/>
           <a:cs typeface="+mn-cs"/>
         </a:defRPr>
-      </a:lvl1pPr>
-      <a:lvl2pPr marL="685800" indent="-228600" algn="l" defTabSz="914400" rtl="0" eaLnBrk="1" latinLnBrk="0" hangingPunct="1">
+      </a:lvl3pPr>
+      <a:lvl4pPr marL="2240280" indent="-320040" algn="l" defTabSz="1280160" rtl="0" eaLnBrk="1" latinLnBrk="0" hangingPunct="1">
         <a:lnSpc>
           <a:spcPct val="90000"/>
         </a:lnSpc>
         <a:spcBef>
-          <a:spcPts val="500"/>
+          <a:spcPts val="700"/>
         </a:spcBef>
         <a:buFont typeface="Arial" panose="020B0604020202020204" pitchFamily="34" charset="0"/>
         <a:buChar char="•"/>
-        <a:defRPr sz="2400" kern="1200">
-          <a:solidFill>
-            <a:schemeClr val="tx1"/>
-          </a:solidFill>
-          <a:latin typeface="+mn-lt"/>
-          <a:ea typeface="+mn-ea"/>
-          <a:cs typeface="+mn-cs"/>
-        </a:defRPr>
-      </a:lvl2pPr>
-      <a:lvl3pPr marL="1143000" indent="-228600" algn="l" defTabSz="914400" rtl="0" eaLnBrk="1" latinLnBrk="0" hangingPunct="1">
-        <a:lnSpc>
-          <a:spcPct val="90000"/>
-        </a:lnSpc>
-        <a:spcBef>
-          <a:spcPts val="500"/>
-        </a:spcBef>
-        <a:buFont typeface="Arial" panose="020B0604020202020204" pitchFamily="34" charset="0"/>
-        <a:buChar char="•"/>
-        <a:defRPr sz="2000" kern="1200">
-          <a:solidFill>
-            <a:schemeClr val="tx1"/>
-          </a:solidFill>
-          <a:latin typeface="+mn-lt"/>
-          <a:ea typeface="+mn-ea"/>
-          <a:cs typeface="+mn-cs"/>
-        </a:defRPr>
-      </a:lvl3pPr>
-      <a:lvl4pPr marL="1600200" indent="-228600" algn="l" defTabSz="914400" rtl="0" eaLnBrk="1" latinLnBrk="0" hangingPunct="1">
-        <a:lnSpc>
-          <a:spcPct val="90000"/>
-        </a:lnSpc>
-        <a:spcBef>
-          <a:spcPts val="500"/>
-        </a:spcBef>
-        <a:buFont typeface="Arial" panose="020B0604020202020204" pitchFamily="34" charset="0"/>
-        <a:buChar char="•"/>
-        <a:defRPr sz="1800" kern="1200">
+        <a:defRPr sz="2520" kern="1200">
           <a:solidFill>
             <a:schemeClr val="tx1"/>
           </a:solidFill>
@@ -3135,16 +2768,16 @@
           <a:cs typeface="+mn-cs"/>
         </a:defRPr>
       </a:lvl4pPr>
-      <a:lvl5pPr marL="2057400" indent="-228600" algn="l" defTabSz="914400" rtl="0" eaLnBrk="1" latinLnBrk="0" hangingPunct="1">
+      <a:lvl5pPr marL="2880360" indent="-320040" algn="l" defTabSz="1280160" rtl="0" eaLnBrk="1" latinLnBrk="0" hangingPunct="1">
         <a:lnSpc>
           <a:spcPct val="90000"/>
         </a:lnSpc>
         <a:spcBef>
-          <a:spcPts val="500"/>
+          <a:spcPts val="700"/>
         </a:spcBef>
         <a:buFont typeface="Arial" panose="020B0604020202020204" pitchFamily="34" charset="0"/>
         <a:buChar char="•"/>
-        <a:defRPr sz="1800" kern="1200">
+        <a:defRPr sz="2520" kern="1200">
           <a:solidFill>
             <a:schemeClr val="tx1"/>
           </a:solidFill>
@@ -3153,16 +2786,16 @@
           <a:cs typeface="+mn-cs"/>
         </a:defRPr>
       </a:lvl5pPr>
-      <a:lvl6pPr marL="2514600" indent="-228600" algn="l" defTabSz="914400" rtl="0" eaLnBrk="1" latinLnBrk="0" hangingPunct="1">
+      <a:lvl6pPr marL="3520440" indent="-320040" algn="l" defTabSz="1280160" rtl="0" eaLnBrk="1" latinLnBrk="0" hangingPunct="1">
         <a:lnSpc>
           <a:spcPct val="90000"/>
         </a:lnSpc>
         <a:spcBef>
-          <a:spcPts val="500"/>
+          <a:spcPts val="700"/>
         </a:spcBef>
         <a:buFont typeface="Arial" panose="020B0604020202020204" pitchFamily="34" charset="0"/>
         <a:buChar char="•"/>
-        <a:defRPr sz="1800" kern="1200">
+        <a:defRPr sz="2520" kern="1200">
           <a:solidFill>
             <a:schemeClr val="tx1"/>
           </a:solidFill>
@@ -3171,16 +2804,16 @@
           <a:cs typeface="+mn-cs"/>
         </a:defRPr>
       </a:lvl6pPr>
-      <a:lvl7pPr marL="2971800" indent="-228600" algn="l" defTabSz="914400" rtl="0" eaLnBrk="1" latinLnBrk="0" hangingPunct="1">
+      <a:lvl7pPr marL="4160520" indent="-320040" algn="l" defTabSz="1280160" rtl="0" eaLnBrk="1" latinLnBrk="0" hangingPunct="1">
         <a:lnSpc>
           <a:spcPct val="90000"/>
         </a:lnSpc>
         <a:spcBef>
-          <a:spcPts val="500"/>
+          <a:spcPts val="700"/>
         </a:spcBef>
         <a:buFont typeface="Arial" panose="020B0604020202020204" pitchFamily="34" charset="0"/>
         <a:buChar char="•"/>
-        <a:defRPr sz="1800" kern="1200">
+        <a:defRPr sz="2520" kern="1200">
           <a:solidFill>
             <a:schemeClr val="tx1"/>
           </a:solidFill>
@@ -3189,16 +2822,16 @@
           <a:cs typeface="+mn-cs"/>
         </a:defRPr>
       </a:lvl7pPr>
-      <a:lvl8pPr marL="3429000" indent="-228600" algn="l" defTabSz="914400" rtl="0" eaLnBrk="1" latinLnBrk="0" hangingPunct="1">
+      <a:lvl8pPr marL="4800600" indent="-320040" algn="l" defTabSz="1280160" rtl="0" eaLnBrk="1" latinLnBrk="0" hangingPunct="1">
         <a:lnSpc>
           <a:spcPct val="90000"/>
         </a:lnSpc>
         <a:spcBef>
-          <a:spcPts val="500"/>
+          <a:spcPts val="700"/>
         </a:spcBef>
         <a:buFont typeface="Arial" panose="020B0604020202020204" pitchFamily="34" charset="0"/>
         <a:buChar char="•"/>
-        <a:defRPr sz="1800" kern="1200">
+        <a:defRPr sz="2520" kern="1200">
           <a:solidFill>
             <a:schemeClr val="tx1"/>
           </a:solidFill>
@@ -3207,16 +2840,16 @@
           <a:cs typeface="+mn-cs"/>
         </a:defRPr>
       </a:lvl8pPr>
-      <a:lvl9pPr marL="3886200" indent="-228600" algn="l" defTabSz="914400" rtl="0" eaLnBrk="1" latinLnBrk="0" hangingPunct="1">
+      <a:lvl9pPr marL="5440680" indent="-320040" algn="l" defTabSz="1280160" rtl="0" eaLnBrk="1" latinLnBrk="0" hangingPunct="1">
         <a:lnSpc>
           <a:spcPct val="90000"/>
         </a:lnSpc>
         <a:spcBef>
-          <a:spcPts val="500"/>
+          <a:spcPts val="700"/>
         </a:spcBef>
         <a:buFont typeface="Arial" panose="020B0604020202020204" pitchFamily="34" charset="0"/>
         <a:buChar char="•"/>
-        <a:defRPr sz="1800" kern="1200">
+        <a:defRPr sz="2520" kern="1200">
           <a:solidFill>
             <a:schemeClr val="tx1"/>
           </a:solidFill>
@@ -3230,8 +2863,8 @@
       <a:defPPr>
         <a:defRPr lang="en-US"/>
       </a:defPPr>
-      <a:lvl1pPr marL="0" algn="l" defTabSz="914400" rtl="0" eaLnBrk="1" latinLnBrk="0" hangingPunct="1">
-        <a:defRPr sz="1800" kern="1200">
+      <a:lvl1pPr marL="0" algn="l" defTabSz="1280160" rtl="0" eaLnBrk="1" latinLnBrk="0" hangingPunct="1">
+        <a:defRPr sz="2520" kern="1200">
           <a:solidFill>
             <a:schemeClr val="tx1"/>
           </a:solidFill>
@@ -3240,8 +2873,8 @@
           <a:cs typeface="+mn-cs"/>
         </a:defRPr>
       </a:lvl1pPr>
-      <a:lvl2pPr marL="457200" algn="l" defTabSz="914400" rtl="0" eaLnBrk="1" latinLnBrk="0" hangingPunct="1">
-        <a:defRPr sz="1800" kern="1200">
+      <a:lvl2pPr marL="640080" algn="l" defTabSz="1280160" rtl="0" eaLnBrk="1" latinLnBrk="0" hangingPunct="1">
+        <a:defRPr sz="2520" kern="1200">
           <a:solidFill>
             <a:schemeClr val="tx1"/>
           </a:solidFill>
@@ -3250,8 +2883,8 @@
           <a:cs typeface="+mn-cs"/>
         </a:defRPr>
       </a:lvl2pPr>
-      <a:lvl3pPr marL="914400" algn="l" defTabSz="914400" rtl="0" eaLnBrk="1" latinLnBrk="0" hangingPunct="1">
-        <a:defRPr sz="1800" kern="1200">
+      <a:lvl3pPr marL="1280160" algn="l" defTabSz="1280160" rtl="0" eaLnBrk="1" latinLnBrk="0" hangingPunct="1">
+        <a:defRPr sz="2520" kern="1200">
           <a:solidFill>
             <a:schemeClr val="tx1"/>
           </a:solidFill>
@@ -3260,8 +2893,8 @@
           <a:cs typeface="+mn-cs"/>
         </a:defRPr>
       </a:lvl3pPr>
-      <a:lvl4pPr marL="1371600" algn="l" defTabSz="914400" rtl="0" eaLnBrk="1" latinLnBrk="0" hangingPunct="1">
-        <a:defRPr sz="1800" kern="1200">
+      <a:lvl4pPr marL="1920240" algn="l" defTabSz="1280160" rtl="0" eaLnBrk="1" latinLnBrk="0" hangingPunct="1">
+        <a:defRPr sz="2520" kern="1200">
           <a:solidFill>
             <a:schemeClr val="tx1"/>
           </a:solidFill>
@@ -3270,8 +2903,8 @@
           <a:cs typeface="+mn-cs"/>
         </a:defRPr>
       </a:lvl4pPr>
-      <a:lvl5pPr marL="1828800" algn="l" defTabSz="914400" rtl="0" eaLnBrk="1" latinLnBrk="0" hangingPunct="1">
-        <a:defRPr sz="1800" kern="1200">
+      <a:lvl5pPr marL="2560320" algn="l" defTabSz="1280160" rtl="0" eaLnBrk="1" latinLnBrk="0" hangingPunct="1">
+        <a:defRPr sz="2520" kern="1200">
           <a:solidFill>
             <a:schemeClr val="tx1"/>
           </a:solidFill>
@@ -3280,8 +2913,8 @@
           <a:cs typeface="+mn-cs"/>
         </a:defRPr>
       </a:lvl5pPr>
-      <a:lvl6pPr marL="2286000" algn="l" defTabSz="914400" rtl="0" eaLnBrk="1" latinLnBrk="0" hangingPunct="1">
-        <a:defRPr sz="1800" kern="1200">
+      <a:lvl6pPr marL="3200400" algn="l" defTabSz="1280160" rtl="0" eaLnBrk="1" latinLnBrk="0" hangingPunct="1">
+        <a:defRPr sz="2520" kern="1200">
           <a:solidFill>
             <a:schemeClr val="tx1"/>
           </a:solidFill>
@@ -3290,8 +2923,8 @@
           <a:cs typeface="+mn-cs"/>
         </a:defRPr>
       </a:lvl6pPr>
-      <a:lvl7pPr marL="2743200" algn="l" defTabSz="914400" rtl="0" eaLnBrk="1" latinLnBrk="0" hangingPunct="1">
-        <a:defRPr sz="1800" kern="1200">
+      <a:lvl7pPr marL="3840480" algn="l" defTabSz="1280160" rtl="0" eaLnBrk="1" latinLnBrk="0" hangingPunct="1">
+        <a:defRPr sz="2520" kern="1200">
           <a:solidFill>
             <a:schemeClr val="tx1"/>
           </a:solidFill>
@@ -3300,8 +2933,8 @@
           <a:cs typeface="+mn-cs"/>
         </a:defRPr>
       </a:lvl7pPr>
-      <a:lvl8pPr marL="3200400" algn="l" defTabSz="914400" rtl="0" eaLnBrk="1" latinLnBrk="0" hangingPunct="1">
-        <a:defRPr sz="1800" kern="1200">
+      <a:lvl8pPr marL="4480560" algn="l" defTabSz="1280160" rtl="0" eaLnBrk="1" latinLnBrk="0" hangingPunct="1">
+        <a:defRPr sz="2520" kern="1200">
           <a:solidFill>
             <a:schemeClr val="tx1"/>
           </a:solidFill>
@@ -3310,8 +2943,8 @@
           <a:cs typeface="+mn-cs"/>
         </a:defRPr>
       </a:lvl8pPr>
-      <a:lvl9pPr marL="3657600" algn="l" defTabSz="914400" rtl="0" eaLnBrk="1" latinLnBrk="0" hangingPunct="1">
-        <a:defRPr sz="1800" kern="1200">
+      <a:lvl9pPr marL="5120640" algn="l" defTabSz="1280160" rtl="0" eaLnBrk="1" latinLnBrk="0" hangingPunct="1">
+        <a:defRPr sz="2520" kern="1200">
           <a:solidFill>
             <a:schemeClr val="tx1"/>
           </a:solidFill>
@@ -3344,430 +2977,6 @@
       </p:grpSpPr>
       <p:sp>
         <p:nvSpPr>
-          <p:cNvPr id="4" name="Terminator 3">
-            <a:extLst>
-              <a:ext uri="{FF2B5EF4-FFF2-40B4-BE49-F238E27FC236}">
-                <a16:creationId xmlns:a16="http://schemas.microsoft.com/office/drawing/2014/main" id="{4D3EC57C-F60D-3C29-6D71-8C3C35F1BA2A}"/>
-              </a:ext>
-            </a:extLst>
-          </p:cNvPr>
-          <p:cNvSpPr/>
-          <p:nvPr/>
-        </p:nvSpPr>
-        <p:spPr>
-          <a:xfrm>
-            <a:off x="1184455" y="1291225"/>
-            <a:ext cx="1528176" cy="438411"/>
-          </a:xfrm>
-          <a:prstGeom prst="flowChartTerminator">
-            <a:avLst/>
-          </a:prstGeom>
-          <a:solidFill>
-            <a:schemeClr val="accent5"/>
-          </a:solidFill>
-        </p:spPr>
-        <p:style>
-          <a:lnRef idx="2">
-            <a:schemeClr val="accent1">
-              <a:shade val="15000"/>
-            </a:schemeClr>
-          </a:lnRef>
-          <a:fillRef idx="1">
-            <a:schemeClr val="accent1"/>
-          </a:fillRef>
-          <a:effectRef idx="0">
-            <a:schemeClr val="accent1"/>
-          </a:effectRef>
-          <a:fontRef idx="minor">
-            <a:schemeClr val="lt1"/>
-          </a:fontRef>
-        </p:style>
-        <p:txBody>
-          <a:bodyPr rtlCol="0" anchor="ctr"/>
-          <a:lstStyle/>
-          <a:p>
-            <a:pPr algn="ctr"/>
-            <a:r>
-              <a:rPr lang="en-US" dirty="0"/>
-              <a:t>Start</a:t>
-            </a:r>
-          </a:p>
-        </p:txBody>
-      </p:sp>
-      <p:sp>
-        <p:nvSpPr>
-          <p:cNvPr id="6" name="Predefined Process 5">
-            <a:extLst>
-              <a:ext uri="{FF2B5EF4-FFF2-40B4-BE49-F238E27FC236}">
-                <a16:creationId xmlns:a16="http://schemas.microsoft.com/office/drawing/2014/main" id="{430CE2A3-104A-617C-F666-4C7370770733}"/>
-              </a:ext>
-            </a:extLst>
-          </p:cNvPr>
-          <p:cNvSpPr/>
-          <p:nvPr/>
-        </p:nvSpPr>
-        <p:spPr>
-          <a:xfrm>
-            <a:off x="826270" y="2483434"/>
-            <a:ext cx="2244545" cy="827314"/>
-          </a:xfrm>
-          <a:prstGeom prst="flowChartPredefinedProcess">
-            <a:avLst/>
-          </a:prstGeom>
-          <a:solidFill>
-            <a:schemeClr val="accent6"/>
-          </a:solidFill>
-        </p:spPr>
-        <p:style>
-          <a:lnRef idx="2">
-            <a:schemeClr val="accent1">
-              <a:shade val="15000"/>
-            </a:schemeClr>
-          </a:lnRef>
-          <a:fillRef idx="1">
-            <a:schemeClr val="accent1"/>
-          </a:fillRef>
-          <a:effectRef idx="0">
-            <a:schemeClr val="accent1"/>
-          </a:effectRef>
-          <a:fontRef idx="minor">
-            <a:schemeClr val="lt1"/>
-          </a:fontRef>
-        </p:style>
-        <p:txBody>
-          <a:bodyPr rtlCol="0" anchor="ctr"/>
-          <a:lstStyle/>
-          <a:p>
-            <a:pPr algn="ctr"/>
-            <a:r>
-              <a:rPr lang="en-US" dirty="0"/>
-              <a:t>setup</a:t>
-            </a:r>
-          </a:p>
-        </p:txBody>
-      </p:sp>
-      <p:sp>
-        <p:nvSpPr>
-          <p:cNvPr id="7" name="Predefined Process 6">
-            <a:extLst>
-              <a:ext uri="{FF2B5EF4-FFF2-40B4-BE49-F238E27FC236}">
-                <a16:creationId xmlns:a16="http://schemas.microsoft.com/office/drawing/2014/main" id="{E1692E47-A59C-A721-0D28-ABCC0450354D}"/>
-              </a:ext>
-            </a:extLst>
-          </p:cNvPr>
-          <p:cNvSpPr/>
-          <p:nvPr/>
-        </p:nvSpPr>
-        <p:spPr>
-          <a:xfrm>
-            <a:off x="826270" y="4064546"/>
-            <a:ext cx="2244545" cy="827314"/>
-          </a:xfrm>
-          <a:prstGeom prst="flowChartPredefinedProcess">
-            <a:avLst/>
-          </a:prstGeom>
-          <a:solidFill>
-            <a:schemeClr val="accent6"/>
-          </a:solidFill>
-        </p:spPr>
-        <p:style>
-          <a:lnRef idx="2">
-            <a:schemeClr val="accent1">
-              <a:shade val="15000"/>
-            </a:schemeClr>
-          </a:lnRef>
-          <a:fillRef idx="1">
-            <a:schemeClr val="accent1"/>
-          </a:fillRef>
-          <a:effectRef idx="0">
-            <a:schemeClr val="accent1"/>
-          </a:effectRef>
-          <a:fontRef idx="minor">
-            <a:schemeClr val="lt1"/>
-          </a:fontRef>
-        </p:style>
-        <p:txBody>
-          <a:bodyPr rtlCol="0" anchor="ctr"/>
-          <a:lstStyle/>
-          <a:p>
-            <a:pPr algn="ctr"/>
-            <a:r>
-              <a:rPr lang="en-US" dirty="0"/>
-              <a:t>loop</a:t>
-            </a:r>
-          </a:p>
-        </p:txBody>
-      </p:sp>
-      <p:cxnSp>
-        <p:nvCxnSpPr>
-          <p:cNvPr id="9" name="Straight Arrow Connector 8">
-            <a:extLst>
-              <a:ext uri="{FF2B5EF4-FFF2-40B4-BE49-F238E27FC236}">
-                <a16:creationId xmlns:a16="http://schemas.microsoft.com/office/drawing/2014/main" id="{C3D2CC1A-8410-74E4-8BEB-496F790CA8BE}"/>
-              </a:ext>
-            </a:extLst>
-          </p:cNvPr>
-          <p:cNvCxnSpPr>
-            <a:stCxn id="4" idx="2"/>
-            <a:endCxn id="6" idx="0"/>
-          </p:cNvCxnSpPr>
-          <p:nvPr/>
-        </p:nvCxnSpPr>
-        <p:spPr>
-          <a:xfrm>
-            <a:off x="1948543" y="1729636"/>
-            <a:ext cx="0" cy="753798"/>
-          </a:xfrm>
-          <a:prstGeom prst="straightConnector1">
-            <a:avLst/>
-          </a:prstGeom>
-          <a:ln w="28575">
-            <a:solidFill>
-              <a:schemeClr val="accent1"/>
-            </a:solidFill>
-            <a:tailEnd type="triangle"/>
-          </a:ln>
-        </p:spPr>
-        <p:style>
-          <a:lnRef idx="2">
-            <a:schemeClr val="accent1"/>
-          </a:lnRef>
-          <a:fillRef idx="0">
-            <a:schemeClr val="accent1"/>
-          </a:fillRef>
-          <a:effectRef idx="1">
-            <a:schemeClr val="accent1"/>
-          </a:effectRef>
-          <a:fontRef idx="minor">
-            <a:schemeClr val="tx1"/>
-          </a:fontRef>
-        </p:style>
-      </p:cxnSp>
-      <p:cxnSp>
-        <p:nvCxnSpPr>
-          <p:cNvPr id="10" name="Straight Arrow Connector 9">
-            <a:extLst>
-              <a:ext uri="{FF2B5EF4-FFF2-40B4-BE49-F238E27FC236}">
-                <a16:creationId xmlns:a16="http://schemas.microsoft.com/office/drawing/2014/main" id="{46768787-B400-15AB-779F-C93E2A0AA424}"/>
-              </a:ext>
-            </a:extLst>
-          </p:cNvPr>
-          <p:cNvCxnSpPr/>
-          <p:nvPr/>
-        </p:nvCxnSpPr>
-        <p:spPr>
-          <a:xfrm>
-            <a:off x="1948541" y="3310748"/>
-            <a:ext cx="0" cy="753798"/>
-          </a:xfrm>
-          <a:prstGeom prst="straightConnector1">
-            <a:avLst/>
-          </a:prstGeom>
-          <a:ln w="28575">
-            <a:solidFill>
-              <a:schemeClr val="accent1"/>
-            </a:solidFill>
-            <a:tailEnd type="triangle"/>
-          </a:ln>
-        </p:spPr>
-        <p:style>
-          <a:lnRef idx="2">
-            <a:schemeClr val="accent1"/>
-          </a:lnRef>
-          <a:fillRef idx="0">
-            <a:schemeClr val="accent1"/>
-          </a:fillRef>
-          <a:effectRef idx="1">
-            <a:schemeClr val="accent1"/>
-          </a:effectRef>
-          <a:fontRef idx="minor">
-            <a:schemeClr val="tx1"/>
-          </a:fontRef>
-        </p:style>
-      </p:cxnSp>
-      <p:cxnSp>
-        <p:nvCxnSpPr>
-          <p:cNvPr id="11" name="Straight Arrow Connector 10">
-            <a:extLst>
-              <a:ext uri="{FF2B5EF4-FFF2-40B4-BE49-F238E27FC236}">
-                <a16:creationId xmlns:a16="http://schemas.microsoft.com/office/drawing/2014/main" id="{D91B5856-F5C7-0F3C-21B3-A1281DAF859D}"/>
-              </a:ext>
-            </a:extLst>
-          </p:cNvPr>
-          <p:cNvCxnSpPr>
-            <a:cxnSpLocks/>
-          </p:cNvCxnSpPr>
-          <p:nvPr/>
-        </p:nvCxnSpPr>
-        <p:spPr>
-          <a:xfrm>
-            <a:off x="1948541" y="4891860"/>
-            <a:ext cx="0" cy="376899"/>
-          </a:xfrm>
-          <a:prstGeom prst="straightConnector1">
-            <a:avLst/>
-          </a:prstGeom>
-          <a:ln w="28575">
-            <a:solidFill>
-              <a:schemeClr val="accent1"/>
-            </a:solidFill>
-            <a:headEnd type="none" w="med" len="med"/>
-            <a:tailEnd type="none" w="med" len="med"/>
-          </a:ln>
-        </p:spPr>
-        <p:style>
-          <a:lnRef idx="2">
-            <a:schemeClr val="accent1"/>
-          </a:lnRef>
-          <a:fillRef idx="0">
-            <a:schemeClr val="accent1"/>
-          </a:fillRef>
-          <a:effectRef idx="1">
-            <a:schemeClr val="accent1"/>
-          </a:effectRef>
-          <a:fontRef idx="minor">
-            <a:schemeClr val="tx1"/>
-          </a:fontRef>
-        </p:style>
-      </p:cxnSp>
-      <p:cxnSp>
-        <p:nvCxnSpPr>
-          <p:cNvPr id="12" name="Straight Arrow Connector 11">
-            <a:extLst>
-              <a:ext uri="{FF2B5EF4-FFF2-40B4-BE49-F238E27FC236}">
-                <a16:creationId xmlns:a16="http://schemas.microsoft.com/office/drawing/2014/main" id="{3F7B1565-6E6B-4AF9-BD12-08E5DAF50F11}"/>
-              </a:ext>
-            </a:extLst>
-          </p:cNvPr>
-          <p:cNvCxnSpPr>
-            <a:cxnSpLocks/>
-          </p:cNvCxnSpPr>
-          <p:nvPr/>
-        </p:nvCxnSpPr>
-        <p:spPr>
-          <a:xfrm>
-            <a:off x="1948541" y="5268759"/>
-            <a:ext cx="1796144" cy="0"/>
-          </a:xfrm>
-          <a:prstGeom prst="straightConnector1">
-            <a:avLst/>
-          </a:prstGeom>
-          <a:ln w="28575">
-            <a:solidFill>
-              <a:schemeClr val="accent1"/>
-            </a:solidFill>
-            <a:prstDash val="solid"/>
-            <a:headEnd type="none" w="med" len="med"/>
-            <a:tailEnd type="none" w="med" len="med"/>
-          </a:ln>
-        </p:spPr>
-        <p:style>
-          <a:lnRef idx="2">
-            <a:schemeClr val="accent1"/>
-          </a:lnRef>
-          <a:fillRef idx="0">
-            <a:schemeClr val="accent1"/>
-          </a:fillRef>
-          <a:effectRef idx="1">
-            <a:schemeClr val="accent1"/>
-          </a:effectRef>
-          <a:fontRef idx="minor">
-            <a:schemeClr val="tx1"/>
-          </a:fontRef>
-        </p:style>
-      </p:cxnSp>
-      <p:cxnSp>
-        <p:nvCxnSpPr>
-          <p:cNvPr id="14" name="Straight Arrow Connector 13">
-            <a:extLst>
-              <a:ext uri="{FF2B5EF4-FFF2-40B4-BE49-F238E27FC236}">
-                <a16:creationId xmlns:a16="http://schemas.microsoft.com/office/drawing/2014/main" id="{D3EE925E-7515-1C0A-186C-E0674E0F3110}"/>
-              </a:ext>
-            </a:extLst>
-          </p:cNvPr>
-          <p:cNvCxnSpPr>
-            <a:cxnSpLocks/>
-          </p:cNvCxnSpPr>
-          <p:nvPr/>
-        </p:nvCxnSpPr>
-        <p:spPr>
-          <a:xfrm>
-            <a:off x="3744685" y="3687647"/>
-            <a:ext cx="0" cy="1581112"/>
-          </a:xfrm>
-          <a:prstGeom prst="straightConnector1">
-            <a:avLst/>
-          </a:prstGeom>
-          <a:ln w="28575">
-            <a:solidFill>
-              <a:schemeClr val="accent1"/>
-            </a:solidFill>
-            <a:headEnd type="none" w="med" len="med"/>
-            <a:tailEnd type="none" w="med" len="med"/>
-          </a:ln>
-        </p:spPr>
-        <p:style>
-          <a:lnRef idx="2">
-            <a:schemeClr val="accent1"/>
-          </a:lnRef>
-          <a:fillRef idx="0">
-            <a:schemeClr val="accent1"/>
-          </a:fillRef>
-          <a:effectRef idx="1">
-            <a:schemeClr val="accent1"/>
-          </a:effectRef>
-          <a:fontRef idx="minor">
-            <a:schemeClr val="tx1"/>
-          </a:fontRef>
-        </p:style>
-      </p:cxnSp>
-      <p:cxnSp>
-        <p:nvCxnSpPr>
-          <p:cNvPr id="17" name="Straight Arrow Connector 16">
-            <a:extLst>
-              <a:ext uri="{FF2B5EF4-FFF2-40B4-BE49-F238E27FC236}">
-                <a16:creationId xmlns:a16="http://schemas.microsoft.com/office/drawing/2014/main" id="{A44D20E3-4AAE-AA04-9D75-067416F1A9E8}"/>
-              </a:ext>
-            </a:extLst>
-          </p:cNvPr>
-          <p:cNvCxnSpPr>
-            <a:cxnSpLocks/>
-          </p:cNvCxnSpPr>
-          <p:nvPr/>
-        </p:nvCxnSpPr>
-        <p:spPr>
-          <a:xfrm>
-            <a:off x="1948541" y="3687647"/>
-            <a:ext cx="1796144" cy="0"/>
-          </a:xfrm>
-          <a:prstGeom prst="straightConnector1">
-            <a:avLst/>
-          </a:prstGeom>
-          <a:ln w="28575">
-            <a:solidFill>
-              <a:schemeClr val="accent1"/>
-            </a:solidFill>
-            <a:headEnd type="triangle" w="med" len="med"/>
-            <a:tailEnd type="none" w="med" len="med"/>
-          </a:ln>
-        </p:spPr>
-        <p:style>
-          <a:lnRef idx="2">
-            <a:schemeClr val="accent1"/>
-          </a:lnRef>
-          <a:fillRef idx="0">
-            <a:schemeClr val="accent1"/>
-          </a:fillRef>
-          <a:effectRef idx="1">
-            <a:schemeClr val="accent1"/>
-          </a:effectRef>
-          <a:fontRef idx="minor">
-            <a:schemeClr val="tx1"/>
-          </a:fontRef>
-        </p:style>
-      </p:cxnSp>
-      <p:sp>
-        <p:nvSpPr>
           <p:cNvPr id="22" name="TextBox 21">
             <a:extLst>
               <a:ext uri="{FF2B5EF4-FFF2-40B4-BE49-F238E27FC236}">
@@ -3780,8 +2989,8 @@
         </p:nvSpPr>
         <p:spPr>
           <a:xfrm>
-            <a:off x="892629" y="359223"/>
-            <a:ext cx="1716945" cy="369332"/>
+            <a:off x="1197430" y="1730823"/>
+            <a:ext cx="1986121" cy="418128"/>
           </a:xfrm>
           <a:prstGeom prst="rect">
             <a:avLst/>
@@ -3815,8 +3024,8 @@
         </p:nvSpPr>
         <p:spPr>
           <a:xfrm>
-            <a:off x="5138057" y="359223"/>
-            <a:ext cx="769763" cy="369332"/>
+            <a:off x="5442857" y="1730823"/>
+            <a:ext cx="1495922" cy="418128"/>
           </a:xfrm>
           <a:prstGeom prst="rect">
             <a:avLst/>
@@ -3831,7 +3040,11 @@
           <a:p>
             <a:r>
               <a:rPr lang="en-US" dirty="0"/>
-              <a:t>Setup</a:t>
+              <a:t>Setup </a:t>
+            </a:r>
+            <a:r>
+              <a:rPr lang="en-US" i="1" dirty="0"/>
+              <a:t>blink</a:t>
             </a:r>
           </a:p>
         </p:txBody>
@@ -3850,7 +3063,7 @@
         </p:nvGrpSpPr>
         <p:grpSpPr>
           <a:xfrm>
-            <a:off x="8224876" y="935389"/>
+            <a:off x="8529677" y="2306989"/>
             <a:ext cx="2256459" cy="5691838"/>
             <a:chOff x="8224876" y="935389"/>
             <a:chExt cx="2256459" cy="5691838"/>
@@ -4405,8 +3618,8 @@
         </p:nvSpPr>
         <p:spPr>
           <a:xfrm>
-            <a:off x="8763000" y="359223"/>
-            <a:ext cx="683777" cy="369332"/>
+            <a:off x="9067800" y="1730823"/>
+            <a:ext cx="1340432" cy="418128"/>
           </a:xfrm>
           <a:prstGeom prst="rect">
             <a:avLst/>
@@ -4420,62 +3633,22 @@
           <a:lstStyle/>
           <a:p>
             <a:r>
+              <a:rPr lang="en-US" i="1" dirty="0"/>
+              <a:t>Blink</a:t>
+            </a:r>
+            <a:r>
               <a:rPr lang="en-US" dirty="0"/>
-              <a:t>Loop</a:t>
-            </a:r>
-          </a:p>
-        </p:txBody>
-      </p:sp>
-      <p:cxnSp>
-        <p:nvCxnSpPr>
-          <p:cNvPr id="44" name="Straight Arrow Connector 43">
+              <a:t> loop</a:t>
+            </a:r>
+          </a:p>
+        </p:txBody>
+      </p:sp>
+      <p:grpSp>
+        <p:nvGrpSpPr>
+          <p:cNvPr id="51" name="Group 50">
             <a:extLst>
               <a:ext uri="{FF2B5EF4-FFF2-40B4-BE49-F238E27FC236}">
-                <a16:creationId xmlns:a16="http://schemas.microsoft.com/office/drawing/2014/main" id="{BC23FC0C-E374-1F23-133A-CA56F15E9976}"/>
-              </a:ext>
-            </a:extLst>
-          </p:cNvPr>
-          <p:cNvCxnSpPr>
-            <a:cxnSpLocks/>
-          </p:cNvCxnSpPr>
-          <p:nvPr/>
-        </p:nvCxnSpPr>
-        <p:spPr>
-          <a:xfrm>
-            <a:off x="2342513" y="2558160"/>
-            <a:ext cx="0" cy="316467"/>
-          </a:xfrm>
-          <a:prstGeom prst="straightConnector1">
-            <a:avLst/>
-          </a:prstGeom>
-          <a:ln w="28575">
-            <a:solidFill>
-              <a:schemeClr val="accent1"/>
-            </a:solidFill>
-            <a:tailEnd type="triangle"/>
-          </a:ln>
-        </p:spPr>
-        <p:style>
-          <a:lnRef idx="2">
-            <a:schemeClr val="accent1"/>
-          </a:lnRef>
-          <a:fillRef idx="0">
-            <a:schemeClr val="accent1"/>
-          </a:fillRef>
-          <a:effectRef idx="1">
-            <a:schemeClr val="accent1"/>
-          </a:effectRef>
-          <a:fontRef idx="minor">
-            <a:schemeClr val="tx1"/>
-          </a:fontRef>
-        </p:style>
-      </p:cxnSp>
-      <p:grpSp>
-        <p:nvGrpSpPr>
-          <p:cNvPr id="47" name="Group 46">
-            <a:extLst>
-              <a:ext uri="{FF2B5EF4-FFF2-40B4-BE49-F238E27FC236}">
-                <a16:creationId xmlns:a16="http://schemas.microsoft.com/office/drawing/2014/main" id="{CE8FEEBD-F3AF-5FEF-576B-0B5E31ADB8D4}"/>
+                <a16:creationId xmlns:a16="http://schemas.microsoft.com/office/drawing/2014/main" id="{0D11FA35-10B9-C800-0A21-37BFA5C3C525}"/>
               </a:ext>
             </a:extLst>
           </p:cNvPr>
@@ -4484,7 +3657,7 @@
         </p:nvGrpSpPr>
         <p:grpSpPr>
           <a:xfrm>
-            <a:off x="4849606" y="1588122"/>
+            <a:off x="5154407" y="2959723"/>
             <a:ext cx="2122671" cy="2149869"/>
             <a:chOff x="4849606" y="1588122"/>
             <a:chExt cx="2122671" cy="2149869"/>
@@ -4734,6 +3907,450 @@
           </p:txBody>
         </p:sp>
       </p:grpSp>
+      <p:grpSp>
+        <p:nvGrpSpPr>
+          <p:cNvPr id="50" name="Group 49">
+            <a:extLst>
+              <a:ext uri="{FF2B5EF4-FFF2-40B4-BE49-F238E27FC236}">
+                <a16:creationId xmlns:a16="http://schemas.microsoft.com/office/drawing/2014/main" id="{051C6882-2CA1-BFFC-0167-49E1850ADBC9}"/>
+              </a:ext>
+            </a:extLst>
+          </p:cNvPr>
+          <p:cNvGrpSpPr/>
+          <p:nvPr/>
+        </p:nvGrpSpPr>
+        <p:grpSpPr>
+          <a:xfrm>
+            <a:off x="1131071" y="3101237"/>
+            <a:ext cx="2918415" cy="3539123"/>
+            <a:chOff x="826270" y="1729636"/>
+            <a:chExt cx="2918415" cy="3539123"/>
+          </a:xfrm>
+        </p:grpSpPr>
+        <p:sp>
+          <p:nvSpPr>
+            <p:cNvPr id="4" name="Terminator 3">
+              <a:extLst>
+                <a:ext uri="{FF2B5EF4-FFF2-40B4-BE49-F238E27FC236}">
+                  <a16:creationId xmlns:a16="http://schemas.microsoft.com/office/drawing/2014/main" id="{4D3EC57C-F60D-3C29-6D71-8C3C35F1BA2A}"/>
+                </a:ext>
+              </a:extLst>
+            </p:cNvPr>
+            <p:cNvSpPr/>
+            <p:nvPr/>
+          </p:nvSpPr>
+          <p:spPr>
+            <a:xfrm>
+              <a:off x="1151794" y="1729636"/>
+              <a:ext cx="1528176" cy="438411"/>
+            </a:xfrm>
+            <a:prstGeom prst="flowChartTerminator">
+              <a:avLst/>
+            </a:prstGeom>
+            <a:solidFill>
+              <a:schemeClr val="accent5"/>
+            </a:solidFill>
+          </p:spPr>
+          <p:style>
+            <a:lnRef idx="2">
+              <a:schemeClr val="accent1">
+                <a:shade val="15000"/>
+              </a:schemeClr>
+            </a:lnRef>
+            <a:fillRef idx="1">
+              <a:schemeClr val="accent1"/>
+            </a:fillRef>
+            <a:effectRef idx="0">
+              <a:schemeClr val="accent1"/>
+            </a:effectRef>
+            <a:fontRef idx="minor">
+              <a:schemeClr val="lt1"/>
+            </a:fontRef>
+          </p:style>
+          <p:txBody>
+            <a:bodyPr rtlCol="0" anchor="ctr"/>
+            <a:lstStyle/>
+            <a:p>
+              <a:pPr algn="ctr"/>
+              <a:r>
+                <a:rPr lang="en-US" dirty="0"/>
+                <a:t>Start</a:t>
+              </a:r>
+            </a:p>
+          </p:txBody>
+        </p:sp>
+        <p:sp>
+          <p:nvSpPr>
+            <p:cNvPr id="6" name="Predefined Process 5">
+              <a:extLst>
+                <a:ext uri="{FF2B5EF4-FFF2-40B4-BE49-F238E27FC236}">
+                  <a16:creationId xmlns:a16="http://schemas.microsoft.com/office/drawing/2014/main" id="{430CE2A3-104A-617C-F666-4C7370770733}"/>
+                </a:ext>
+              </a:extLst>
+            </p:cNvPr>
+            <p:cNvSpPr/>
+            <p:nvPr/>
+          </p:nvSpPr>
+          <p:spPr>
+            <a:xfrm>
+              <a:off x="826270" y="2483434"/>
+              <a:ext cx="2244545" cy="827314"/>
+            </a:xfrm>
+            <a:prstGeom prst="flowChartPredefinedProcess">
+              <a:avLst/>
+            </a:prstGeom>
+            <a:solidFill>
+              <a:schemeClr val="accent6"/>
+            </a:solidFill>
+          </p:spPr>
+          <p:style>
+            <a:lnRef idx="2">
+              <a:schemeClr val="accent1">
+                <a:shade val="15000"/>
+              </a:schemeClr>
+            </a:lnRef>
+            <a:fillRef idx="1">
+              <a:schemeClr val="accent1"/>
+            </a:fillRef>
+            <a:effectRef idx="0">
+              <a:schemeClr val="accent1"/>
+            </a:effectRef>
+            <a:fontRef idx="minor">
+              <a:schemeClr val="lt1"/>
+            </a:fontRef>
+          </p:style>
+          <p:txBody>
+            <a:bodyPr rtlCol="0" anchor="ctr"/>
+            <a:lstStyle/>
+            <a:p>
+              <a:pPr algn="ctr"/>
+              <a:r>
+                <a:rPr lang="en-US" dirty="0"/>
+                <a:t>setup</a:t>
+              </a:r>
+            </a:p>
+          </p:txBody>
+        </p:sp>
+        <p:sp>
+          <p:nvSpPr>
+            <p:cNvPr id="7" name="Predefined Process 6">
+              <a:extLst>
+                <a:ext uri="{FF2B5EF4-FFF2-40B4-BE49-F238E27FC236}">
+                  <a16:creationId xmlns:a16="http://schemas.microsoft.com/office/drawing/2014/main" id="{E1692E47-A59C-A721-0D28-ABCC0450354D}"/>
+                </a:ext>
+              </a:extLst>
+            </p:cNvPr>
+            <p:cNvSpPr/>
+            <p:nvPr/>
+          </p:nvSpPr>
+          <p:spPr>
+            <a:xfrm>
+              <a:off x="826270" y="4064546"/>
+              <a:ext cx="2244545" cy="827314"/>
+            </a:xfrm>
+            <a:prstGeom prst="flowChartPredefinedProcess">
+              <a:avLst/>
+            </a:prstGeom>
+            <a:solidFill>
+              <a:schemeClr val="accent6"/>
+            </a:solidFill>
+          </p:spPr>
+          <p:style>
+            <a:lnRef idx="2">
+              <a:schemeClr val="accent1">
+                <a:shade val="15000"/>
+              </a:schemeClr>
+            </a:lnRef>
+            <a:fillRef idx="1">
+              <a:schemeClr val="accent1"/>
+            </a:fillRef>
+            <a:effectRef idx="0">
+              <a:schemeClr val="accent1"/>
+            </a:effectRef>
+            <a:fontRef idx="minor">
+              <a:schemeClr val="lt1"/>
+            </a:fontRef>
+          </p:style>
+          <p:txBody>
+            <a:bodyPr rtlCol="0" anchor="ctr"/>
+            <a:lstStyle/>
+            <a:p>
+              <a:pPr algn="ctr"/>
+              <a:r>
+                <a:rPr lang="en-US" dirty="0"/>
+                <a:t>loop</a:t>
+              </a:r>
+            </a:p>
+          </p:txBody>
+        </p:sp>
+        <p:cxnSp>
+          <p:nvCxnSpPr>
+            <p:cNvPr id="10" name="Straight Arrow Connector 9">
+              <a:extLst>
+                <a:ext uri="{FF2B5EF4-FFF2-40B4-BE49-F238E27FC236}">
+                  <a16:creationId xmlns:a16="http://schemas.microsoft.com/office/drawing/2014/main" id="{46768787-B400-15AB-779F-C93E2A0AA424}"/>
+                </a:ext>
+              </a:extLst>
+            </p:cNvPr>
+            <p:cNvCxnSpPr/>
+            <p:nvPr/>
+          </p:nvCxnSpPr>
+          <p:spPr>
+            <a:xfrm>
+              <a:off x="1948541" y="3310748"/>
+              <a:ext cx="0" cy="753798"/>
+            </a:xfrm>
+            <a:prstGeom prst="straightConnector1">
+              <a:avLst/>
+            </a:prstGeom>
+            <a:ln w="28575">
+              <a:solidFill>
+                <a:schemeClr val="accent1"/>
+              </a:solidFill>
+              <a:tailEnd type="triangle"/>
+            </a:ln>
+          </p:spPr>
+          <p:style>
+            <a:lnRef idx="2">
+              <a:schemeClr val="accent1"/>
+            </a:lnRef>
+            <a:fillRef idx="0">
+              <a:schemeClr val="accent1"/>
+            </a:fillRef>
+            <a:effectRef idx="1">
+              <a:schemeClr val="accent1"/>
+            </a:effectRef>
+            <a:fontRef idx="minor">
+              <a:schemeClr val="tx1"/>
+            </a:fontRef>
+          </p:style>
+        </p:cxnSp>
+        <p:cxnSp>
+          <p:nvCxnSpPr>
+            <p:cNvPr id="11" name="Straight Arrow Connector 10">
+              <a:extLst>
+                <a:ext uri="{FF2B5EF4-FFF2-40B4-BE49-F238E27FC236}">
+                  <a16:creationId xmlns:a16="http://schemas.microsoft.com/office/drawing/2014/main" id="{D91B5856-F5C7-0F3C-21B3-A1281DAF859D}"/>
+                </a:ext>
+              </a:extLst>
+            </p:cNvPr>
+            <p:cNvCxnSpPr>
+              <a:cxnSpLocks/>
+            </p:cNvCxnSpPr>
+            <p:nvPr/>
+          </p:nvCxnSpPr>
+          <p:spPr>
+            <a:xfrm>
+              <a:off x="1948541" y="4891860"/>
+              <a:ext cx="0" cy="376899"/>
+            </a:xfrm>
+            <a:prstGeom prst="straightConnector1">
+              <a:avLst/>
+            </a:prstGeom>
+            <a:ln w="28575">
+              <a:solidFill>
+                <a:schemeClr val="accent1"/>
+              </a:solidFill>
+              <a:headEnd type="none" w="med" len="med"/>
+              <a:tailEnd type="none" w="med" len="med"/>
+            </a:ln>
+          </p:spPr>
+          <p:style>
+            <a:lnRef idx="2">
+              <a:schemeClr val="accent1"/>
+            </a:lnRef>
+            <a:fillRef idx="0">
+              <a:schemeClr val="accent1"/>
+            </a:fillRef>
+            <a:effectRef idx="1">
+              <a:schemeClr val="accent1"/>
+            </a:effectRef>
+            <a:fontRef idx="minor">
+              <a:schemeClr val="tx1"/>
+            </a:fontRef>
+          </p:style>
+        </p:cxnSp>
+        <p:cxnSp>
+          <p:nvCxnSpPr>
+            <p:cNvPr id="12" name="Straight Arrow Connector 11">
+              <a:extLst>
+                <a:ext uri="{FF2B5EF4-FFF2-40B4-BE49-F238E27FC236}">
+                  <a16:creationId xmlns:a16="http://schemas.microsoft.com/office/drawing/2014/main" id="{3F7B1565-6E6B-4AF9-BD12-08E5DAF50F11}"/>
+                </a:ext>
+              </a:extLst>
+            </p:cNvPr>
+            <p:cNvCxnSpPr>
+              <a:cxnSpLocks/>
+            </p:cNvCxnSpPr>
+            <p:nvPr/>
+          </p:nvCxnSpPr>
+          <p:spPr>
+            <a:xfrm>
+              <a:off x="1948541" y="5268759"/>
+              <a:ext cx="1796144" cy="0"/>
+            </a:xfrm>
+            <a:prstGeom prst="straightConnector1">
+              <a:avLst/>
+            </a:prstGeom>
+            <a:ln w="28575">
+              <a:solidFill>
+                <a:schemeClr val="accent1"/>
+              </a:solidFill>
+              <a:prstDash val="solid"/>
+              <a:headEnd type="none" w="med" len="med"/>
+              <a:tailEnd type="none" w="med" len="med"/>
+            </a:ln>
+          </p:spPr>
+          <p:style>
+            <a:lnRef idx="2">
+              <a:schemeClr val="accent1"/>
+            </a:lnRef>
+            <a:fillRef idx="0">
+              <a:schemeClr val="accent1"/>
+            </a:fillRef>
+            <a:effectRef idx="1">
+              <a:schemeClr val="accent1"/>
+            </a:effectRef>
+            <a:fontRef idx="minor">
+              <a:schemeClr val="tx1"/>
+            </a:fontRef>
+          </p:style>
+        </p:cxnSp>
+        <p:cxnSp>
+          <p:nvCxnSpPr>
+            <p:cNvPr id="14" name="Straight Arrow Connector 13">
+              <a:extLst>
+                <a:ext uri="{FF2B5EF4-FFF2-40B4-BE49-F238E27FC236}">
+                  <a16:creationId xmlns:a16="http://schemas.microsoft.com/office/drawing/2014/main" id="{D3EE925E-7515-1C0A-186C-E0674E0F3110}"/>
+                </a:ext>
+              </a:extLst>
+            </p:cNvPr>
+            <p:cNvCxnSpPr>
+              <a:cxnSpLocks/>
+            </p:cNvCxnSpPr>
+            <p:nvPr/>
+          </p:nvCxnSpPr>
+          <p:spPr>
+            <a:xfrm>
+              <a:off x="3744685" y="3687647"/>
+              <a:ext cx="0" cy="1581112"/>
+            </a:xfrm>
+            <a:prstGeom prst="straightConnector1">
+              <a:avLst/>
+            </a:prstGeom>
+            <a:ln w="28575">
+              <a:solidFill>
+                <a:schemeClr val="accent1"/>
+              </a:solidFill>
+              <a:headEnd type="none" w="med" len="med"/>
+              <a:tailEnd type="none" w="med" len="med"/>
+            </a:ln>
+          </p:spPr>
+          <p:style>
+            <a:lnRef idx="2">
+              <a:schemeClr val="accent1"/>
+            </a:lnRef>
+            <a:fillRef idx="0">
+              <a:schemeClr val="accent1"/>
+            </a:fillRef>
+            <a:effectRef idx="1">
+              <a:schemeClr val="accent1"/>
+            </a:effectRef>
+            <a:fontRef idx="minor">
+              <a:schemeClr val="tx1"/>
+            </a:fontRef>
+          </p:style>
+        </p:cxnSp>
+        <p:cxnSp>
+          <p:nvCxnSpPr>
+            <p:cNvPr id="17" name="Straight Arrow Connector 16">
+              <a:extLst>
+                <a:ext uri="{FF2B5EF4-FFF2-40B4-BE49-F238E27FC236}">
+                  <a16:creationId xmlns:a16="http://schemas.microsoft.com/office/drawing/2014/main" id="{A44D20E3-4AAE-AA04-9D75-067416F1A9E8}"/>
+                </a:ext>
+              </a:extLst>
+            </p:cNvPr>
+            <p:cNvCxnSpPr>
+              <a:cxnSpLocks/>
+            </p:cNvCxnSpPr>
+            <p:nvPr/>
+          </p:nvCxnSpPr>
+          <p:spPr>
+            <a:xfrm>
+              <a:off x="1948541" y="3687647"/>
+              <a:ext cx="1796144" cy="0"/>
+            </a:xfrm>
+            <a:prstGeom prst="straightConnector1">
+              <a:avLst/>
+            </a:prstGeom>
+            <a:ln w="28575">
+              <a:solidFill>
+                <a:schemeClr val="accent1"/>
+              </a:solidFill>
+              <a:headEnd type="triangle" w="med" len="med"/>
+              <a:tailEnd type="none" w="med" len="med"/>
+            </a:ln>
+          </p:spPr>
+          <p:style>
+            <a:lnRef idx="2">
+              <a:schemeClr val="accent1"/>
+            </a:lnRef>
+            <a:fillRef idx="0">
+              <a:schemeClr val="accent1"/>
+            </a:fillRef>
+            <a:effectRef idx="1">
+              <a:schemeClr val="accent1"/>
+            </a:effectRef>
+            <a:fontRef idx="minor">
+              <a:schemeClr val="tx1"/>
+            </a:fontRef>
+          </p:style>
+        </p:cxnSp>
+        <p:cxnSp>
+          <p:nvCxnSpPr>
+            <p:cNvPr id="49" name="Straight Arrow Connector 48">
+              <a:extLst>
+                <a:ext uri="{FF2B5EF4-FFF2-40B4-BE49-F238E27FC236}">
+                  <a16:creationId xmlns:a16="http://schemas.microsoft.com/office/drawing/2014/main" id="{9F8A986B-D2E2-8FBD-6233-766BED25E898}"/>
+                </a:ext>
+              </a:extLst>
+            </p:cNvPr>
+            <p:cNvCxnSpPr>
+              <a:cxnSpLocks/>
+            </p:cNvCxnSpPr>
+            <p:nvPr/>
+          </p:nvCxnSpPr>
+          <p:spPr>
+            <a:xfrm>
+              <a:off x="1915882" y="2173724"/>
+              <a:ext cx="0" cy="316467"/>
+            </a:xfrm>
+            <a:prstGeom prst="straightConnector1">
+              <a:avLst/>
+            </a:prstGeom>
+            <a:ln w="28575">
+              <a:solidFill>
+                <a:schemeClr val="accent1"/>
+              </a:solidFill>
+              <a:tailEnd type="triangle"/>
+            </a:ln>
+          </p:spPr>
+          <p:style>
+            <a:lnRef idx="2">
+              <a:schemeClr val="accent1"/>
+            </a:lnRef>
+            <a:fillRef idx="0">
+              <a:schemeClr val="accent1"/>
+            </a:fillRef>
+            <a:effectRef idx="1">
+              <a:schemeClr val="accent1"/>
+            </a:effectRef>
+            <a:fontRef idx="minor">
+              <a:schemeClr val="tx1"/>
+            </a:fontRef>
+          </p:style>
+        </p:cxnSp>
+      </p:grpSp>
     </p:spTree>
     <p:extLst>
       <p:ext uri="{BB962C8B-B14F-4D97-AF65-F5344CB8AC3E}">
@@ -4747,10 +4364,3265 @@
 </p:sld>
 </file>
 
+<file path=ppt/slides/slide2.xml><?xml version="1.0" encoding="utf-8"?>
+<p:sld xmlns:a="http://schemas.openxmlformats.org/drawingml/2006/main" xmlns:r="http://schemas.openxmlformats.org/officeDocument/2006/relationships" xmlns:p="http://schemas.openxmlformats.org/presentationml/2006/main">
+  <p:cSld>
+    <p:spTree>
+      <p:nvGrpSpPr>
+        <p:cNvPr id="1" name=""/>
+        <p:cNvGrpSpPr/>
+        <p:nvPr/>
+      </p:nvGrpSpPr>
+      <p:grpSpPr>
+        <a:xfrm>
+          <a:off x="0" y="0"/>
+          <a:ext cx="0" cy="0"/>
+          <a:chOff x="0" y="0"/>
+          <a:chExt cx="0" cy="0"/>
+        </a:xfrm>
+      </p:grpSpPr>
+      <p:sp>
+        <p:nvSpPr>
+          <p:cNvPr id="14" name="TextBox 13">
+            <a:extLst>
+              <a:ext uri="{FF2B5EF4-FFF2-40B4-BE49-F238E27FC236}">
+                <a16:creationId xmlns:a16="http://schemas.microsoft.com/office/drawing/2014/main" id="{B2EEB250-1A8D-633E-CE7D-D815605A4DA1}"/>
+              </a:ext>
+            </a:extLst>
+          </p:cNvPr>
+          <p:cNvSpPr txBox="1"/>
+          <p:nvPr/>
+        </p:nvSpPr>
+        <p:spPr>
+          <a:xfrm>
+            <a:off x="677064" y="1529599"/>
+            <a:ext cx="2520498" cy="418128"/>
+          </a:xfrm>
+          <a:prstGeom prst="rect">
+            <a:avLst/>
+          </a:prstGeom>
+          <a:noFill/>
+        </p:spPr>
+        <p:txBody>
+          <a:bodyPr wrap="none" rtlCol="0">
+            <a:spAutoFit/>
+          </a:bodyPr>
+          <a:lstStyle/>
+          <a:p>
+            <a:r>
+              <a:rPr lang="en-US" dirty="0"/>
+              <a:t>Basic counter setup</a:t>
+            </a:r>
+          </a:p>
+        </p:txBody>
+      </p:sp>
+      <p:sp>
+        <p:nvSpPr>
+          <p:cNvPr id="15" name="TextBox 14">
+            <a:extLst>
+              <a:ext uri="{FF2B5EF4-FFF2-40B4-BE49-F238E27FC236}">
+                <a16:creationId xmlns:a16="http://schemas.microsoft.com/office/drawing/2014/main" id="{B02CC048-242B-5739-8E60-061184C0BC49}"/>
+              </a:ext>
+            </a:extLst>
+          </p:cNvPr>
+          <p:cNvSpPr txBox="1"/>
+          <p:nvPr/>
+        </p:nvSpPr>
+        <p:spPr>
+          <a:xfrm>
+            <a:off x="4563264" y="1529599"/>
+            <a:ext cx="2374624" cy="418128"/>
+          </a:xfrm>
+          <a:prstGeom prst="rect">
+            <a:avLst/>
+          </a:prstGeom>
+          <a:noFill/>
+        </p:spPr>
+        <p:txBody>
+          <a:bodyPr wrap="none" rtlCol="0">
+            <a:spAutoFit/>
+          </a:bodyPr>
+          <a:lstStyle/>
+          <a:p>
+            <a:r>
+              <a:rPr lang="en-US" dirty="0"/>
+              <a:t>Basic counter loop</a:t>
+            </a:r>
+          </a:p>
+        </p:txBody>
+      </p:sp>
+      <p:grpSp>
+        <p:nvGrpSpPr>
+          <p:cNvPr id="38" name="Group 37">
+            <a:extLst>
+              <a:ext uri="{FF2B5EF4-FFF2-40B4-BE49-F238E27FC236}">
+                <a16:creationId xmlns:a16="http://schemas.microsoft.com/office/drawing/2014/main" id="{4C1B333E-3790-9FFA-0C1B-CC89B7B3CDB5}"/>
+              </a:ext>
+            </a:extLst>
+          </p:cNvPr>
+          <p:cNvGrpSpPr/>
+          <p:nvPr/>
+        </p:nvGrpSpPr>
+        <p:grpSpPr>
+          <a:xfrm>
+            <a:off x="892650" y="2099752"/>
+            <a:ext cx="2256459" cy="4308607"/>
+            <a:chOff x="587849" y="728151"/>
+            <a:chExt cx="2256459" cy="4308607"/>
+          </a:xfrm>
+        </p:grpSpPr>
+        <p:sp>
+          <p:nvSpPr>
+            <p:cNvPr id="5" name="Process 4">
+              <a:extLst>
+                <a:ext uri="{FF2B5EF4-FFF2-40B4-BE49-F238E27FC236}">
+                  <a16:creationId xmlns:a16="http://schemas.microsoft.com/office/drawing/2014/main" id="{921B2534-86E4-B8B4-9035-834D0433D737}"/>
+                </a:ext>
+              </a:extLst>
+            </p:cNvPr>
+            <p:cNvSpPr/>
+            <p:nvPr/>
+          </p:nvSpPr>
+          <p:spPr>
+            <a:xfrm>
+              <a:off x="587849" y="1434232"/>
+              <a:ext cx="2122671" cy="753798"/>
+            </a:xfrm>
+            <a:prstGeom prst="flowChartProcess">
+              <a:avLst/>
+            </a:prstGeom>
+            <a:solidFill>
+              <a:schemeClr val="accent4"/>
+            </a:solidFill>
+            <a:ln>
+              <a:solidFill>
+                <a:schemeClr val="accent4"/>
+              </a:solidFill>
+            </a:ln>
+          </p:spPr>
+          <p:style>
+            <a:lnRef idx="2">
+              <a:schemeClr val="accent1">
+                <a:shade val="15000"/>
+              </a:schemeClr>
+            </a:lnRef>
+            <a:fillRef idx="1">
+              <a:schemeClr val="accent1"/>
+            </a:fillRef>
+            <a:effectRef idx="0">
+              <a:schemeClr val="accent1"/>
+            </a:effectRef>
+            <a:fontRef idx="minor">
+              <a:schemeClr val="lt1"/>
+            </a:fontRef>
+          </p:style>
+          <p:txBody>
+            <a:bodyPr rtlCol="0" anchor="ctr"/>
+            <a:lstStyle/>
+            <a:p>
+              <a:pPr algn="ctr"/>
+              <a:r>
+                <a:rPr lang="en-US" dirty="0"/>
+                <a:t>initialize counter</a:t>
+              </a:r>
+            </a:p>
+          </p:txBody>
+        </p:sp>
+        <p:sp>
+          <p:nvSpPr>
+            <p:cNvPr id="6" name="Connector 5">
+              <a:extLst>
+                <a:ext uri="{FF2B5EF4-FFF2-40B4-BE49-F238E27FC236}">
+                  <a16:creationId xmlns:a16="http://schemas.microsoft.com/office/drawing/2014/main" id="{D981FC31-298D-7F87-7138-4E791AAEF87D}"/>
+                </a:ext>
+              </a:extLst>
+            </p:cNvPr>
+            <p:cNvSpPr/>
+            <p:nvPr/>
+          </p:nvSpPr>
+          <p:spPr>
+            <a:xfrm>
+              <a:off x="1464127" y="728151"/>
+              <a:ext cx="370115" cy="370115"/>
+            </a:xfrm>
+            <a:prstGeom prst="flowChartConnector">
+              <a:avLst/>
+            </a:prstGeom>
+            <a:solidFill>
+              <a:schemeClr val="bg1"/>
+            </a:solidFill>
+          </p:spPr>
+          <p:style>
+            <a:lnRef idx="2">
+              <a:schemeClr val="accent1">
+                <a:shade val="15000"/>
+              </a:schemeClr>
+            </a:lnRef>
+            <a:fillRef idx="1">
+              <a:schemeClr val="accent1"/>
+            </a:fillRef>
+            <a:effectRef idx="0">
+              <a:schemeClr val="accent1"/>
+            </a:effectRef>
+            <a:fontRef idx="minor">
+              <a:schemeClr val="lt1"/>
+            </a:fontRef>
+          </p:style>
+          <p:txBody>
+            <a:bodyPr rtlCol="0" anchor="ctr"/>
+            <a:lstStyle/>
+            <a:p>
+              <a:pPr algn="ctr"/>
+              <a:endParaRPr lang="en-US"/>
+            </a:p>
+          </p:txBody>
+        </p:sp>
+        <p:cxnSp>
+          <p:nvCxnSpPr>
+            <p:cNvPr id="7" name="Straight Arrow Connector 6">
+              <a:extLst>
+                <a:ext uri="{FF2B5EF4-FFF2-40B4-BE49-F238E27FC236}">
+                  <a16:creationId xmlns:a16="http://schemas.microsoft.com/office/drawing/2014/main" id="{3D4C0AAA-AEF1-71C4-53AB-E95B68B5EA44}"/>
+                </a:ext>
+              </a:extLst>
+            </p:cNvPr>
+            <p:cNvCxnSpPr>
+              <a:cxnSpLocks/>
+            </p:cNvCxnSpPr>
+            <p:nvPr/>
+          </p:nvCxnSpPr>
+          <p:spPr>
+            <a:xfrm>
+              <a:off x="1649184" y="1115405"/>
+              <a:ext cx="0" cy="316467"/>
+            </a:xfrm>
+            <a:prstGeom prst="straightConnector1">
+              <a:avLst/>
+            </a:prstGeom>
+            <a:ln w="28575">
+              <a:solidFill>
+                <a:schemeClr val="accent1"/>
+              </a:solidFill>
+              <a:tailEnd type="triangle"/>
+            </a:ln>
+          </p:spPr>
+          <p:style>
+            <a:lnRef idx="2">
+              <a:schemeClr val="accent1"/>
+            </a:lnRef>
+            <a:fillRef idx="0">
+              <a:schemeClr val="accent1"/>
+            </a:fillRef>
+            <a:effectRef idx="1">
+              <a:schemeClr val="accent1"/>
+            </a:effectRef>
+            <a:fontRef idx="minor">
+              <a:schemeClr val="tx1"/>
+            </a:fontRef>
+          </p:style>
+        </p:cxnSp>
+        <p:cxnSp>
+          <p:nvCxnSpPr>
+            <p:cNvPr id="8" name="Straight Arrow Connector 7">
+              <a:extLst>
+                <a:ext uri="{FF2B5EF4-FFF2-40B4-BE49-F238E27FC236}">
+                  <a16:creationId xmlns:a16="http://schemas.microsoft.com/office/drawing/2014/main" id="{F03B7AB5-A7EE-D7C1-0A57-2AB81A5FA7E7}"/>
+                </a:ext>
+              </a:extLst>
+            </p:cNvPr>
+            <p:cNvCxnSpPr>
+              <a:cxnSpLocks/>
+            </p:cNvCxnSpPr>
+            <p:nvPr/>
+          </p:nvCxnSpPr>
+          <p:spPr>
+            <a:xfrm>
+              <a:off x="1649184" y="2188030"/>
+              <a:ext cx="0" cy="316467"/>
+            </a:xfrm>
+            <a:prstGeom prst="straightConnector1">
+              <a:avLst/>
+            </a:prstGeom>
+            <a:ln w="28575">
+              <a:solidFill>
+                <a:schemeClr val="accent1"/>
+              </a:solidFill>
+              <a:tailEnd type="triangle"/>
+            </a:ln>
+          </p:spPr>
+          <p:style>
+            <a:lnRef idx="2">
+              <a:schemeClr val="accent1"/>
+            </a:lnRef>
+            <a:fillRef idx="0">
+              <a:schemeClr val="accent1"/>
+            </a:fillRef>
+            <a:effectRef idx="1">
+              <a:schemeClr val="accent1"/>
+            </a:effectRef>
+            <a:fontRef idx="minor">
+              <a:schemeClr val="tx1"/>
+            </a:fontRef>
+          </p:style>
+        </p:cxnSp>
+        <p:sp>
+          <p:nvSpPr>
+            <p:cNvPr id="9" name="Connector 8">
+              <a:extLst>
+                <a:ext uri="{FF2B5EF4-FFF2-40B4-BE49-F238E27FC236}">
+                  <a16:creationId xmlns:a16="http://schemas.microsoft.com/office/drawing/2014/main" id="{2F8C9160-0D38-472C-E944-362928055B72}"/>
+                </a:ext>
+              </a:extLst>
+            </p:cNvPr>
+            <p:cNvSpPr/>
+            <p:nvPr/>
+          </p:nvSpPr>
+          <p:spPr>
+            <a:xfrm>
+              <a:off x="1464127" y="4666643"/>
+              <a:ext cx="370115" cy="370115"/>
+            </a:xfrm>
+            <a:prstGeom prst="flowChartConnector">
+              <a:avLst/>
+            </a:prstGeom>
+            <a:solidFill>
+              <a:schemeClr val="bg1"/>
+            </a:solidFill>
+          </p:spPr>
+          <p:style>
+            <a:lnRef idx="2">
+              <a:schemeClr val="accent1">
+                <a:shade val="15000"/>
+              </a:schemeClr>
+            </a:lnRef>
+            <a:fillRef idx="1">
+              <a:schemeClr val="accent1"/>
+            </a:fillRef>
+            <a:effectRef idx="0">
+              <a:schemeClr val="accent1"/>
+            </a:effectRef>
+            <a:fontRef idx="minor">
+              <a:schemeClr val="lt1"/>
+            </a:fontRef>
+          </p:style>
+          <p:txBody>
+            <a:bodyPr rtlCol="0" anchor="ctr"/>
+            <a:lstStyle/>
+            <a:p>
+              <a:pPr algn="ctr"/>
+              <a:endParaRPr lang="en-US"/>
+            </a:p>
+          </p:txBody>
+        </p:sp>
+        <p:sp>
+          <p:nvSpPr>
+            <p:cNvPr id="10" name="Process 9">
+              <a:extLst>
+                <a:ext uri="{FF2B5EF4-FFF2-40B4-BE49-F238E27FC236}">
+                  <a16:creationId xmlns:a16="http://schemas.microsoft.com/office/drawing/2014/main" id="{3C1BF072-E51D-703D-A0D9-E72658705917}"/>
+                </a:ext>
+              </a:extLst>
+            </p:cNvPr>
+            <p:cNvSpPr/>
+            <p:nvPr/>
+          </p:nvSpPr>
+          <p:spPr>
+            <a:xfrm>
+              <a:off x="587849" y="2516566"/>
+              <a:ext cx="2122671" cy="753798"/>
+            </a:xfrm>
+            <a:prstGeom prst="flowChartProcess">
+              <a:avLst/>
+            </a:prstGeom>
+            <a:solidFill>
+              <a:schemeClr val="accent4"/>
+            </a:solidFill>
+            <a:ln>
+              <a:solidFill>
+                <a:schemeClr val="accent4"/>
+              </a:solidFill>
+            </a:ln>
+          </p:spPr>
+          <p:style>
+            <a:lnRef idx="2">
+              <a:schemeClr val="accent1">
+                <a:shade val="15000"/>
+              </a:schemeClr>
+            </a:lnRef>
+            <a:fillRef idx="1">
+              <a:schemeClr val="accent1"/>
+            </a:fillRef>
+            <a:effectRef idx="0">
+              <a:schemeClr val="accent1"/>
+            </a:effectRef>
+            <a:fontRef idx="minor">
+              <a:schemeClr val="lt1"/>
+            </a:fontRef>
+          </p:style>
+          <p:txBody>
+            <a:bodyPr rtlCol="0" anchor="ctr"/>
+            <a:lstStyle/>
+            <a:p>
+              <a:pPr algn="ctr"/>
+              <a:r>
+                <a:rPr lang="en-US" sz="1600" dirty="0"/>
+                <a:t>Set bits 0-5 of PORTC to outputs</a:t>
+              </a:r>
+            </a:p>
+          </p:txBody>
+        </p:sp>
+        <p:cxnSp>
+          <p:nvCxnSpPr>
+            <p:cNvPr id="12" name="Straight Arrow Connector 11">
+              <a:extLst>
+                <a:ext uri="{FF2B5EF4-FFF2-40B4-BE49-F238E27FC236}">
+                  <a16:creationId xmlns:a16="http://schemas.microsoft.com/office/drawing/2014/main" id="{208F7CA5-D896-5765-4853-944EC734B65B}"/>
+                </a:ext>
+              </a:extLst>
+            </p:cNvPr>
+            <p:cNvCxnSpPr>
+              <a:cxnSpLocks/>
+            </p:cNvCxnSpPr>
+            <p:nvPr/>
+          </p:nvCxnSpPr>
+          <p:spPr>
+            <a:xfrm>
+              <a:off x="1649184" y="3270766"/>
+              <a:ext cx="0" cy="316467"/>
+            </a:xfrm>
+            <a:prstGeom prst="straightConnector1">
+              <a:avLst/>
+            </a:prstGeom>
+            <a:ln w="28575">
+              <a:solidFill>
+                <a:schemeClr val="accent1"/>
+              </a:solidFill>
+              <a:tailEnd type="triangle"/>
+            </a:ln>
+          </p:spPr>
+          <p:style>
+            <a:lnRef idx="2">
+              <a:schemeClr val="accent1"/>
+            </a:lnRef>
+            <a:fillRef idx="0">
+              <a:schemeClr val="accent1"/>
+            </a:fillRef>
+            <a:effectRef idx="1">
+              <a:schemeClr val="accent1"/>
+            </a:effectRef>
+            <a:fontRef idx="minor">
+              <a:schemeClr val="tx1"/>
+            </a:fontRef>
+          </p:style>
+        </p:cxnSp>
+        <p:cxnSp>
+          <p:nvCxnSpPr>
+            <p:cNvPr id="13" name="Straight Arrow Connector 12">
+              <a:extLst>
+                <a:ext uri="{FF2B5EF4-FFF2-40B4-BE49-F238E27FC236}">
+                  <a16:creationId xmlns:a16="http://schemas.microsoft.com/office/drawing/2014/main" id="{23538D67-5F1C-7DFC-0640-190B410DE571}"/>
+                </a:ext>
+              </a:extLst>
+            </p:cNvPr>
+            <p:cNvCxnSpPr>
+              <a:cxnSpLocks/>
+            </p:cNvCxnSpPr>
+            <p:nvPr/>
+          </p:nvCxnSpPr>
+          <p:spPr>
+            <a:xfrm>
+              <a:off x="1649184" y="4350176"/>
+              <a:ext cx="0" cy="316467"/>
+            </a:xfrm>
+            <a:prstGeom prst="straightConnector1">
+              <a:avLst/>
+            </a:prstGeom>
+            <a:ln w="28575">
+              <a:solidFill>
+                <a:schemeClr val="accent1"/>
+              </a:solidFill>
+              <a:tailEnd type="triangle"/>
+            </a:ln>
+          </p:spPr>
+          <p:style>
+            <a:lnRef idx="2">
+              <a:schemeClr val="accent1"/>
+            </a:lnRef>
+            <a:fillRef idx="0">
+              <a:schemeClr val="accent1"/>
+            </a:fillRef>
+            <a:effectRef idx="1">
+              <a:schemeClr val="accent1"/>
+            </a:effectRef>
+            <a:fontRef idx="minor">
+              <a:schemeClr val="tx1"/>
+            </a:fontRef>
+          </p:style>
+        </p:cxnSp>
+        <p:sp>
+          <p:nvSpPr>
+            <p:cNvPr id="35" name="Data 34">
+              <a:extLst>
+                <a:ext uri="{FF2B5EF4-FFF2-40B4-BE49-F238E27FC236}">
+                  <a16:creationId xmlns:a16="http://schemas.microsoft.com/office/drawing/2014/main" id="{8035C377-45AA-EA36-EE70-15ED034525D6}"/>
+                </a:ext>
+              </a:extLst>
+            </p:cNvPr>
+            <p:cNvSpPr/>
+            <p:nvPr/>
+          </p:nvSpPr>
+          <p:spPr>
+            <a:xfrm>
+              <a:off x="587849" y="3570854"/>
+              <a:ext cx="2256459" cy="853898"/>
+            </a:xfrm>
+            <a:prstGeom prst="flowChartInputOutput">
+              <a:avLst/>
+            </a:prstGeom>
+            <a:solidFill>
+              <a:srgbClr val="FFFF00"/>
+            </a:solidFill>
+          </p:spPr>
+          <p:style>
+            <a:lnRef idx="2">
+              <a:schemeClr val="accent1">
+                <a:shade val="15000"/>
+              </a:schemeClr>
+            </a:lnRef>
+            <a:fillRef idx="1">
+              <a:schemeClr val="accent1"/>
+            </a:fillRef>
+            <a:effectRef idx="0">
+              <a:schemeClr val="accent1"/>
+            </a:effectRef>
+            <a:fontRef idx="minor">
+              <a:schemeClr val="lt1"/>
+            </a:fontRef>
+          </p:style>
+          <p:txBody>
+            <a:bodyPr rtlCol="0" anchor="ctr"/>
+            <a:lstStyle/>
+            <a:p>
+              <a:pPr algn="ctr"/>
+              <a:r>
+                <a:rPr lang="en-US" sz="1400" dirty="0">
+                  <a:solidFill>
+                    <a:sysClr val="windowText" lastClr="000000"/>
+                  </a:solidFill>
+                </a:rPr>
+                <a:t>PORTC = 0</a:t>
+              </a:r>
+            </a:p>
+          </p:txBody>
+        </p:sp>
+      </p:grpSp>
+      <p:sp>
+        <p:nvSpPr>
+          <p:cNvPr id="24" name="Connector 23">
+            <a:extLst>
+              <a:ext uri="{FF2B5EF4-FFF2-40B4-BE49-F238E27FC236}">
+                <a16:creationId xmlns:a16="http://schemas.microsoft.com/office/drawing/2014/main" id="{7C8BA6DC-B282-CC6C-CAD1-6ED20E7F7F6A}"/>
+              </a:ext>
+            </a:extLst>
+          </p:cNvPr>
+          <p:cNvSpPr/>
+          <p:nvPr/>
+        </p:nvSpPr>
+        <p:spPr>
+          <a:xfrm>
+            <a:off x="5506437" y="2305389"/>
+            <a:ext cx="370115" cy="370115"/>
+          </a:xfrm>
+          <a:prstGeom prst="flowChartConnector">
+            <a:avLst/>
+          </a:prstGeom>
+          <a:solidFill>
+            <a:schemeClr val="bg1"/>
+          </a:solidFill>
+        </p:spPr>
+        <p:style>
+          <a:lnRef idx="2">
+            <a:schemeClr val="accent1">
+              <a:shade val="15000"/>
+            </a:schemeClr>
+          </a:lnRef>
+          <a:fillRef idx="1">
+            <a:schemeClr val="accent1"/>
+          </a:fillRef>
+          <a:effectRef idx="0">
+            <a:schemeClr val="accent1"/>
+          </a:effectRef>
+          <a:fontRef idx="minor">
+            <a:schemeClr val="lt1"/>
+          </a:fontRef>
+        </p:style>
+        <p:txBody>
+          <a:bodyPr rtlCol="0" anchor="ctr"/>
+          <a:lstStyle/>
+          <a:p>
+            <a:pPr algn="ctr"/>
+            <a:endParaRPr lang="en-US"/>
+          </a:p>
+        </p:txBody>
+      </p:sp>
+      <p:cxnSp>
+        <p:nvCxnSpPr>
+          <p:cNvPr id="25" name="Straight Arrow Connector 24">
+            <a:extLst>
+              <a:ext uri="{FF2B5EF4-FFF2-40B4-BE49-F238E27FC236}">
+                <a16:creationId xmlns:a16="http://schemas.microsoft.com/office/drawing/2014/main" id="{D2A34CB3-D9FD-486E-1C31-915892660A3F}"/>
+              </a:ext>
+            </a:extLst>
+          </p:cNvPr>
+          <p:cNvCxnSpPr>
+            <a:cxnSpLocks/>
+          </p:cNvCxnSpPr>
+          <p:nvPr/>
+        </p:nvCxnSpPr>
+        <p:spPr>
+          <a:xfrm>
+            <a:off x="5691493" y="2675504"/>
+            <a:ext cx="0" cy="316467"/>
+          </a:xfrm>
+          <a:prstGeom prst="straightConnector1">
+            <a:avLst/>
+          </a:prstGeom>
+          <a:ln w="28575">
+            <a:solidFill>
+              <a:schemeClr val="accent1"/>
+            </a:solidFill>
+            <a:tailEnd type="triangle"/>
+          </a:ln>
+        </p:spPr>
+        <p:style>
+          <a:lnRef idx="2">
+            <a:schemeClr val="accent1"/>
+          </a:lnRef>
+          <a:fillRef idx="0">
+            <a:schemeClr val="accent1"/>
+          </a:fillRef>
+          <a:effectRef idx="1">
+            <a:schemeClr val="accent1"/>
+          </a:effectRef>
+          <a:fontRef idx="minor">
+            <a:schemeClr val="tx1"/>
+          </a:fontRef>
+        </p:style>
+      </p:cxnSp>
+      <p:sp>
+        <p:nvSpPr>
+          <p:cNvPr id="26" name="Data 25">
+            <a:extLst>
+              <a:ext uri="{FF2B5EF4-FFF2-40B4-BE49-F238E27FC236}">
+                <a16:creationId xmlns:a16="http://schemas.microsoft.com/office/drawing/2014/main" id="{1312B004-32E3-334E-80D6-C547EFABC3AF}"/>
+              </a:ext>
+            </a:extLst>
+          </p:cNvPr>
+          <p:cNvSpPr/>
+          <p:nvPr/>
+        </p:nvSpPr>
+        <p:spPr>
+          <a:xfrm>
+            <a:off x="4563265" y="3006292"/>
+            <a:ext cx="2256459" cy="853898"/>
+          </a:xfrm>
+          <a:prstGeom prst="flowChartInputOutput">
+            <a:avLst/>
+          </a:prstGeom>
+          <a:solidFill>
+            <a:srgbClr val="FFFF00"/>
+          </a:solidFill>
+        </p:spPr>
+        <p:style>
+          <a:lnRef idx="2">
+            <a:schemeClr val="accent1">
+              <a:shade val="15000"/>
+            </a:schemeClr>
+          </a:lnRef>
+          <a:fillRef idx="1">
+            <a:schemeClr val="accent1"/>
+          </a:fillRef>
+          <a:effectRef idx="0">
+            <a:schemeClr val="accent1"/>
+          </a:effectRef>
+          <a:fontRef idx="minor">
+            <a:schemeClr val="lt1"/>
+          </a:fontRef>
+        </p:style>
+        <p:txBody>
+          <a:bodyPr rtlCol="0" anchor="ctr"/>
+          <a:lstStyle/>
+          <a:p>
+            <a:pPr algn="ctr"/>
+            <a:r>
+              <a:rPr lang="en-US" sz="1200" dirty="0">
+                <a:solidFill>
+                  <a:sysClr val="windowText" lastClr="000000"/>
+                </a:solidFill>
+              </a:rPr>
+              <a:t>PORTC = counter</a:t>
+            </a:r>
+          </a:p>
+        </p:txBody>
+      </p:sp>
+      <p:sp>
+        <p:nvSpPr>
+          <p:cNvPr id="29" name="Predefined Process 28">
+            <a:extLst>
+              <a:ext uri="{FF2B5EF4-FFF2-40B4-BE49-F238E27FC236}">
+                <a16:creationId xmlns:a16="http://schemas.microsoft.com/office/drawing/2014/main" id="{DFB83C58-5A75-043F-19D6-3B812C8EE779}"/>
+              </a:ext>
+            </a:extLst>
+          </p:cNvPr>
+          <p:cNvSpPr/>
+          <p:nvPr/>
+        </p:nvSpPr>
+        <p:spPr>
+          <a:xfrm>
+            <a:off x="4569222" y="5251933"/>
+            <a:ext cx="2244545" cy="827314"/>
+          </a:xfrm>
+          <a:prstGeom prst="flowChartPredefinedProcess">
+            <a:avLst/>
+          </a:prstGeom>
+          <a:solidFill>
+            <a:schemeClr val="accent6"/>
+          </a:solidFill>
+        </p:spPr>
+        <p:style>
+          <a:lnRef idx="2">
+            <a:schemeClr val="accent1">
+              <a:shade val="15000"/>
+            </a:schemeClr>
+          </a:lnRef>
+          <a:fillRef idx="1">
+            <a:schemeClr val="accent1"/>
+          </a:fillRef>
+          <a:effectRef idx="0">
+            <a:schemeClr val="accent1"/>
+          </a:effectRef>
+          <a:fontRef idx="minor">
+            <a:schemeClr val="lt1"/>
+          </a:fontRef>
+        </p:style>
+        <p:txBody>
+          <a:bodyPr rtlCol="0" anchor="ctr"/>
+          <a:lstStyle/>
+          <a:p>
+            <a:pPr algn="ctr"/>
+            <a:r>
+              <a:rPr lang="en-US" sz="1600" dirty="0"/>
+              <a:t>Delay 1 second</a:t>
+            </a:r>
+          </a:p>
+        </p:txBody>
+      </p:sp>
+      <p:cxnSp>
+        <p:nvCxnSpPr>
+          <p:cNvPr id="30" name="Straight Arrow Connector 29">
+            <a:extLst>
+              <a:ext uri="{FF2B5EF4-FFF2-40B4-BE49-F238E27FC236}">
+                <a16:creationId xmlns:a16="http://schemas.microsoft.com/office/drawing/2014/main" id="{FADF4062-874B-DCB4-0464-DD3EB2E29572}"/>
+              </a:ext>
+            </a:extLst>
+          </p:cNvPr>
+          <p:cNvCxnSpPr>
+            <a:cxnSpLocks/>
+          </p:cNvCxnSpPr>
+          <p:nvPr/>
+        </p:nvCxnSpPr>
+        <p:spPr>
+          <a:xfrm>
+            <a:off x="5691493" y="3853434"/>
+            <a:ext cx="0" cy="316467"/>
+          </a:xfrm>
+          <a:prstGeom prst="straightConnector1">
+            <a:avLst/>
+          </a:prstGeom>
+          <a:ln w="28575">
+            <a:solidFill>
+              <a:schemeClr val="accent1"/>
+            </a:solidFill>
+            <a:tailEnd type="triangle"/>
+          </a:ln>
+        </p:spPr>
+        <p:style>
+          <a:lnRef idx="2">
+            <a:schemeClr val="accent1"/>
+          </a:lnRef>
+          <a:fillRef idx="0">
+            <a:schemeClr val="accent1"/>
+          </a:fillRef>
+          <a:effectRef idx="1">
+            <a:schemeClr val="accent1"/>
+          </a:effectRef>
+          <a:fontRef idx="minor">
+            <a:schemeClr val="tx1"/>
+          </a:fontRef>
+        </p:style>
+      </p:cxnSp>
+      <p:cxnSp>
+        <p:nvCxnSpPr>
+          <p:cNvPr id="31" name="Straight Arrow Connector 30">
+            <a:extLst>
+              <a:ext uri="{FF2B5EF4-FFF2-40B4-BE49-F238E27FC236}">
+                <a16:creationId xmlns:a16="http://schemas.microsoft.com/office/drawing/2014/main" id="{BA82882D-05AD-6044-B28A-4D15579ED732}"/>
+              </a:ext>
+            </a:extLst>
+          </p:cNvPr>
+          <p:cNvCxnSpPr>
+            <a:cxnSpLocks/>
+          </p:cNvCxnSpPr>
+          <p:nvPr/>
+        </p:nvCxnSpPr>
+        <p:spPr>
+          <a:xfrm>
+            <a:off x="5691493" y="4939126"/>
+            <a:ext cx="0" cy="316467"/>
+          </a:xfrm>
+          <a:prstGeom prst="straightConnector1">
+            <a:avLst/>
+          </a:prstGeom>
+          <a:ln w="28575">
+            <a:solidFill>
+              <a:schemeClr val="accent1"/>
+            </a:solidFill>
+            <a:tailEnd type="triangle"/>
+          </a:ln>
+        </p:spPr>
+        <p:style>
+          <a:lnRef idx="2">
+            <a:schemeClr val="accent1"/>
+          </a:lnRef>
+          <a:fillRef idx="0">
+            <a:schemeClr val="accent1"/>
+          </a:fillRef>
+          <a:effectRef idx="1">
+            <a:schemeClr val="accent1"/>
+          </a:effectRef>
+          <a:fontRef idx="minor">
+            <a:schemeClr val="tx1"/>
+          </a:fontRef>
+        </p:style>
+      </p:cxnSp>
+      <p:cxnSp>
+        <p:nvCxnSpPr>
+          <p:cNvPr id="33" name="Straight Arrow Connector 32">
+            <a:extLst>
+              <a:ext uri="{FF2B5EF4-FFF2-40B4-BE49-F238E27FC236}">
+                <a16:creationId xmlns:a16="http://schemas.microsoft.com/office/drawing/2014/main" id="{96C63D1E-AE41-DA1F-FF92-CE589AD03403}"/>
+              </a:ext>
+            </a:extLst>
+          </p:cNvPr>
+          <p:cNvCxnSpPr>
+            <a:cxnSpLocks/>
+          </p:cNvCxnSpPr>
+          <p:nvPr/>
+        </p:nvCxnSpPr>
+        <p:spPr>
+          <a:xfrm>
+            <a:off x="5691493" y="6079248"/>
+            <a:ext cx="0" cy="316467"/>
+          </a:xfrm>
+          <a:prstGeom prst="straightConnector1">
+            <a:avLst/>
+          </a:prstGeom>
+          <a:ln w="28575">
+            <a:solidFill>
+              <a:schemeClr val="accent1"/>
+            </a:solidFill>
+            <a:tailEnd type="triangle"/>
+          </a:ln>
+        </p:spPr>
+        <p:style>
+          <a:lnRef idx="2">
+            <a:schemeClr val="accent1"/>
+          </a:lnRef>
+          <a:fillRef idx="0">
+            <a:schemeClr val="accent1"/>
+          </a:fillRef>
+          <a:effectRef idx="1">
+            <a:schemeClr val="accent1"/>
+          </a:effectRef>
+          <a:fontRef idx="minor">
+            <a:schemeClr val="tx1"/>
+          </a:fontRef>
+        </p:style>
+      </p:cxnSp>
+      <p:sp>
+        <p:nvSpPr>
+          <p:cNvPr id="34" name="Connector 33">
+            <a:extLst>
+              <a:ext uri="{FF2B5EF4-FFF2-40B4-BE49-F238E27FC236}">
+                <a16:creationId xmlns:a16="http://schemas.microsoft.com/office/drawing/2014/main" id="{3CDBF61F-445A-8652-8E76-A0E37A2B7A67}"/>
+              </a:ext>
+            </a:extLst>
+          </p:cNvPr>
+          <p:cNvSpPr/>
+          <p:nvPr/>
+        </p:nvSpPr>
+        <p:spPr>
+          <a:xfrm>
+            <a:off x="5506437" y="6387772"/>
+            <a:ext cx="370115" cy="370115"/>
+          </a:xfrm>
+          <a:prstGeom prst="flowChartConnector">
+            <a:avLst/>
+          </a:prstGeom>
+          <a:solidFill>
+            <a:schemeClr val="bg1"/>
+          </a:solidFill>
+        </p:spPr>
+        <p:style>
+          <a:lnRef idx="2">
+            <a:schemeClr val="accent1">
+              <a:shade val="15000"/>
+            </a:schemeClr>
+          </a:lnRef>
+          <a:fillRef idx="1">
+            <a:schemeClr val="accent1"/>
+          </a:fillRef>
+          <a:effectRef idx="0">
+            <a:schemeClr val="accent1"/>
+          </a:effectRef>
+          <a:fontRef idx="minor">
+            <a:schemeClr val="lt1"/>
+          </a:fontRef>
+        </p:style>
+        <p:txBody>
+          <a:bodyPr rtlCol="0" anchor="ctr"/>
+          <a:lstStyle/>
+          <a:p>
+            <a:pPr algn="ctr"/>
+            <a:endParaRPr lang="en-US"/>
+          </a:p>
+        </p:txBody>
+      </p:sp>
+      <p:sp>
+        <p:nvSpPr>
+          <p:cNvPr id="36" name="Process 35">
+            <a:extLst>
+              <a:ext uri="{FF2B5EF4-FFF2-40B4-BE49-F238E27FC236}">
+                <a16:creationId xmlns:a16="http://schemas.microsoft.com/office/drawing/2014/main" id="{C99CD11D-C30B-3D34-FB6A-222F7190C21C}"/>
+              </a:ext>
+            </a:extLst>
+          </p:cNvPr>
+          <p:cNvSpPr/>
+          <p:nvPr/>
+        </p:nvSpPr>
+        <p:spPr>
+          <a:xfrm>
+            <a:off x="4630159" y="4164339"/>
+            <a:ext cx="2122671" cy="753798"/>
+          </a:xfrm>
+          <a:prstGeom prst="flowChartProcess">
+            <a:avLst/>
+          </a:prstGeom>
+          <a:solidFill>
+            <a:schemeClr val="accent4"/>
+          </a:solidFill>
+          <a:ln>
+            <a:solidFill>
+              <a:schemeClr val="accent4"/>
+            </a:solidFill>
+          </a:ln>
+        </p:spPr>
+        <p:style>
+          <a:lnRef idx="2">
+            <a:schemeClr val="accent1">
+              <a:shade val="15000"/>
+            </a:schemeClr>
+          </a:lnRef>
+          <a:fillRef idx="1">
+            <a:schemeClr val="accent1"/>
+          </a:fillRef>
+          <a:effectRef idx="0">
+            <a:schemeClr val="accent1"/>
+          </a:effectRef>
+          <a:fontRef idx="minor">
+            <a:schemeClr val="lt1"/>
+          </a:fontRef>
+        </p:style>
+        <p:txBody>
+          <a:bodyPr rtlCol="0" anchor="ctr"/>
+          <a:lstStyle/>
+          <a:p>
+            <a:pPr algn="ctr"/>
+            <a:r>
+              <a:rPr lang="en-US" dirty="0"/>
+              <a:t>Increment counter</a:t>
+            </a:r>
+          </a:p>
+        </p:txBody>
+      </p:sp>
+      <p:sp>
+        <p:nvSpPr>
+          <p:cNvPr id="40" name="TextBox 39">
+            <a:extLst>
+              <a:ext uri="{FF2B5EF4-FFF2-40B4-BE49-F238E27FC236}">
+                <a16:creationId xmlns:a16="http://schemas.microsoft.com/office/drawing/2014/main" id="{43BBA7E4-0185-F194-19F5-E9F8985CBBBC}"/>
+              </a:ext>
+            </a:extLst>
+          </p:cNvPr>
+          <p:cNvSpPr txBox="1"/>
+          <p:nvPr/>
+        </p:nvSpPr>
+        <p:spPr>
+          <a:xfrm>
+            <a:off x="8708573" y="1534807"/>
+            <a:ext cx="2373407" cy="418128"/>
+          </a:xfrm>
+          <a:prstGeom prst="rect">
+            <a:avLst/>
+          </a:prstGeom>
+          <a:noFill/>
+        </p:spPr>
+        <p:txBody>
+          <a:bodyPr wrap="none" rtlCol="0">
+            <a:spAutoFit/>
+          </a:bodyPr>
+          <a:lstStyle/>
+          <a:p>
+            <a:r>
+              <a:rPr lang="en-US" dirty="0"/>
+              <a:t>Loop with decision</a:t>
+            </a:r>
+          </a:p>
+        </p:txBody>
+      </p:sp>
+      <p:grpSp>
+        <p:nvGrpSpPr>
+          <p:cNvPr id="73" name="Group 72">
+            <a:extLst>
+              <a:ext uri="{FF2B5EF4-FFF2-40B4-BE49-F238E27FC236}">
+                <a16:creationId xmlns:a16="http://schemas.microsoft.com/office/drawing/2014/main" id="{2D08BD13-5807-C576-E3F3-39D7CAAEA4A1}"/>
+              </a:ext>
+            </a:extLst>
+          </p:cNvPr>
+          <p:cNvGrpSpPr/>
+          <p:nvPr/>
+        </p:nvGrpSpPr>
+        <p:grpSpPr>
+          <a:xfrm>
+            <a:off x="8552725" y="2267880"/>
+            <a:ext cx="2683546" cy="7112051"/>
+            <a:chOff x="8552725" y="2267880"/>
+            <a:chExt cx="2683546" cy="7112051"/>
+          </a:xfrm>
+        </p:grpSpPr>
+        <p:sp>
+          <p:nvSpPr>
+            <p:cNvPr id="41" name="Connector 40">
+              <a:extLst>
+                <a:ext uri="{FF2B5EF4-FFF2-40B4-BE49-F238E27FC236}">
+                  <a16:creationId xmlns:a16="http://schemas.microsoft.com/office/drawing/2014/main" id="{561E2407-7638-4AB2-7605-3013CD3E46AD}"/>
+                </a:ext>
+              </a:extLst>
+            </p:cNvPr>
+            <p:cNvSpPr/>
+            <p:nvPr/>
+          </p:nvSpPr>
+          <p:spPr>
+            <a:xfrm>
+              <a:off x="9495897" y="2267880"/>
+              <a:ext cx="370115" cy="370115"/>
+            </a:xfrm>
+            <a:prstGeom prst="flowChartConnector">
+              <a:avLst/>
+            </a:prstGeom>
+            <a:solidFill>
+              <a:schemeClr val="bg1"/>
+            </a:solidFill>
+          </p:spPr>
+          <p:style>
+            <a:lnRef idx="2">
+              <a:schemeClr val="accent1">
+                <a:shade val="15000"/>
+              </a:schemeClr>
+            </a:lnRef>
+            <a:fillRef idx="1">
+              <a:schemeClr val="accent1"/>
+            </a:fillRef>
+            <a:effectRef idx="0">
+              <a:schemeClr val="accent1"/>
+            </a:effectRef>
+            <a:fontRef idx="minor">
+              <a:schemeClr val="lt1"/>
+            </a:fontRef>
+          </p:style>
+          <p:txBody>
+            <a:bodyPr rtlCol="0" anchor="ctr"/>
+            <a:lstStyle/>
+            <a:p>
+              <a:pPr algn="ctr"/>
+              <a:endParaRPr lang="en-US"/>
+            </a:p>
+          </p:txBody>
+        </p:sp>
+        <p:cxnSp>
+          <p:nvCxnSpPr>
+            <p:cNvPr id="42" name="Straight Arrow Connector 41">
+              <a:extLst>
+                <a:ext uri="{FF2B5EF4-FFF2-40B4-BE49-F238E27FC236}">
+                  <a16:creationId xmlns:a16="http://schemas.microsoft.com/office/drawing/2014/main" id="{A541AC4A-58EB-0FFD-DD41-E43927F55188}"/>
+                </a:ext>
+              </a:extLst>
+            </p:cNvPr>
+            <p:cNvCxnSpPr>
+              <a:cxnSpLocks/>
+            </p:cNvCxnSpPr>
+            <p:nvPr/>
+          </p:nvCxnSpPr>
+          <p:spPr>
+            <a:xfrm>
+              <a:off x="9680954" y="2637995"/>
+              <a:ext cx="0" cy="316467"/>
+            </a:xfrm>
+            <a:prstGeom prst="straightConnector1">
+              <a:avLst/>
+            </a:prstGeom>
+            <a:ln w="28575">
+              <a:solidFill>
+                <a:schemeClr val="accent1"/>
+              </a:solidFill>
+              <a:tailEnd type="triangle"/>
+            </a:ln>
+          </p:spPr>
+          <p:style>
+            <a:lnRef idx="2">
+              <a:schemeClr val="accent1"/>
+            </a:lnRef>
+            <a:fillRef idx="0">
+              <a:schemeClr val="accent1"/>
+            </a:fillRef>
+            <a:effectRef idx="1">
+              <a:schemeClr val="accent1"/>
+            </a:effectRef>
+            <a:fontRef idx="minor">
+              <a:schemeClr val="tx1"/>
+            </a:fontRef>
+          </p:style>
+        </p:cxnSp>
+        <p:sp>
+          <p:nvSpPr>
+            <p:cNvPr id="43" name="Data 42">
+              <a:extLst>
+                <a:ext uri="{FF2B5EF4-FFF2-40B4-BE49-F238E27FC236}">
+                  <a16:creationId xmlns:a16="http://schemas.microsoft.com/office/drawing/2014/main" id="{F3668891-FF1A-AC56-68B8-7DE9EDB93DE3}"/>
+                </a:ext>
+              </a:extLst>
+            </p:cNvPr>
+            <p:cNvSpPr/>
+            <p:nvPr/>
+          </p:nvSpPr>
+          <p:spPr>
+            <a:xfrm>
+              <a:off x="8552725" y="2968783"/>
+              <a:ext cx="2256459" cy="853898"/>
+            </a:xfrm>
+            <a:prstGeom prst="flowChartInputOutput">
+              <a:avLst/>
+            </a:prstGeom>
+            <a:solidFill>
+              <a:srgbClr val="FFFF00"/>
+            </a:solidFill>
+          </p:spPr>
+          <p:style>
+            <a:lnRef idx="2">
+              <a:schemeClr val="accent1">
+                <a:shade val="15000"/>
+              </a:schemeClr>
+            </a:lnRef>
+            <a:fillRef idx="1">
+              <a:schemeClr val="accent1"/>
+            </a:fillRef>
+            <a:effectRef idx="0">
+              <a:schemeClr val="accent1"/>
+            </a:effectRef>
+            <a:fontRef idx="minor">
+              <a:schemeClr val="lt1"/>
+            </a:fontRef>
+          </p:style>
+          <p:txBody>
+            <a:bodyPr rtlCol="0" anchor="ctr"/>
+            <a:lstStyle/>
+            <a:p>
+              <a:pPr algn="ctr"/>
+              <a:r>
+                <a:rPr lang="en-US" sz="1200" dirty="0">
+                  <a:solidFill>
+                    <a:sysClr val="windowText" lastClr="000000"/>
+                  </a:solidFill>
+                </a:rPr>
+                <a:t>PORTC = counter</a:t>
+              </a:r>
+            </a:p>
+          </p:txBody>
+        </p:sp>
+        <p:sp>
+          <p:nvSpPr>
+            <p:cNvPr id="44" name="Predefined Process 43">
+              <a:extLst>
+                <a:ext uri="{FF2B5EF4-FFF2-40B4-BE49-F238E27FC236}">
+                  <a16:creationId xmlns:a16="http://schemas.microsoft.com/office/drawing/2014/main" id="{E35C05D8-8850-76B6-B39E-EE8D746972D9}"/>
+                </a:ext>
+              </a:extLst>
+            </p:cNvPr>
+            <p:cNvSpPr/>
+            <p:nvPr/>
+          </p:nvSpPr>
+          <p:spPr>
+            <a:xfrm>
+              <a:off x="8558682" y="5214424"/>
+              <a:ext cx="2244545" cy="827314"/>
+            </a:xfrm>
+            <a:prstGeom prst="flowChartPredefinedProcess">
+              <a:avLst/>
+            </a:prstGeom>
+            <a:solidFill>
+              <a:schemeClr val="accent6"/>
+            </a:solidFill>
+          </p:spPr>
+          <p:style>
+            <a:lnRef idx="2">
+              <a:schemeClr val="accent1">
+                <a:shade val="15000"/>
+              </a:schemeClr>
+            </a:lnRef>
+            <a:fillRef idx="1">
+              <a:schemeClr val="accent1"/>
+            </a:fillRef>
+            <a:effectRef idx="0">
+              <a:schemeClr val="accent1"/>
+            </a:effectRef>
+            <a:fontRef idx="minor">
+              <a:schemeClr val="lt1"/>
+            </a:fontRef>
+          </p:style>
+          <p:txBody>
+            <a:bodyPr rtlCol="0" anchor="ctr"/>
+            <a:lstStyle/>
+            <a:p>
+              <a:pPr algn="ctr"/>
+              <a:r>
+                <a:rPr lang="en-US" sz="1600" dirty="0"/>
+                <a:t>Delay 1 second</a:t>
+              </a:r>
+            </a:p>
+          </p:txBody>
+        </p:sp>
+        <p:cxnSp>
+          <p:nvCxnSpPr>
+            <p:cNvPr id="45" name="Straight Arrow Connector 44">
+              <a:extLst>
+                <a:ext uri="{FF2B5EF4-FFF2-40B4-BE49-F238E27FC236}">
+                  <a16:creationId xmlns:a16="http://schemas.microsoft.com/office/drawing/2014/main" id="{A8C3844E-3CA8-D519-80F1-15C793367FA8}"/>
+                </a:ext>
+              </a:extLst>
+            </p:cNvPr>
+            <p:cNvCxnSpPr>
+              <a:cxnSpLocks/>
+            </p:cNvCxnSpPr>
+            <p:nvPr/>
+          </p:nvCxnSpPr>
+          <p:spPr>
+            <a:xfrm>
+              <a:off x="9680954" y="3815925"/>
+              <a:ext cx="0" cy="316467"/>
+            </a:xfrm>
+            <a:prstGeom prst="straightConnector1">
+              <a:avLst/>
+            </a:prstGeom>
+            <a:ln w="28575">
+              <a:solidFill>
+                <a:schemeClr val="accent1"/>
+              </a:solidFill>
+              <a:tailEnd type="triangle"/>
+            </a:ln>
+          </p:spPr>
+          <p:style>
+            <a:lnRef idx="2">
+              <a:schemeClr val="accent1"/>
+            </a:lnRef>
+            <a:fillRef idx="0">
+              <a:schemeClr val="accent1"/>
+            </a:fillRef>
+            <a:effectRef idx="1">
+              <a:schemeClr val="accent1"/>
+            </a:effectRef>
+            <a:fontRef idx="minor">
+              <a:schemeClr val="tx1"/>
+            </a:fontRef>
+          </p:style>
+        </p:cxnSp>
+        <p:cxnSp>
+          <p:nvCxnSpPr>
+            <p:cNvPr id="46" name="Straight Arrow Connector 45">
+              <a:extLst>
+                <a:ext uri="{FF2B5EF4-FFF2-40B4-BE49-F238E27FC236}">
+                  <a16:creationId xmlns:a16="http://schemas.microsoft.com/office/drawing/2014/main" id="{75186CEA-A414-CA1F-D4AD-A525493119EA}"/>
+                </a:ext>
+              </a:extLst>
+            </p:cNvPr>
+            <p:cNvCxnSpPr>
+              <a:cxnSpLocks/>
+            </p:cNvCxnSpPr>
+            <p:nvPr/>
+          </p:nvCxnSpPr>
+          <p:spPr>
+            <a:xfrm>
+              <a:off x="9680954" y="4901617"/>
+              <a:ext cx="0" cy="316467"/>
+            </a:xfrm>
+            <a:prstGeom prst="straightConnector1">
+              <a:avLst/>
+            </a:prstGeom>
+            <a:ln w="28575">
+              <a:solidFill>
+                <a:schemeClr val="accent1"/>
+              </a:solidFill>
+              <a:tailEnd type="triangle"/>
+            </a:ln>
+          </p:spPr>
+          <p:style>
+            <a:lnRef idx="2">
+              <a:schemeClr val="accent1"/>
+            </a:lnRef>
+            <a:fillRef idx="0">
+              <a:schemeClr val="accent1"/>
+            </a:fillRef>
+            <a:effectRef idx="1">
+              <a:schemeClr val="accent1"/>
+            </a:effectRef>
+            <a:fontRef idx="minor">
+              <a:schemeClr val="tx1"/>
+            </a:fontRef>
+          </p:style>
+        </p:cxnSp>
+        <p:cxnSp>
+          <p:nvCxnSpPr>
+            <p:cNvPr id="47" name="Straight Arrow Connector 46">
+              <a:extLst>
+                <a:ext uri="{FF2B5EF4-FFF2-40B4-BE49-F238E27FC236}">
+                  <a16:creationId xmlns:a16="http://schemas.microsoft.com/office/drawing/2014/main" id="{5A9EE901-DBB0-BE0D-E32E-C30A993E1748}"/>
+                </a:ext>
+              </a:extLst>
+            </p:cNvPr>
+            <p:cNvCxnSpPr>
+              <a:cxnSpLocks/>
+            </p:cNvCxnSpPr>
+            <p:nvPr/>
+          </p:nvCxnSpPr>
+          <p:spPr>
+            <a:xfrm>
+              <a:off x="9680954" y="5984235"/>
+              <a:ext cx="0" cy="316467"/>
+            </a:xfrm>
+            <a:prstGeom prst="straightConnector1">
+              <a:avLst/>
+            </a:prstGeom>
+            <a:ln w="28575">
+              <a:solidFill>
+                <a:schemeClr val="accent1"/>
+              </a:solidFill>
+              <a:tailEnd type="triangle"/>
+            </a:ln>
+          </p:spPr>
+          <p:style>
+            <a:lnRef idx="2">
+              <a:schemeClr val="accent1"/>
+            </a:lnRef>
+            <a:fillRef idx="0">
+              <a:schemeClr val="accent1"/>
+            </a:fillRef>
+            <a:effectRef idx="1">
+              <a:schemeClr val="accent1"/>
+            </a:effectRef>
+            <a:fontRef idx="minor">
+              <a:schemeClr val="tx1"/>
+            </a:fontRef>
+          </p:style>
+        </p:cxnSp>
+        <p:sp>
+          <p:nvSpPr>
+            <p:cNvPr id="49" name="Process 48">
+              <a:extLst>
+                <a:ext uri="{FF2B5EF4-FFF2-40B4-BE49-F238E27FC236}">
+                  <a16:creationId xmlns:a16="http://schemas.microsoft.com/office/drawing/2014/main" id="{D47A4E87-7A31-0288-B9B4-18D4A2815536}"/>
+                </a:ext>
+              </a:extLst>
+            </p:cNvPr>
+            <p:cNvSpPr/>
+            <p:nvPr/>
+          </p:nvSpPr>
+          <p:spPr>
+            <a:xfrm>
+              <a:off x="8619619" y="4126830"/>
+              <a:ext cx="2122671" cy="753798"/>
+            </a:xfrm>
+            <a:prstGeom prst="flowChartProcess">
+              <a:avLst/>
+            </a:prstGeom>
+            <a:solidFill>
+              <a:schemeClr val="accent4"/>
+            </a:solidFill>
+            <a:ln>
+              <a:solidFill>
+                <a:schemeClr val="accent4"/>
+              </a:solidFill>
+            </a:ln>
+          </p:spPr>
+          <p:style>
+            <a:lnRef idx="2">
+              <a:schemeClr val="accent1">
+                <a:shade val="15000"/>
+              </a:schemeClr>
+            </a:lnRef>
+            <a:fillRef idx="1">
+              <a:schemeClr val="accent1"/>
+            </a:fillRef>
+            <a:effectRef idx="0">
+              <a:schemeClr val="accent1"/>
+            </a:effectRef>
+            <a:fontRef idx="minor">
+              <a:schemeClr val="lt1"/>
+            </a:fontRef>
+          </p:style>
+          <p:txBody>
+            <a:bodyPr rtlCol="0" anchor="ctr"/>
+            <a:lstStyle/>
+            <a:p>
+              <a:pPr algn="ctr"/>
+              <a:r>
+                <a:rPr lang="en-US" dirty="0"/>
+                <a:t>Increment counter</a:t>
+              </a:r>
+            </a:p>
+          </p:txBody>
+        </p:sp>
+        <p:sp>
+          <p:nvSpPr>
+            <p:cNvPr id="51" name="Decision 50">
+              <a:extLst>
+                <a:ext uri="{FF2B5EF4-FFF2-40B4-BE49-F238E27FC236}">
+                  <a16:creationId xmlns:a16="http://schemas.microsoft.com/office/drawing/2014/main" id="{BA2A5B2C-59A1-F249-4FBB-7F457C2BF5C8}"/>
+                </a:ext>
+              </a:extLst>
+            </p:cNvPr>
+            <p:cNvSpPr/>
+            <p:nvPr/>
+          </p:nvSpPr>
+          <p:spPr>
+            <a:xfrm>
+              <a:off x="8794412" y="6272619"/>
+              <a:ext cx="1773085" cy="970536"/>
+            </a:xfrm>
+            <a:prstGeom prst="flowChartDecision">
+              <a:avLst/>
+            </a:prstGeom>
+            <a:solidFill>
+              <a:schemeClr val="accent5"/>
+            </a:solidFill>
+          </p:spPr>
+          <p:style>
+            <a:lnRef idx="2">
+              <a:schemeClr val="accent1">
+                <a:shade val="15000"/>
+              </a:schemeClr>
+            </a:lnRef>
+            <a:fillRef idx="1">
+              <a:schemeClr val="accent1"/>
+            </a:fillRef>
+            <a:effectRef idx="0">
+              <a:schemeClr val="accent1"/>
+            </a:effectRef>
+            <a:fontRef idx="minor">
+              <a:schemeClr val="lt1"/>
+            </a:fontRef>
+          </p:style>
+          <p:txBody>
+            <a:bodyPr rtlCol="0" anchor="ctr"/>
+            <a:lstStyle/>
+            <a:p>
+              <a:pPr algn="ctr"/>
+              <a:r>
+                <a:rPr lang="en-US" sz="1400" dirty="0"/>
+                <a:t>Counter&gt; </a:t>
+              </a:r>
+            </a:p>
+            <a:p>
+              <a:pPr algn="ctr"/>
+              <a:r>
+                <a:rPr lang="en-US" sz="1400" dirty="0"/>
+                <a:t>59?</a:t>
+              </a:r>
+            </a:p>
+          </p:txBody>
+        </p:sp>
+        <p:sp>
+          <p:nvSpPr>
+            <p:cNvPr id="52" name="Process 51">
+              <a:extLst>
+                <a:ext uri="{FF2B5EF4-FFF2-40B4-BE49-F238E27FC236}">
+                  <a16:creationId xmlns:a16="http://schemas.microsoft.com/office/drawing/2014/main" id="{19499D8A-338F-4CAE-9B1F-78A5941B51A3}"/>
+                </a:ext>
+              </a:extLst>
+            </p:cNvPr>
+            <p:cNvSpPr/>
+            <p:nvPr/>
+          </p:nvSpPr>
+          <p:spPr>
+            <a:xfrm>
+              <a:off x="8619619" y="7539572"/>
+              <a:ext cx="2122671" cy="753798"/>
+            </a:xfrm>
+            <a:prstGeom prst="flowChartProcess">
+              <a:avLst/>
+            </a:prstGeom>
+            <a:solidFill>
+              <a:schemeClr val="accent4"/>
+            </a:solidFill>
+            <a:ln>
+              <a:solidFill>
+                <a:schemeClr val="accent4"/>
+              </a:solidFill>
+            </a:ln>
+          </p:spPr>
+          <p:style>
+            <a:lnRef idx="2">
+              <a:schemeClr val="accent1">
+                <a:shade val="15000"/>
+              </a:schemeClr>
+            </a:lnRef>
+            <a:fillRef idx="1">
+              <a:schemeClr val="accent1"/>
+            </a:fillRef>
+            <a:effectRef idx="0">
+              <a:schemeClr val="accent1"/>
+            </a:effectRef>
+            <a:fontRef idx="minor">
+              <a:schemeClr val="lt1"/>
+            </a:fontRef>
+          </p:style>
+          <p:txBody>
+            <a:bodyPr rtlCol="0" anchor="ctr"/>
+            <a:lstStyle/>
+            <a:p>
+              <a:pPr algn="ctr"/>
+              <a:r>
+                <a:rPr lang="en-US" dirty="0"/>
+                <a:t>Reset counter</a:t>
+              </a:r>
+            </a:p>
+          </p:txBody>
+        </p:sp>
+        <p:cxnSp>
+          <p:nvCxnSpPr>
+            <p:cNvPr id="53" name="Straight Arrow Connector 52">
+              <a:extLst>
+                <a:ext uri="{FF2B5EF4-FFF2-40B4-BE49-F238E27FC236}">
+                  <a16:creationId xmlns:a16="http://schemas.microsoft.com/office/drawing/2014/main" id="{6EE74B83-C1CA-ABD9-96C0-F6E0BF4F73D6}"/>
+                </a:ext>
+              </a:extLst>
+            </p:cNvPr>
+            <p:cNvCxnSpPr>
+              <a:cxnSpLocks/>
+            </p:cNvCxnSpPr>
+            <p:nvPr/>
+          </p:nvCxnSpPr>
+          <p:spPr>
+            <a:xfrm>
+              <a:off x="9680954" y="7243155"/>
+              <a:ext cx="0" cy="316467"/>
+            </a:xfrm>
+            <a:prstGeom prst="straightConnector1">
+              <a:avLst/>
+            </a:prstGeom>
+            <a:ln w="28575">
+              <a:solidFill>
+                <a:schemeClr val="accent1"/>
+              </a:solidFill>
+              <a:tailEnd type="triangle"/>
+            </a:ln>
+          </p:spPr>
+          <p:style>
+            <a:lnRef idx="2">
+              <a:schemeClr val="accent1"/>
+            </a:lnRef>
+            <a:fillRef idx="0">
+              <a:schemeClr val="accent1"/>
+            </a:fillRef>
+            <a:effectRef idx="1">
+              <a:schemeClr val="accent1"/>
+            </a:effectRef>
+            <a:fontRef idx="minor">
+              <a:schemeClr val="tx1"/>
+            </a:fontRef>
+          </p:style>
+        </p:cxnSp>
+        <p:cxnSp>
+          <p:nvCxnSpPr>
+            <p:cNvPr id="54" name="Straight Arrow Connector 53">
+              <a:extLst>
+                <a:ext uri="{FF2B5EF4-FFF2-40B4-BE49-F238E27FC236}">
+                  <a16:creationId xmlns:a16="http://schemas.microsoft.com/office/drawing/2014/main" id="{D2A87C95-090A-097D-E57C-70A66B9A24F7}"/>
+                </a:ext>
+              </a:extLst>
+            </p:cNvPr>
+            <p:cNvCxnSpPr>
+              <a:cxnSpLocks/>
+            </p:cNvCxnSpPr>
+            <p:nvPr/>
+          </p:nvCxnSpPr>
+          <p:spPr>
+            <a:xfrm>
+              <a:off x="9680954" y="8312419"/>
+              <a:ext cx="1" cy="697397"/>
+            </a:xfrm>
+            <a:prstGeom prst="straightConnector1">
+              <a:avLst/>
+            </a:prstGeom>
+            <a:ln w="28575">
+              <a:solidFill>
+                <a:schemeClr val="accent1"/>
+              </a:solidFill>
+              <a:tailEnd type="triangle"/>
+            </a:ln>
+          </p:spPr>
+          <p:style>
+            <a:lnRef idx="2">
+              <a:schemeClr val="accent1"/>
+            </a:lnRef>
+            <a:fillRef idx="0">
+              <a:schemeClr val="accent1"/>
+            </a:fillRef>
+            <a:effectRef idx="1">
+              <a:schemeClr val="accent1"/>
+            </a:effectRef>
+            <a:fontRef idx="minor">
+              <a:schemeClr val="tx1"/>
+            </a:fontRef>
+          </p:style>
+        </p:cxnSp>
+        <p:sp>
+          <p:nvSpPr>
+            <p:cNvPr id="55" name="TextBox 54">
+              <a:extLst>
+                <a:ext uri="{FF2B5EF4-FFF2-40B4-BE49-F238E27FC236}">
+                  <a16:creationId xmlns:a16="http://schemas.microsoft.com/office/drawing/2014/main" id="{5C3A6C6B-806F-9E9B-34A5-20F547841028}"/>
+                </a:ext>
+              </a:extLst>
+            </p:cNvPr>
+            <p:cNvSpPr txBox="1"/>
+            <p:nvPr/>
+          </p:nvSpPr>
+          <p:spPr>
+            <a:xfrm>
+              <a:off x="9250716" y="7160295"/>
+              <a:ext cx="309700" cy="369332"/>
+            </a:xfrm>
+            <a:prstGeom prst="rect">
+              <a:avLst/>
+            </a:prstGeom>
+            <a:noFill/>
+          </p:spPr>
+          <p:txBody>
+            <a:bodyPr wrap="none" rtlCol="0">
+              <a:spAutoFit/>
+            </a:bodyPr>
+            <a:lstStyle/>
+            <a:p>
+              <a:r>
+                <a:rPr lang="en-US" dirty="0"/>
+                <a:t>Y</a:t>
+              </a:r>
+            </a:p>
+          </p:txBody>
+        </p:sp>
+        <p:sp>
+          <p:nvSpPr>
+            <p:cNvPr id="57" name="Connector 56">
+              <a:extLst>
+                <a:ext uri="{FF2B5EF4-FFF2-40B4-BE49-F238E27FC236}">
+                  <a16:creationId xmlns:a16="http://schemas.microsoft.com/office/drawing/2014/main" id="{D7537BB7-CB26-5581-2345-605FA5068160}"/>
+                </a:ext>
+              </a:extLst>
+            </p:cNvPr>
+            <p:cNvSpPr/>
+            <p:nvPr/>
+          </p:nvSpPr>
+          <p:spPr>
+            <a:xfrm>
+              <a:off x="9495897" y="9009816"/>
+              <a:ext cx="370115" cy="370115"/>
+            </a:xfrm>
+            <a:prstGeom prst="flowChartConnector">
+              <a:avLst/>
+            </a:prstGeom>
+            <a:solidFill>
+              <a:schemeClr val="bg1"/>
+            </a:solidFill>
+          </p:spPr>
+          <p:style>
+            <a:lnRef idx="2">
+              <a:schemeClr val="accent1">
+                <a:shade val="15000"/>
+              </a:schemeClr>
+            </a:lnRef>
+            <a:fillRef idx="1">
+              <a:schemeClr val="accent1"/>
+            </a:fillRef>
+            <a:effectRef idx="0">
+              <a:schemeClr val="accent1"/>
+            </a:effectRef>
+            <a:fontRef idx="minor">
+              <a:schemeClr val="lt1"/>
+            </a:fontRef>
+          </p:style>
+          <p:txBody>
+            <a:bodyPr rtlCol="0" anchor="ctr"/>
+            <a:lstStyle/>
+            <a:p>
+              <a:pPr algn="ctr"/>
+              <a:endParaRPr lang="en-US"/>
+            </a:p>
+          </p:txBody>
+        </p:sp>
+        <p:cxnSp>
+          <p:nvCxnSpPr>
+            <p:cNvPr id="58" name="Straight Arrow Connector 57">
+              <a:extLst>
+                <a:ext uri="{FF2B5EF4-FFF2-40B4-BE49-F238E27FC236}">
+                  <a16:creationId xmlns:a16="http://schemas.microsoft.com/office/drawing/2014/main" id="{0A6E7399-CC3F-6FBC-E062-D0363C795355}"/>
+                </a:ext>
+              </a:extLst>
+            </p:cNvPr>
+            <p:cNvCxnSpPr>
+              <a:cxnSpLocks/>
+            </p:cNvCxnSpPr>
+            <p:nvPr/>
+          </p:nvCxnSpPr>
+          <p:spPr>
+            <a:xfrm flipH="1">
+              <a:off x="9680954" y="8661117"/>
+              <a:ext cx="1555317" cy="0"/>
+            </a:xfrm>
+            <a:prstGeom prst="straightConnector1">
+              <a:avLst/>
+            </a:prstGeom>
+            <a:ln w="28575">
+              <a:solidFill>
+                <a:schemeClr val="accent1"/>
+              </a:solidFill>
+              <a:tailEnd type="triangle"/>
+            </a:ln>
+          </p:spPr>
+          <p:style>
+            <a:lnRef idx="2">
+              <a:schemeClr val="accent1"/>
+            </a:lnRef>
+            <a:fillRef idx="0">
+              <a:schemeClr val="accent1"/>
+            </a:fillRef>
+            <a:effectRef idx="1">
+              <a:schemeClr val="accent1"/>
+            </a:effectRef>
+            <a:fontRef idx="minor">
+              <a:schemeClr val="tx1"/>
+            </a:fontRef>
+          </p:style>
+        </p:cxnSp>
+        <p:cxnSp>
+          <p:nvCxnSpPr>
+            <p:cNvPr id="61" name="Straight Arrow Connector 60">
+              <a:extLst>
+                <a:ext uri="{FF2B5EF4-FFF2-40B4-BE49-F238E27FC236}">
+                  <a16:creationId xmlns:a16="http://schemas.microsoft.com/office/drawing/2014/main" id="{1F60E568-8A98-3FD4-DBE2-19DDDF4ED4AA}"/>
+                </a:ext>
+              </a:extLst>
+            </p:cNvPr>
+            <p:cNvCxnSpPr>
+              <a:cxnSpLocks/>
+            </p:cNvCxnSpPr>
+            <p:nvPr/>
+          </p:nvCxnSpPr>
+          <p:spPr>
+            <a:xfrm>
+              <a:off x="11230162" y="6757887"/>
+              <a:ext cx="0" cy="1903230"/>
+            </a:xfrm>
+            <a:prstGeom prst="straightConnector1">
+              <a:avLst/>
+            </a:prstGeom>
+            <a:ln w="28575">
+              <a:solidFill>
+                <a:schemeClr val="accent1"/>
+              </a:solidFill>
+              <a:headEnd type="none" w="med" len="med"/>
+              <a:tailEnd type="none" w="med" len="med"/>
+            </a:ln>
+          </p:spPr>
+          <p:style>
+            <a:lnRef idx="2">
+              <a:schemeClr val="accent1"/>
+            </a:lnRef>
+            <a:fillRef idx="0">
+              <a:schemeClr val="accent1"/>
+            </a:fillRef>
+            <a:effectRef idx="1">
+              <a:schemeClr val="accent1"/>
+            </a:effectRef>
+            <a:fontRef idx="minor">
+              <a:schemeClr val="tx1"/>
+            </a:fontRef>
+          </p:style>
+        </p:cxnSp>
+        <p:cxnSp>
+          <p:nvCxnSpPr>
+            <p:cNvPr id="64" name="Straight Arrow Connector 63">
+              <a:extLst>
+                <a:ext uri="{FF2B5EF4-FFF2-40B4-BE49-F238E27FC236}">
+                  <a16:creationId xmlns:a16="http://schemas.microsoft.com/office/drawing/2014/main" id="{19579C61-FDA2-0B51-9A24-11DA03FF8863}"/>
+                </a:ext>
+              </a:extLst>
+            </p:cNvPr>
+            <p:cNvCxnSpPr>
+              <a:cxnSpLocks/>
+              <a:stCxn id="51" idx="3"/>
+            </p:cNvCxnSpPr>
+            <p:nvPr/>
+          </p:nvCxnSpPr>
+          <p:spPr>
+            <a:xfrm>
+              <a:off x="10567497" y="6757887"/>
+              <a:ext cx="662665" cy="626"/>
+            </a:xfrm>
+            <a:prstGeom prst="straightConnector1">
+              <a:avLst/>
+            </a:prstGeom>
+            <a:ln w="28575">
+              <a:solidFill>
+                <a:schemeClr val="accent1"/>
+              </a:solidFill>
+              <a:headEnd type="none" w="med" len="med"/>
+              <a:tailEnd type="none" w="med" len="med"/>
+            </a:ln>
+          </p:spPr>
+          <p:style>
+            <a:lnRef idx="2">
+              <a:schemeClr val="accent1"/>
+            </a:lnRef>
+            <a:fillRef idx="0">
+              <a:schemeClr val="accent1"/>
+            </a:fillRef>
+            <a:effectRef idx="1">
+              <a:schemeClr val="accent1"/>
+            </a:effectRef>
+            <a:fontRef idx="minor">
+              <a:schemeClr val="tx1"/>
+            </a:fontRef>
+          </p:style>
+        </p:cxnSp>
+        <p:sp>
+          <p:nvSpPr>
+            <p:cNvPr id="68" name="TextBox 67">
+              <a:extLst>
+                <a:ext uri="{FF2B5EF4-FFF2-40B4-BE49-F238E27FC236}">
+                  <a16:creationId xmlns:a16="http://schemas.microsoft.com/office/drawing/2014/main" id="{3680D1CD-B35C-BF2A-3544-2E4503A5B6E7}"/>
+                </a:ext>
+              </a:extLst>
+            </p:cNvPr>
+            <p:cNvSpPr txBox="1"/>
+            <p:nvPr/>
+          </p:nvSpPr>
+          <p:spPr>
+            <a:xfrm>
+              <a:off x="10568204" y="6369506"/>
+              <a:ext cx="348172" cy="369332"/>
+            </a:xfrm>
+            <a:prstGeom prst="rect">
+              <a:avLst/>
+            </a:prstGeom>
+            <a:noFill/>
+          </p:spPr>
+          <p:txBody>
+            <a:bodyPr wrap="none" rtlCol="0">
+              <a:spAutoFit/>
+            </a:bodyPr>
+            <a:lstStyle/>
+            <a:p>
+              <a:r>
+                <a:rPr lang="en-US" dirty="0"/>
+                <a:t>N</a:t>
+              </a:r>
+            </a:p>
+          </p:txBody>
+        </p:sp>
+      </p:grpSp>
+    </p:spTree>
+    <p:extLst>
+      <p:ext uri="{BB962C8B-B14F-4D97-AF65-F5344CB8AC3E}">
+        <p14:creationId xmlns:p14="http://schemas.microsoft.com/office/powerpoint/2010/main" val="2594775046"/>
+      </p:ext>
+    </p:extLst>
+  </p:cSld>
+  <p:clrMapOvr>
+    <a:masterClrMapping/>
+  </p:clrMapOvr>
+</p:sld>
+</file>
+
+<file path=ppt/slides/slide3.xml><?xml version="1.0" encoding="utf-8"?>
+<p:sld xmlns:a="http://schemas.openxmlformats.org/drawingml/2006/main" xmlns:r="http://schemas.openxmlformats.org/officeDocument/2006/relationships" xmlns:p="http://schemas.openxmlformats.org/presentationml/2006/main">
+  <p:cSld>
+    <p:spTree>
+      <p:nvGrpSpPr>
+        <p:cNvPr id="1" name="">
+          <a:extLst>
+            <a:ext uri="{FF2B5EF4-FFF2-40B4-BE49-F238E27FC236}">
+              <a16:creationId xmlns:a16="http://schemas.microsoft.com/office/drawing/2014/main" id="{F4AC9F34-24BA-453D-AEFD-928F217600CE}"/>
+            </a:ext>
+          </a:extLst>
+        </p:cNvPr>
+        <p:cNvGrpSpPr/>
+        <p:nvPr/>
+      </p:nvGrpSpPr>
+      <p:grpSpPr>
+        <a:xfrm>
+          <a:off x="0" y="0"/>
+          <a:ext cx="0" cy="0"/>
+          <a:chOff x="0" y="0"/>
+          <a:chExt cx="0" cy="0"/>
+        </a:xfrm>
+      </p:grpSpPr>
+      <p:sp>
+        <p:nvSpPr>
+          <p:cNvPr id="14" name="TextBox 13">
+            <a:extLst>
+              <a:ext uri="{FF2B5EF4-FFF2-40B4-BE49-F238E27FC236}">
+                <a16:creationId xmlns:a16="http://schemas.microsoft.com/office/drawing/2014/main" id="{B1AB4BC4-3361-44EC-B704-4FE38B4FCDB9}"/>
+              </a:ext>
+            </a:extLst>
+          </p:cNvPr>
+          <p:cNvSpPr txBox="1"/>
+          <p:nvPr/>
+        </p:nvSpPr>
+        <p:spPr>
+          <a:xfrm>
+            <a:off x="880865" y="8312419"/>
+            <a:ext cx="2239780" cy="369332"/>
+          </a:xfrm>
+          <a:prstGeom prst="rect">
+            <a:avLst/>
+          </a:prstGeom>
+          <a:noFill/>
+        </p:spPr>
+        <p:txBody>
+          <a:bodyPr wrap="none" rtlCol="0">
+            <a:spAutoFit/>
+          </a:bodyPr>
+          <a:lstStyle/>
+          <a:p>
+            <a:r>
+              <a:rPr lang="en-US" dirty="0"/>
+              <a:t>a) Setup Subprocess</a:t>
+            </a:r>
+          </a:p>
+        </p:txBody>
+      </p:sp>
+      <p:grpSp>
+        <p:nvGrpSpPr>
+          <p:cNvPr id="38" name="Group 37">
+            <a:extLst>
+              <a:ext uri="{FF2B5EF4-FFF2-40B4-BE49-F238E27FC236}">
+                <a16:creationId xmlns:a16="http://schemas.microsoft.com/office/drawing/2014/main" id="{60C90194-65E9-21F7-16B5-6D8A7AE3778A}"/>
+              </a:ext>
+            </a:extLst>
+          </p:cNvPr>
+          <p:cNvGrpSpPr/>
+          <p:nvPr/>
+        </p:nvGrpSpPr>
+        <p:grpSpPr>
+          <a:xfrm>
+            <a:off x="983515" y="2968783"/>
+            <a:ext cx="2122671" cy="4308607"/>
+            <a:chOff x="568289" y="728151"/>
+            <a:chExt cx="2122671" cy="4308607"/>
+          </a:xfrm>
+        </p:grpSpPr>
+        <p:sp>
+          <p:nvSpPr>
+            <p:cNvPr id="5" name="Process 4">
+              <a:extLst>
+                <a:ext uri="{FF2B5EF4-FFF2-40B4-BE49-F238E27FC236}">
+                  <a16:creationId xmlns:a16="http://schemas.microsoft.com/office/drawing/2014/main" id="{50ECBF42-E8D7-9514-75CC-44007F66B760}"/>
+                </a:ext>
+              </a:extLst>
+            </p:cNvPr>
+            <p:cNvSpPr/>
+            <p:nvPr/>
+          </p:nvSpPr>
+          <p:spPr>
+            <a:xfrm>
+              <a:off x="568289" y="1434232"/>
+              <a:ext cx="2122671" cy="753798"/>
+            </a:xfrm>
+            <a:prstGeom prst="flowChartProcess">
+              <a:avLst/>
+            </a:prstGeom>
+            <a:solidFill>
+              <a:schemeClr val="accent4"/>
+            </a:solidFill>
+            <a:ln>
+              <a:solidFill>
+                <a:schemeClr val="accent4"/>
+              </a:solidFill>
+            </a:ln>
+          </p:spPr>
+          <p:style>
+            <a:lnRef idx="2">
+              <a:schemeClr val="accent1">
+                <a:shade val="15000"/>
+              </a:schemeClr>
+            </a:lnRef>
+            <a:fillRef idx="1">
+              <a:schemeClr val="accent1"/>
+            </a:fillRef>
+            <a:effectRef idx="0">
+              <a:schemeClr val="accent1"/>
+            </a:effectRef>
+            <a:fontRef idx="minor">
+              <a:schemeClr val="lt1"/>
+            </a:fontRef>
+          </p:style>
+          <p:txBody>
+            <a:bodyPr rtlCol="0" anchor="ctr"/>
+            <a:lstStyle/>
+            <a:p>
+              <a:pPr algn="ctr"/>
+              <a:r>
+                <a:rPr lang="en-US" dirty="0"/>
+                <a:t>initialize counters</a:t>
+              </a:r>
+            </a:p>
+          </p:txBody>
+        </p:sp>
+        <p:sp>
+          <p:nvSpPr>
+            <p:cNvPr id="6" name="Connector 5">
+              <a:extLst>
+                <a:ext uri="{FF2B5EF4-FFF2-40B4-BE49-F238E27FC236}">
+                  <a16:creationId xmlns:a16="http://schemas.microsoft.com/office/drawing/2014/main" id="{F0D19933-F9B1-03B7-C811-E58AF86FA2CC}"/>
+                </a:ext>
+              </a:extLst>
+            </p:cNvPr>
+            <p:cNvSpPr/>
+            <p:nvPr/>
+          </p:nvSpPr>
+          <p:spPr>
+            <a:xfrm>
+              <a:off x="1464127" y="728151"/>
+              <a:ext cx="370115" cy="370115"/>
+            </a:xfrm>
+            <a:prstGeom prst="flowChartConnector">
+              <a:avLst/>
+            </a:prstGeom>
+            <a:solidFill>
+              <a:schemeClr val="bg1"/>
+            </a:solidFill>
+          </p:spPr>
+          <p:style>
+            <a:lnRef idx="2">
+              <a:schemeClr val="accent1">
+                <a:shade val="15000"/>
+              </a:schemeClr>
+            </a:lnRef>
+            <a:fillRef idx="1">
+              <a:schemeClr val="accent1"/>
+            </a:fillRef>
+            <a:effectRef idx="0">
+              <a:schemeClr val="accent1"/>
+            </a:effectRef>
+            <a:fontRef idx="minor">
+              <a:schemeClr val="lt1"/>
+            </a:fontRef>
+          </p:style>
+          <p:txBody>
+            <a:bodyPr rtlCol="0" anchor="ctr"/>
+            <a:lstStyle/>
+            <a:p>
+              <a:pPr algn="ctr"/>
+              <a:endParaRPr lang="en-US"/>
+            </a:p>
+          </p:txBody>
+        </p:sp>
+        <p:cxnSp>
+          <p:nvCxnSpPr>
+            <p:cNvPr id="7" name="Straight Arrow Connector 6">
+              <a:extLst>
+                <a:ext uri="{FF2B5EF4-FFF2-40B4-BE49-F238E27FC236}">
+                  <a16:creationId xmlns:a16="http://schemas.microsoft.com/office/drawing/2014/main" id="{FF0FEC0A-1A6F-7F3C-8110-12BED2AAC0CA}"/>
+                </a:ext>
+              </a:extLst>
+            </p:cNvPr>
+            <p:cNvCxnSpPr>
+              <a:cxnSpLocks/>
+            </p:cNvCxnSpPr>
+            <p:nvPr/>
+          </p:nvCxnSpPr>
+          <p:spPr>
+            <a:xfrm>
+              <a:off x="1649184" y="1115405"/>
+              <a:ext cx="0" cy="316467"/>
+            </a:xfrm>
+            <a:prstGeom prst="straightConnector1">
+              <a:avLst/>
+            </a:prstGeom>
+            <a:ln w="28575">
+              <a:solidFill>
+                <a:schemeClr val="accent1"/>
+              </a:solidFill>
+              <a:tailEnd type="triangle"/>
+            </a:ln>
+          </p:spPr>
+          <p:style>
+            <a:lnRef idx="2">
+              <a:schemeClr val="accent1"/>
+            </a:lnRef>
+            <a:fillRef idx="0">
+              <a:schemeClr val="accent1"/>
+            </a:fillRef>
+            <a:effectRef idx="1">
+              <a:schemeClr val="accent1"/>
+            </a:effectRef>
+            <a:fontRef idx="minor">
+              <a:schemeClr val="tx1"/>
+            </a:fontRef>
+          </p:style>
+        </p:cxnSp>
+        <p:cxnSp>
+          <p:nvCxnSpPr>
+            <p:cNvPr id="8" name="Straight Arrow Connector 7">
+              <a:extLst>
+                <a:ext uri="{FF2B5EF4-FFF2-40B4-BE49-F238E27FC236}">
+                  <a16:creationId xmlns:a16="http://schemas.microsoft.com/office/drawing/2014/main" id="{57059BBE-81F4-2A55-F334-A9D2C919C06F}"/>
+                </a:ext>
+              </a:extLst>
+            </p:cNvPr>
+            <p:cNvCxnSpPr>
+              <a:cxnSpLocks/>
+            </p:cNvCxnSpPr>
+            <p:nvPr/>
+          </p:nvCxnSpPr>
+          <p:spPr>
+            <a:xfrm>
+              <a:off x="1649184" y="2188030"/>
+              <a:ext cx="0" cy="316467"/>
+            </a:xfrm>
+            <a:prstGeom prst="straightConnector1">
+              <a:avLst/>
+            </a:prstGeom>
+            <a:ln w="28575">
+              <a:solidFill>
+                <a:schemeClr val="accent1"/>
+              </a:solidFill>
+              <a:tailEnd type="triangle"/>
+            </a:ln>
+          </p:spPr>
+          <p:style>
+            <a:lnRef idx="2">
+              <a:schemeClr val="accent1"/>
+            </a:lnRef>
+            <a:fillRef idx="0">
+              <a:schemeClr val="accent1"/>
+            </a:fillRef>
+            <a:effectRef idx="1">
+              <a:schemeClr val="accent1"/>
+            </a:effectRef>
+            <a:fontRef idx="minor">
+              <a:schemeClr val="tx1"/>
+            </a:fontRef>
+          </p:style>
+        </p:cxnSp>
+        <p:sp>
+          <p:nvSpPr>
+            <p:cNvPr id="9" name="Connector 8">
+              <a:extLst>
+                <a:ext uri="{FF2B5EF4-FFF2-40B4-BE49-F238E27FC236}">
+                  <a16:creationId xmlns:a16="http://schemas.microsoft.com/office/drawing/2014/main" id="{B17D9EF5-7665-6BF5-F7C5-18B64C34C188}"/>
+                </a:ext>
+              </a:extLst>
+            </p:cNvPr>
+            <p:cNvSpPr/>
+            <p:nvPr/>
+          </p:nvSpPr>
+          <p:spPr>
+            <a:xfrm>
+              <a:off x="1464127" y="4666643"/>
+              <a:ext cx="370115" cy="370115"/>
+            </a:xfrm>
+            <a:prstGeom prst="flowChartConnector">
+              <a:avLst/>
+            </a:prstGeom>
+            <a:solidFill>
+              <a:schemeClr val="bg1"/>
+            </a:solidFill>
+          </p:spPr>
+          <p:style>
+            <a:lnRef idx="2">
+              <a:schemeClr val="accent1">
+                <a:shade val="15000"/>
+              </a:schemeClr>
+            </a:lnRef>
+            <a:fillRef idx="1">
+              <a:schemeClr val="accent1"/>
+            </a:fillRef>
+            <a:effectRef idx="0">
+              <a:schemeClr val="accent1"/>
+            </a:effectRef>
+            <a:fontRef idx="minor">
+              <a:schemeClr val="lt1"/>
+            </a:fontRef>
+          </p:style>
+          <p:txBody>
+            <a:bodyPr rtlCol="0" anchor="ctr"/>
+            <a:lstStyle/>
+            <a:p>
+              <a:pPr algn="ctr"/>
+              <a:endParaRPr lang="en-US"/>
+            </a:p>
+          </p:txBody>
+        </p:sp>
+        <p:sp>
+          <p:nvSpPr>
+            <p:cNvPr id="10" name="Process 9">
+              <a:extLst>
+                <a:ext uri="{FF2B5EF4-FFF2-40B4-BE49-F238E27FC236}">
+                  <a16:creationId xmlns:a16="http://schemas.microsoft.com/office/drawing/2014/main" id="{99C33921-7419-218B-959D-6B709BB6D6C5}"/>
+                </a:ext>
+              </a:extLst>
+            </p:cNvPr>
+            <p:cNvSpPr/>
+            <p:nvPr/>
+          </p:nvSpPr>
+          <p:spPr>
+            <a:xfrm>
+              <a:off x="568289" y="2516566"/>
+              <a:ext cx="2122671" cy="753798"/>
+            </a:xfrm>
+            <a:prstGeom prst="flowChartProcess">
+              <a:avLst/>
+            </a:prstGeom>
+            <a:solidFill>
+              <a:schemeClr val="accent4"/>
+            </a:solidFill>
+            <a:ln>
+              <a:solidFill>
+                <a:schemeClr val="accent4"/>
+              </a:solidFill>
+            </a:ln>
+          </p:spPr>
+          <p:style>
+            <a:lnRef idx="2">
+              <a:schemeClr val="accent1">
+                <a:shade val="15000"/>
+              </a:schemeClr>
+            </a:lnRef>
+            <a:fillRef idx="1">
+              <a:schemeClr val="accent1"/>
+            </a:fillRef>
+            <a:effectRef idx="0">
+              <a:schemeClr val="accent1"/>
+            </a:effectRef>
+            <a:fontRef idx="minor">
+              <a:schemeClr val="lt1"/>
+            </a:fontRef>
+          </p:style>
+          <p:txBody>
+            <a:bodyPr rtlCol="0" anchor="ctr"/>
+            <a:lstStyle/>
+            <a:p>
+              <a:pPr algn="ctr"/>
+              <a:r>
+                <a:rPr lang="en-US" sz="1600" dirty="0"/>
+                <a:t>Set bits 0-5 of PORTB and PORTC to outputs</a:t>
+              </a:r>
+            </a:p>
+          </p:txBody>
+        </p:sp>
+        <p:cxnSp>
+          <p:nvCxnSpPr>
+            <p:cNvPr id="12" name="Straight Arrow Connector 11">
+              <a:extLst>
+                <a:ext uri="{FF2B5EF4-FFF2-40B4-BE49-F238E27FC236}">
+                  <a16:creationId xmlns:a16="http://schemas.microsoft.com/office/drawing/2014/main" id="{FE9FB6DD-B8D3-5C9D-6091-7544899E1CCE}"/>
+                </a:ext>
+              </a:extLst>
+            </p:cNvPr>
+            <p:cNvCxnSpPr>
+              <a:cxnSpLocks/>
+            </p:cNvCxnSpPr>
+            <p:nvPr/>
+          </p:nvCxnSpPr>
+          <p:spPr>
+            <a:xfrm>
+              <a:off x="1649184" y="3270766"/>
+              <a:ext cx="0" cy="316467"/>
+            </a:xfrm>
+            <a:prstGeom prst="straightConnector1">
+              <a:avLst/>
+            </a:prstGeom>
+            <a:ln w="28575">
+              <a:solidFill>
+                <a:schemeClr val="accent1"/>
+              </a:solidFill>
+              <a:tailEnd type="triangle"/>
+            </a:ln>
+          </p:spPr>
+          <p:style>
+            <a:lnRef idx="2">
+              <a:schemeClr val="accent1"/>
+            </a:lnRef>
+            <a:fillRef idx="0">
+              <a:schemeClr val="accent1"/>
+            </a:fillRef>
+            <a:effectRef idx="1">
+              <a:schemeClr val="accent1"/>
+            </a:effectRef>
+            <a:fontRef idx="minor">
+              <a:schemeClr val="tx1"/>
+            </a:fontRef>
+          </p:style>
+        </p:cxnSp>
+        <p:cxnSp>
+          <p:nvCxnSpPr>
+            <p:cNvPr id="13" name="Straight Arrow Connector 12">
+              <a:extLst>
+                <a:ext uri="{FF2B5EF4-FFF2-40B4-BE49-F238E27FC236}">
+                  <a16:creationId xmlns:a16="http://schemas.microsoft.com/office/drawing/2014/main" id="{3D76F6CB-F5E6-A6A5-2B78-9ECE8C81FA7C}"/>
+                </a:ext>
+              </a:extLst>
+            </p:cNvPr>
+            <p:cNvCxnSpPr>
+              <a:cxnSpLocks/>
+            </p:cNvCxnSpPr>
+            <p:nvPr/>
+          </p:nvCxnSpPr>
+          <p:spPr>
+            <a:xfrm>
+              <a:off x="1649184" y="4350176"/>
+              <a:ext cx="0" cy="316467"/>
+            </a:xfrm>
+            <a:prstGeom prst="straightConnector1">
+              <a:avLst/>
+            </a:prstGeom>
+            <a:ln w="28575">
+              <a:solidFill>
+                <a:schemeClr val="accent1"/>
+              </a:solidFill>
+              <a:tailEnd type="triangle"/>
+            </a:ln>
+          </p:spPr>
+          <p:style>
+            <a:lnRef idx="2">
+              <a:schemeClr val="accent1"/>
+            </a:lnRef>
+            <a:fillRef idx="0">
+              <a:schemeClr val="accent1"/>
+            </a:fillRef>
+            <a:effectRef idx="1">
+              <a:schemeClr val="accent1"/>
+            </a:effectRef>
+            <a:fontRef idx="minor">
+              <a:schemeClr val="tx1"/>
+            </a:fontRef>
+          </p:style>
+        </p:cxnSp>
+        <p:sp>
+          <p:nvSpPr>
+            <p:cNvPr id="3" name="Process 2">
+              <a:extLst>
+                <a:ext uri="{FF2B5EF4-FFF2-40B4-BE49-F238E27FC236}">
+                  <a16:creationId xmlns:a16="http://schemas.microsoft.com/office/drawing/2014/main" id="{900EE3BF-BE0C-9252-15D8-BE5C6B1578E4}"/>
+                </a:ext>
+              </a:extLst>
+            </p:cNvPr>
+            <p:cNvSpPr/>
+            <p:nvPr/>
+          </p:nvSpPr>
+          <p:spPr>
+            <a:xfrm>
+              <a:off x="568289" y="3583207"/>
+              <a:ext cx="2122671" cy="753798"/>
+            </a:xfrm>
+            <a:prstGeom prst="flowChartProcess">
+              <a:avLst/>
+            </a:prstGeom>
+            <a:solidFill>
+              <a:schemeClr val="accent4"/>
+            </a:solidFill>
+            <a:ln>
+              <a:solidFill>
+                <a:schemeClr val="accent4"/>
+              </a:solidFill>
+            </a:ln>
+          </p:spPr>
+          <p:style>
+            <a:lnRef idx="2">
+              <a:schemeClr val="accent1">
+                <a:shade val="15000"/>
+              </a:schemeClr>
+            </a:lnRef>
+            <a:fillRef idx="1">
+              <a:schemeClr val="accent1"/>
+            </a:fillRef>
+            <a:effectRef idx="0">
+              <a:schemeClr val="accent1"/>
+            </a:effectRef>
+            <a:fontRef idx="minor">
+              <a:schemeClr val="lt1"/>
+            </a:fontRef>
+          </p:style>
+          <p:txBody>
+            <a:bodyPr rtlCol="0" anchor="ctr"/>
+            <a:lstStyle/>
+            <a:p>
+              <a:pPr algn="ctr"/>
+              <a:r>
+                <a:rPr lang="en-GB" sz="1600" dirty="0"/>
+                <a:t>Make bit 2 of Port D an input</a:t>
+              </a:r>
+            </a:p>
+          </p:txBody>
+        </p:sp>
+      </p:grpSp>
+      <p:sp>
+        <p:nvSpPr>
+          <p:cNvPr id="24" name="Connector 23">
+            <a:extLst>
+              <a:ext uri="{FF2B5EF4-FFF2-40B4-BE49-F238E27FC236}">
+                <a16:creationId xmlns:a16="http://schemas.microsoft.com/office/drawing/2014/main" id="{B8C95C21-79E8-870E-80F7-FA776D7F9FE9}"/>
+              </a:ext>
+            </a:extLst>
+          </p:cNvPr>
+          <p:cNvSpPr/>
+          <p:nvPr/>
+        </p:nvSpPr>
+        <p:spPr>
+          <a:xfrm>
+            <a:off x="5527018" y="2305389"/>
+            <a:ext cx="370115" cy="370115"/>
+          </a:xfrm>
+          <a:prstGeom prst="flowChartConnector">
+            <a:avLst/>
+          </a:prstGeom>
+          <a:solidFill>
+            <a:schemeClr val="bg1"/>
+          </a:solidFill>
+        </p:spPr>
+        <p:style>
+          <a:lnRef idx="2">
+            <a:schemeClr val="accent1">
+              <a:shade val="15000"/>
+            </a:schemeClr>
+          </a:lnRef>
+          <a:fillRef idx="1">
+            <a:schemeClr val="accent1"/>
+          </a:fillRef>
+          <a:effectRef idx="0">
+            <a:schemeClr val="accent1"/>
+          </a:effectRef>
+          <a:fontRef idx="minor">
+            <a:schemeClr val="lt1"/>
+          </a:fontRef>
+        </p:style>
+        <p:txBody>
+          <a:bodyPr rtlCol="0" anchor="ctr"/>
+          <a:lstStyle/>
+          <a:p>
+            <a:pPr algn="ctr"/>
+            <a:endParaRPr lang="en-US"/>
+          </a:p>
+        </p:txBody>
+      </p:sp>
+      <p:cxnSp>
+        <p:nvCxnSpPr>
+          <p:cNvPr id="25" name="Straight Arrow Connector 24">
+            <a:extLst>
+              <a:ext uri="{FF2B5EF4-FFF2-40B4-BE49-F238E27FC236}">
+                <a16:creationId xmlns:a16="http://schemas.microsoft.com/office/drawing/2014/main" id="{3907D34F-99FE-B715-0B24-FE2CD9D49C5D}"/>
+              </a:ext>
+            </a:extLst>
+          </p:cNvPr>
+          <p:cNvCxnSpPr>
+            <a:cxnSpLocks/>
+          </p:cNvCxnSpPr>
+          <p:nvPr/>
+        </p:nvCxnSpPr>
+        <p:spPr>
+          <a:xfrm>
+            <a:off x="5712075" y="2675504"/>
+            <a:ext cx="0" cy="316467"/>
+          </a:xfrm>
+          <a:prstGeom prst="straightConnector1">
+            <a:avLst/>
+          </a:prstGeom>
+          <a:ln w="28575">
+            <a:solidFill>
+              <a:schemeClr val="accent1"/>
+            </a:solidFill>
+            <a:tailEnd type="triangle"/>
+          </a:ln>
+        </p:spPr>
+        <p:style>
+          <a:lnRef idx="2">
+            <a:schemeClr val="accent1"/>
+          </a:lnRef>
+          <a:fillRef idx="0">
+            <a:schemeClr val="accent1"/>
+          </a:fillRef>
+          <a:effectRef idx="1">
+            <a:schemeClr val="accent1"/>
+          </a:effectRef>
+          <a:fontRef idx="minor">
+            <a:schemeClr val="tx1"/>
+          </a:fontRef>
+        </p:style>
+      </p:cxnSp>
+      <p:sp>
+        <p:nvSpPr>
+          <p:cNvPr id="26" name="Data 25">
+            <a:extLst>
+              <a:ext uri="{FF2B5EF4-FFF2-40B4-BE49-F238E27FC236}">
+                <a16:creationId xmlns:a16="http://schemas.microsoft.com/office/drawing/2014/main" id="{BB1F957E-433A-8E5C-2D50-E135A2EAA416}"/>
+              </a:ext>
+            </a:extLst>
+          </p:cNvPr>
+          <p:cNvSpPr/>
+          <p:nvPr/>
+        </p:nvSpPr>
+        <p:spPr>
+          <a:xfrm>
+            <a:off x="4583846" y="3006292"/>
+            <a:ext cx="2256459" cy="853898"/>
+          </a:xfrm>
+          <a:prstGeom prst="flowChartInputOutput">
+            <a:avLst/>
+          </a:prstGeom>
+          <a:solidFill>
+            <a:srgbClr val="FFFF00"/>
+          </a:solidFill>
+        </p:spPr>
+        <p:style>
+          <a:lnRef idx="2">
+            <a:schemeClr val="accent1">
+              <a:shade val="15000"/>
+            </a:schemeClr>
+          </a:lnRef>
+          <a:fillRef idx="1">
+            <a:schemeClr val="accent1"/>
+          </a:fillRef>
+          <a:effectRef idx="0">
+            <a:schemeClr val="accent1"/>
+          </a:effectRef>
+          <a:fontRef idx="minor">
+            <a:schemeClr val="lt1"/>
+          </a:fontRef>
+        </p:style>
+        <p:txBody>
+          <a:bodyPr rtlCol="0" anchor="ctr"/>
+          <a:lstStyle/>
+          <a:p>
+            <a:pPr algn="ctr"/>
+            <a:r>
+              <a:rPr lang="en-US" sz="1200" dirty="0">
+                <a:solidFill>
+                  <a:sysClr val="windowText" lastClr="000000"/>
+                </a:solidFill>
+              </a:rPr>
+              <a:t>PORTC = counter</a:t>
+            </a:r>
+          </a:p>
+        </p:txBody>
+      </p:sp>
+      <p:sp>
+        <p:nvSpPr>
+          <p:cNvPr id="29" name="Predefined Process 28">
+            <a:extLst>
+              <a:ext uri="{FF2B5EF4-FFF2-40B4-BE49-F238E27FC236}">
+                <a16:creationId xmlns:a16="http://schemas.microsoft.com/office/drawing/2014/main" id="{CA4AB899-675C-9BF6-40EC-9B2D150D69E1}"/>
+              </a:ext>
+            </a:extLst>
+          </p:cNvPr>
+          <p:cNvSpPr/>
+          <p:nvPr/>
+        </p:nvSpPr>
+        <p:spPr>
+          <a:xfrm>
+            <a:off x="4589803" y="6618399"/>
+            <a:ext cx="2244545" cy="827314"/>
+          </a:xfrm>
+          <a:prstGeom prst="flowChartPredefinedProcess">
+            <a:avLst/>
+          </a:prstGeom>
+          <a:solidFill>
+            <a:schemeClr val="accent6"/>
+          </a:solidFill>
+        </p:spPr>
+        <p:style>
+          <a:lnRef idx="2">
+            <a:schemeClr val="accent1">
+              <a:shade val="15000"/>
+            </a:schemeClr>
+          </a:lnRef>
+          <a:fillRef idx="1">
+            <a:schemeClr val="accent1"/>
+          </a:fillRef>
+          <a:effectRef idx="0">
+            <a:schemeClr val="accent1"/>
+          </a:effectRef>
+          <a:fontRef idx="minor">
+            <a:schemeClr val="lt1"/>
+          </a:fontRef>
+        </p:style>
+        <p:txBody>
+          <a:bodyPr rtlCol="0" anchor="ctr"/>
+          <a:lstStyle/>
+          <a:p>
+            <a:pPr algn="ctr"/>
+            <a:r>
+              <a:rPr lang="en-US" sz="1600" dirty="0"/>
+              <a:t>Delay 1 second</a:t>
+            </a:r>
+          </a:p>
+        </p:txBody>
+      </p:sp>
+      <p:cxnSp>
+        <p:nvCxnSpPr>
+          <p:cNvPr id="30" name="Straight Arrow Connector 29">
+            <a:extLst>
+              <a:ext uri="{FF2B5EF4-FFF2-40B4-BE49-F238E27FC236}">
+                <a16:creationId xmlns:a16="http://schemas.microsoft.com/office/drawing/2014/main" id="{431D8A51-D4E2-DEA6-FFB2-3D38A90C16F5}"/>
+              </a:ext>
+            </a:extLst>
+          </p:cNvPr>
+          <p:cNvCxnSpPr>
+            <a:cxnSpLocks/>
+          </p:cNvCxnSpPr>
+          <p:nvPr/>
+        </p:nvCxnSpPr>
+        <p:spPr>
+          <a:xfrm>
+            <a:off x="5712075" y="3853434"/>
+            <a:ext cx="0" cy="316467"/>
+          </a:xfrm>
+          <a:prstGeom prst="straightConnector1">
+            <a:avLst/>
+          </a:prstGeom>
+          <a:ln w="28575">
+            <a:solidFill>
+              <a:schemeClr val="accent1"/>
+            </a:solidFill>
+            <a:tailEnd type="triangle"/>
+          </a:ln>
+        </p:spPr>
+        <p:style>
+          <a:lnRef idx="2">
+            <a:schemeClr val="accent1"/>
+          </a:lnRef>
+          <a:fillRef idx="0">
+            <a:schemeClr val="accent1"/>
+          </a:fillRef>
+          <a:effectRef idx="1">
+            <a:schemeClr val="accent1"/>
+          </a:effectRef>
+          <a:fontRef idx="minor">
+            <a:schemeClr val="tx1"/>
+          </a:fontRef>
+        </p:style>
+      </p:cxnSp>
+      <p:cxnSp>
+        <p:nvCxnSpPr>
+          <p:cNvPr id="31" name="Straight Arrow Connector 30">
+            <a:extLst>
+              <a:ext uri="{FF2B5EF4-FFF2-40B4-BE49-F238E27FC236}">
+                <a16:creationId xmlns:a16="http://schemas.microsoft.com/office/drawing/2014/main" id="{5DEDFC57-0E7A-9C1E-4168-765BA6626D23}"/>
+              </a:ext>
+            </a:extLst>
+          </p:cNvPr>
+          <p:cNvCxnSpPr>
+            <a:cxnSpLocks/>
+          </p:cNvCxnSpPr>
+          <p:nvPr/>
+        </p:nvCxnSpPr>
+        <p:spPr>
+          <a:xfrm>
+            <a:off x="5712075" y="5139250"/>
+            <a:ext cx="0" cy="316467"/>
+          </a:xfrm>
+          <a:prstGeom prst="straightConnector1">
+            <a:avLst/>
+          </a:prstGeom>
+          <a:ln w="28575">
+            <a:solidFill>
+              <a:schemeClr val="accent1"/>
+            </a:solidFill>
+            <a:tailEnd type="triangle"/>
+          </a:ln>
+        </p:spPr>
+        <p:style>
+          <a:lnRef idx="2">
+            <a:schemeClr val="accent1"/>
+          </a:lnRef>
+          <a:fillRef idx="0">
+            <a:schemeClr val="accent1"/>
+          </a:fillRef>
+          <a:effectRef idx="1">
+            <a:schemeClr val="accent1"/>
+          </a:effectRef>
+          <a:fontRef idx="minor">
+            <a:schemeClr val="tx1"/>
+          </a:fontRef>
+        </p:style>
+      </p:cxnSp>
+      <p:cxnSp>
+        <p:nvCxnSpPr>
+          <p:cNvPr id="33" name="Straight Arrow Connector 32">
+            <a:extLst>
+              <a:ext uri="{FF2B5EF4-FFF2-40B4-BE49-F238E27FC236}">
+                <a16:creationId xmlns:a16="http://schemas.microsoft.com/office/drawing/2014/main" id="{5C540854-C471-6DD3-863D-3D1904959FEA}"/>
+              </a:ext>
+            </a:extLst>
+          </p:cNvPr>
+          <p:cNvCxnSpPr>
+            <a:cxnSpLocks/>
+          </p:cNvCxnSpPr>
+          <p:nvPr/>
+        </p:nvCxnSpPr>
+        <p:spPr>
+          <a:xfrm>
+            <a:off x="5712075" y="7445714"/>
+            <a:ext cx="0" cy="316467"/>
+          </a:xfrm>
+          <a:prstGeom prst="straightConnector1">
+            <a:avLst/>
+          </a:prstGeom>
+          <a:ln w="28575">
+            <a:solidFill>
+              <a:schemeClr val="accent1"/>
+            </a:solidFill>
+            <a:tailEnd type="triangle"/>
+          </a:ln>
+        </p:spPr>
+        <p:style>
+          <a:lnRef idx="2">
+            <a:schemeClr val="accent1"/>
+          </a:lnRef>
+          <a:fillRef idx="0">
+            <a:schemeClr val="accent1"/>
+          </a:fillRef>
+          <a:effectRef idx="1">
+            <a:schemeClr val="accent1"/>
+          </a:effectRef>
+          <a:fontRef idx="minor">
+            <a:schemeClr val="tx1"/>
+          </a:fontRef>
+        </p:style>
+      </p:cxnSp>
+      <p:sp>
+        <p:nvSpPr>
+          <p:cNvPr id="34" name="Connector 33">
+            <a:extLst>
+              <a:ext uri="{FF2B5EF4-FFF2-40B4-BE49-F238E27FC236}">
+                <a16:creationId xmlns:a16="http://schemas.microsoft.com/office/drawing/2014/main" id="{ADC5EAE4-0BAF-6674-2E5E-9DA1115DD679}"/>
+              </a:ext>
+            </a:extLst>
+          </p:cNvPr>
+          <p:cNvSpPr/>
+          <p:nvPr/>
+        </p:nvSpPr>
+        <p:spPr>
+          <a:xfrm>
+            <a:off x="5527018" y="7754238"/>
+            <a:ext cx="370115" cy="370115"/>
+          </a:xfrm>
+          <a:prstGeom prst="flowChartConnector">
+            <a:avLst/>
+          </a:prstGeom>
+          <a:solidFill>
+            <a:schemeClr val="bg1"/>
+          </a:solidFill>
+        </p:spPr>
+        <p:style>
+          <a:lnRef idx="2">
+            <a:schemeClr val="accent1">
+              <a:shade val="15000"/>
+            </a:schemeClr>
+          </a:lnRef>
+          <a:fillRef idx="1">
+            <a:schemeClr val="accent1"/>
+          </a:fillRef>
+          <a:effectRef idx="0">
+            <a:schemeClr val="accent1"/>
+          </a:effectRef>
+          <a:fontRef idx="minor">
+            <a:schemeClr val="lt1"/>
+          </a:fontRef>
+        </p:style>
+        <p:txBody>
+          <a:bodyPr rtlCol="0" anchor="ctr"/>
+          <a:lstStyle/>
+          <a:p>
+            <a:pPr algn="ctr"/>
+            <a:endParaRPr lang="en-US"/>
+          </a:p>
+        </p:txBody>
+      </p:sp>
+      <p:sp>
+        <p:nvSpPr>
+          <p:cNvPr id="36" name="Process 35">
+            <a:extLst>
+              <a:ext uri="{FF2B5EF4-FFF2-40B4-BE49-F238E27FC236}">
+                <a16:creationId xmlns:a16="http://schemas.microsoft.com/office/drawing/2014/main" id="{2ED242CF-5D6D-3C73-B452-6B24EFBDB9F4}"/>
+              </a:ext>
+            </a:extLst>
+          </p:cNvPr>
+          <p:cNvSpPr/>
+          <p:nvPr/>
+        </p:nvSpPr>
+        <p:spPr>
+          <a:xfrm>
+            <a:off x="4650740" y="5446236"/>
+            <a:ext cx="2122671" cy="753798"/>
+          </a:xfrm>
+          <a:prstGeom prst="flowChartProcess">
+            <a:avLst/>
+          </a:prstGeom>
+          <a:solidFill>
+            <a:schemeClr val="accent4"/>
+          </a:solidFill>
+          <a:ln>
+            <a:solidFill>
+              <a:schemeClr val="accent4"/>
+            </a:solidFill>
+          </a:ln>
+        </p:spPr>
+        <p:style>
+          <a:lnRef idx="2">
+            <a:schemeClr val="accent1">
+              <a:shade val="15000"/>
+            </a:schemeClr>
+          </a:lnRef>
+          <a:fillRef idx="1">
+            <a:schemeClr val="accent1"/>
+          </a:fillRef>
+          <a:effectRef idx="0">
+            <a:schemeClr val="accent1"/>
+          </a:effectRef>
+          <a:fontRef idx="minor">
+            <a:schemeClr val="lt1"/>
+          </a:fontRef>
+        </p:style>
+        <p:txBody>
+          <a:bodyPr rtlCol="0" anchor="ctr"/>
+          <a:lstStyle/>
+          <a:p>
+            <a:pPr algn="ctr"/>
+            <a:r>
+              <a:rPr lang="en-US" dirty="0"/>
+              <a:t>Increment counter</a:t>
+            </a:r>
+          </a:p>
+        </p:txBody>
+      </p:sp>
+      <p:sp>
+        <p:nvSpPr>
+          <p:cNvPr id="55" name="TextBox 54">
+            <a:extLst>
+              <a:ext uri="{FF2B5EF4-FFF2-40B4-BE49-F238E27FC236}">
+                <a16:creationId xmlns:a16="http://schemas.microsoft.com/office/drawing/2014/main" id="{9F3E5AC1-FA6D-7E0B-E400-F89A22A7AF9B}"/>
+              </a:ext>
+            </a:extLst>
+          </p:cNvPr>
+          <p:cNvSpPr txBox="1"/>
+          <p:nvPr/>
+        </p:nvSpPr>
+        <p:spPr>
+          <a:xfrm>
+            <a:off x="5221379" y="6263290"/>
+            <a:ext cx="309700" cy="369332"/>
+          </a:xfrm>
+          <a:prstGeom prst="rect">
+            <a:avLst/>
+          </a:prstGeom>
+          <a:noFill/>
+        </p:spPr>
+        <p:txBody>
+          <a:bodyPr wrap="none" rtlCol="0">
+            <a:spAutoFit/>
+          </a:bodyPr>
+          <a:lstStyle/>
+          <a:p>
+            <a:r>
+              <a:rPr lang="en-US" dirty="0"/>
+              <a:t>Y</a:t>
+            </a:r>
+          </a:p>
+        </p:txBody>
+      </p:sp>
+      <p:sp>
+        <p:nvSpPr>
+          <p:cNvPr id="2" name="TextBox 1">
+            <a:extLst>
+              <a:ext uri="{FF2B5EF4-FFF2-40B4-BE49-F238E27FC236}">
+                <a16:creationId xmlns:a16="http://schemas.microsoft.com/office/drawing/2014/main" id="{36CD87F0-19FE-43C3-901C-D223F9DAAEB3}"/>
+              </a:ext>
+            </a:extLst>
+          </p:cNvPr>
+          <p:cNvSpPr txBox="1"/>
+          <p:nvPr/>
+        </p:nvSpPr>
+        <p:spPr>
+          <a:xfrm>
+            <a:off x="991892" y="480447"/>
+            <a:ext cx="726096" cy="369332"/>
+          </a:xfrm>
+          <a:prstGeom prst="rect">
+            <a:avLst/>
+          </a:prstGeom>
+          <a:noFill/>
+        </p:spPr>
+        <p:txBody>
+          <a:bodyPr wrap="none" rtlCol="0">
+            <a:spAutoFit/>
+          </a:bodyPr>
+          <a:lstStyle/>
+          <a:p>
+            <a:r>
+              <a:rPr lang="en-US" dirty="0"/>
+              <a:t>Lab 2</a:t>
+            </a:r>
+          </a:p>
+        </p:txBody>
+      </p:sp>
+      <p:sp>
+        <p:nvSpPr>
+          <p:cNvPr id="16" name="Decision 15">
+            <a:extLst>
+              <a:ext uri="{FF2B5EF4-FFF2-40B4-BE49-F238E27FC236}">
+                <a16:creationId xmlns:a16="http://schemas.microsoft.com/office/drawing/2014/main" id="{796B7463-D923-3EBF-5CCE-223550F70F08}"/>
+              </a:ext>
+            </a:extLst>
+          </p:cNvPr>
+          <p:cNvSpPr/>
+          <p:nvPr/>
+        </p:nvSpPr>
+        <p:spPr>
+          <a:xfrm>
+            <a:off x="4825533" y="4168714"/>
+            <a:ext cx="1773085" cy="970536"/>
+          </a:xfrm>
+          <a:prstGeom prst="flowChartDecision">
+            <a:avLst/>
+          </a:prstGeom>
+          <a:solidFill>
+            <a:schemeClr val="accent5"/>
+          </a:solidFill>
+        </p:spPr>
+        <p:style>
+          <a:lnRef idx="2">
+            <a:schemeClr val="accent1">
+              <a:shade val="15000"/>
+            </a:schemeClr>
+          </a:lnRef>
+          <a:fillRef idx="1">
+            <a:schemeClr val="accent1"/>
+          </a:fillRef>
+          <a:effectRef idx="0">
+            <a:schemeClr val="accent1"/>
+          </a:effectRef>
+          <a:fontRef idx="minor">
+            <a:schemeClr val="lt1"/>
+          </a:fontRef>
+        </p:style>
+        <p:txBody>
+          <a:bodyPr rtlCol="0" anchor="ctr"/>
+          <a:lstStyle/>
+          <a:p>
+            <a:pPr algn="ctr"/>
+            <a:r>
+              <a:rPr lang="en-US" sz="1400" dirty="0"/>
+              <a:t>PIND &amp;&amp; 0b00000100 != 0</a:t>
+            </a:r>
+          </a:p>
+        </p:txBody>
+      </p:sp>
+      <p:cxnSp>
+        <p:nvCxnSpPr>
+          <p:cNvPr id="17" name="Straight Arrow Connector 16">
+            <a:extLst>
+              <a:ext uri="{FF2B5EF4-FFF2-40B4-BE49-F238E27FC236}">
+                <a16:creationId xmlns:a16="http://schemas.microsoft.com/office/drawing/2014/main" id="{ABEC81F5-3566-9FB5-39B7-C2A319729852}"/>
+              </a:ext>
+            </a:extLst>
+          </p:cNvPr>
+          <p:cNvCxnSpPr>
+            <a:cxnSpLocks/>
+          </p:cNvCxnSpPr>
+          <p:nvPr/>
+        </p:nvCxnSpPr>
+        <p:spPr>
+          <a:xfrm flipH="1">
+            <a:off x="5712075" y="6408359"/>
+            <a:ext cx="1495559" cy="0"/>
+          </a:xfrm>
+          <a:prstGeom prst="straightConnector1">
+            <a:avLst/>
+          </a:prstGeom>
+          <a:ln w="28575">
+            <a:solidFill>
+              <a:schemeClr val="accent1"/>
+            </a:solidFill>
+            <a:tailEnd type="triangle"/>
+          </a:ln>
+        </p:spPr>
+        <p:style>
+          <a:lnRef idx="2">
+            <a:schemeClr val="accent1"/>
+          </a:lnRef>
+          <a:fillRef idx="0">
+            <a:schemeClr val="accent1"/>
+          </a:fillRef>
+          <a:effectRef idx="1">
+            <a:schemeClr val="accent1"/>
+          </a:effectRef>
+          <a:fontRef idx="minor">
+            <a:schemeClr val="tx1"/>
+          </a:fontRef>
+        </p:style>
+      </p:cxnSp>
+      <p:cxnSp>
+        <p:nvCxnSpPr>
+          <p:cNvPr id="18" name="Straight Arrow Connector 17">
+            <a:extLst>
+              <a:ext uri="{FF2B5EF4-FFF2-40B4-BE49-F238E27FC236}">
+                <a16:creationId xmlns:a16="http://schemas.microsoft.com/office/drawing/2014/main" id="{47021B64-1FE3-46BB-32D9-BA6FD511F058}"/>
+              </a:ext>
+            </a:extLst>
+          </p:cNvPr>
+          <p:cNvCxnSpPr>
+            <a:cxnSpLocks/>
+          </p:cNvCxnSpPr>
+          <p:nvPr/>
+        </p:nvCxnSpPr>
+        <p:spPr>
+          <a:xfrm flipH="1">
+            <a:off x="7197029" y="4669613"/>
+            <a:ext cx="10605" cy="1757006"/>
+          </a:xfrm>
+          <a:prstGeom prst="straightConnector1">
+            <a:avLst/>
+          </a:prstGeom>
+          <a:ln w="28575">
+            <a:solidFill>
+              <a:schemeClr val="accent1"/>
+            </a:solidFill>
+            <a:headEnd type="none" w="med" len="med"/>
+            <a:tailEnd type="none" w="med" len="med"/>
+          </a:ln>
+        </p:spPr>
+        <p:style>
+          <a:lnRef idx="2">
+            <a:schemeClr val="accent1"/>
+          </a:lnRef>
+          <a:fillRef idx="0">
+            <a:schemeClr val="accent1"/>
+          </a:fillRef>
+          <a:effectRef idx="1">
+            <a:schemeClr val="accent1"/>
+          </a:effectRef>
+          <a:fontRef idx="minor">
+            <a:schemeClr val="tx1"/>
+          </a:fontRef>
+        </p:style>
+      </p:cxnSp>
+      <p:sp>
+        <p:nvSpPr>
+          <p:cNvPr id="19" name="TextBox 18">
+            <a:extLst>
+              <a:ext uri="{FF2B5EF4-FFF2-40B4-BE49-F238E27FC236}">
+                <a16:creationId xmlns:a16="http://schemas.microsoft.com/office/drawing/2014/main" id="{AE164B6A-A452-44E3-448D-06B1BC8C7691}"/>
+              </a:ext>
+            </a:extLst>
+          </p:cNvPr>
+          <p:cNvSpPr txBox="1"/>
+          <p:nvPr/>
+        </p:nvSpPr>
+        <p:spPr>
+          <a:xfrm>
+            <a:off x="6564475" y="4274908"/>
+            <a:ext cx="348172" cy="369332"/>
+          </a:xfrm>
+          <a:prstGeom prst="rect">
+            <a:avLst/>
+          </a:prstGeom>
+          <a:noFill/>
+        </p:spPr>
+        <p:txBody>
+          <a:bodyPr wrap="none" rtlCol="0">
+            <a:spAutoFit/>
+          </a:bodyPr>
+          <a:lstStyle/>
+          <a:p>
+            <a:r>
+              <a:rPr lang="en-US" dirty="0"/>
+              <a:t>N</a:t>
+            </a:r>
+          </a:p>
+        </p:txBody>
+      </p:sp>
+      <p:cxnSp>
+        <p:nvCxnSpPr>
+          <p:cNvPr id="20" name="Straight Arrow Connector 19">
+            <a:extLst>
+              <a:ext uri="{FF2B5EF4-FFF2-40B4-BE49-F238E27FC236}">
+                <a16:creationId xmlns:a16="http://schemas.microsoft.com/office/drawing/2014/main" id="{4A50C021-FD1A-94F0-4798-775C5FB245DB}"/>
+              </a:ext>
+            </a:extLst>
+          </p:cNvPr>
+          <p:cNvCxnSpPr>
+            <a:cxnSpLocks/>
+          </p:cNvCxnSpPr>
+          <p:nvPr/>
+        </p:nvCxnSpPr>
+        <p:spPr>
+          <a:xfrm>
+            <a:off x="6544969" y="4669613"/>
+            <a:ext cx="662665" cy="626"/>
+          </a:xfrm>
+          <a:prstGeom prst="straightConnector1">
+            <a:avLst/>
+          </a:prstGeom>
+          <a:ln w="28575">
+            <a:solidFill>
+              <a:schemeClr val="accent1"/>
+            </a:solidFill>
+            <a:headEnd type="none" w="med" len="med"/>
+            <a:tailEnd type="none" w="med" len="med"/>
+          </a:ln>
+        </p:spPr>
+        <p:style>
+          <a:lnRef idx="2">
+            <a:schemeClr val="accent1"/>
+          </a:lnRef>
+          <a:fillRef idx="0">
+            <a:schemeClr val="accent1"/>
+          </a:fillRef>
+          <a:effectRef idx="1">
+            <a:schemeClr val="accent1"/>
+          </a:effectRef>
+          <a:fontRef idx="minor">
+            <a:schemeClr val="tx1"/>
+          </a:fontRef>
+        </p:style>
+      </p:cxnSp>
+      <p:cxnSp>
+        <p:nvCxnSpPr>
+          <p:cNvPr id="23" name="Straight Arrow Connector 22">
+            <a:extLst>
+              <a:ext uri="{FF2B5EF4-FFF2-40B4-BE49-F238E27FC236}">
+                <a16:creationId xmlns:a16="http://schemas.microsoft.com/office/drawing/2014/main" id="{6D159CEA-71D9-66AA-D65E-24BA8295E9D6}"/>
+              </a:ext>
+            </a:extLst>
+          </p:cNvPr>
+          <p:cNvCxnSpPr>
+            <a:cxnSpLocks/>
+            <a:endCxn id="29" idx="0"/>
+          </p:cNvCxnSpPr>
+          <p:nvPr/>
+        </p:nvCxnSpPr>
+        <p:spPr>
+          <a:xfrm>
+            <a:off x="5712075" y="6223301"/>
+            <a:ext cx="1" cy="395098"/>
+          </a:xfrm>
+          <a:prstGeom prst="straightConnector1">
+            <a:avLst/>
+          </a:prstGeom>
+          <a:ln w="28575">
+            <a:solidFill>
+              <a:schemeClr val="accent1"/>
+            </a:solidFill>
+            <a:tailEnd type="triangle"/>
+          </a:ln>
+        </p:spPr>
+        <p:style>
+          <a:lnRef idx="2">
+            <a:schemeClr val="accent1"/>
+          </a:lnRef>
+          <a:fillRef idx="0">
+            <a:schemeClr val="accent1"/>
+          </a:fillRef>
+          <a:effectRef idx="1">
+            <a:schemeClr val="accent1"/>
+          </a:effectRef>
+          <a:fontRef idx="minor">
+            <a:schemeClr val="tx1"/>
+          </a:fontRef>
+        </p:style>
+      </p:cxnSp>
+      <p:sp>
+        <p:nvSpPr>
+          <p:cNvPr id="37" name="TextBox 36">
+            <a:extLst>
+              <a:ext uri="{FF2B5EF4-FFF2-40B4-BE49-F238E27FC236}">
+                <a16:creationId xmlns:a16="http://schemas.microsoft.com/office/drawing/2014/main" id="{A664AAA0-1567-9827-F0E3-8A6FD895BE79}"/>
+              </a:ext>
+            </a:extLst>
+          </p:cNvPr>
+          <p:cNvSpPr txBox="1"/>
+          <p:nvPr/>
+        </p:nvSpPr>
+        <p:spPr>
+          <a:xfrm>
+            <a:off x="4358838" y="8331931"/>
+            <a:ext cx="2239780" cy="369332"/>
+          </a:xfrm>
+          <a:prstGeom prst="rect">
+            <a:avLst/>
+          </a:prstGeom>
+          <a:noFill/>
+        </p:spPr>
+        <p:txBody>
+          <a:bodyPr wrap="none" rtlCol="0">
+            <a:spAutoFit/>
+          </a:bodyPr>
+          <a:lstStyle/>
+          <a:p>
+            <a:r>
+              <a:rPr lang="en-US" dirty="0"/>
+              <a:t>b) Setup Subprocess</a:t>
+            </a:r>
+          </a:p>
+        </p:txBody>
+      </p:sp>
+    </p:spTree>
+    <p:extLst>
+      <p:ext uri="{BB962C8B-B14F-4D97-AF65-F5344CB8AC3E}">
+        <p14:creationId xmlns:p14="http://schemas.microsoft.com/office/powerpoint/2010/main" val="179390575"/>
+      </p:ext>
+    </p:extLst>
+  </p:cSld>
+  <p:clrMapOvr>
+    <a:masterClrMapping/>
+  </p:clrMapOvr>
+</p:sld>
+</file>
+
 <file path=ppt/theme/theme1.xml><?xml version="1.0" encoding="utf-8"?>
 <a:theme xmlns:a="http://schemas.openxmlformats.org/drawingml/2006/main" name="Office Theme">
   <a:themeElements>
-    <a:clrScheme name="Office">
+    <a:clrScheme name="Office Theme">
       <a:dk1>
         <a:sysClr val="windowText" lastClr="000000"/>
       </a:dk1>
@@ -4788,7 +7660,7 @@
         <a:srgbClr val="96607D"/>
       </a:folHlink>
     </a:clrScheme>
-    <a:fontScheme name="Office">
+    <a:fontScheme name="Office Theme">
       <a:majorFont>
         <a:latin typeface="Aptos Display" panose="02110004020202020204"/>
         <a:ea typeface=""/>
@@ -4894,7 +7766,7 @@
         <a:font script="Tfng" typeface="Ebrima"/>
       </a:minorFont>
     </a:fontScheme>
-    <a:fmtScheme name="Office">
+    <a:fmtScheme name="Office Theme">
       <a:fillStyleLst>
         <a:solidFill>
           <a:schemeClr val="phClr"/>
